--- a/gr2_lhj/회원가입.pptx
+++ b/gr2_lhj/회원가입.pptx
@@ -5,11 +5,14 @@
     <p:sldMasterId id="2147483648" r:id="rId1"/>
   </p:sldMasterIdLst>
   <p:notesMasterIdLst>
-    <p:notesMasterId r:id="rId4"/>
+    <p:notesMasterId r:id="rId7"/>
   </p:notesMasterIdLst>
   <p:sldIdLst>
     <p:sldId id="257" r:id="rId2"/>
     <p:sldId id="258" r:id="rId3"/>
+    <p:sldId id="259" r:id="rId4"/>
+    <p:sldId id="260" r:id="rId5"/>
+    <p:sldId id="261" r:id="rId6"/>
   </p:sldIdLst>
   <p:sldSz cx="12192000" cy="6858000"/>
   <p:notesSz cx="6858000" cy="9144000"/>
@@ -198,7 +201,7 @@
           <a:p>
             <a:fld id="{F03EFBC2-9C30-4462-BA1E-64AA47CB4639}" type="datetimeFigureOut">
               <a:rPr lang="ko-KR" altLang="en-US" smtClean="0"/>
-              <a:t>2020-03-30</a:t>
+              <a:t>2020-03-31</a:t>
             </a:fld>
             <a:endParaRPr lang="ko-KR" altLang="en-US"/>
           </a:p>
@@ -719,6 +722,387 @@
 </p:notes>
 </file>
 
+<file path=ppt/notesSlides/notesSlide3.xml><?xml version="1.0" encoding="utf-8"?>
+<p:notes xmlns:a="http://schemas.openxmlformats.org/drawingml/2006/main" xmlns:r="http://schemas.openxmlformats.org/officeDocument/2006/relationships" xmlns:p="http://schemas.openxmlformats.org/presentationml/2006/main" showMasterSp="0" showMasterPhAnim="0">
+  <p:cSld>
+    <p:spTree>
+      <p:nvGrpSpPr>
+        <p:cNvPr id="1" name="Shape 87"/>
+        <p:cNvGrpSpPr/>
+        <p:nvPr/>
+      </p:nvGrpSpPr>
+      <p:grpSpPr>
+        <a:xfrm>
+          <a:off x="0" y="0"/>
+          <a:ext cx="0" cy="0"/>
+          <a:chOff x="0" y="0"/>
+          <a:chExt cx="0" cy="0"/>
+        </a:xfrm>
+      </p:grpSpPr>
+      <p:sp>
+        <p:nvSpPr>
+          <p:cNvPr id="88" name="Google Shape;88;g7c553259d1_0_3:notes"/>
+          <p:cNvSpPr txBox="1">
+            <a:spLocks noGrp="1"/>
+          </p:cNvSpPr>
+          <p:nvPr>
+            <p:ph type="body" idx="1"/>
+          </p:nvPr>
+        </p:nvSpPr>
+        <p:spPr>
+          <a:xfrm>
+            <a:off x="685800" y="4343400"/>
+            <a:ext cx="5486400" cy="4114800"/>
+          </a:xfrm>
+          <a:prstGeom prst="rect">
+            <a:avLst/>
+          </a:prstGeom>
+          <a:noFill/>
+          <a:ln>
+            <a:noFill/>
+          </a:ln>
+        </p:spPr>
+        <p:txBody>
+          <a:bodyPr spcFirstLastPara="1" wrap="square" lIns="91425" tIns="91425" rIns="91425" bIns="91425" anchor="t" anchorCtr="0">
+            <a:noAutofit/>
+          </a:bodyPr>
+          <a:lstStyle/>
+          <a:p>
+            <a:pPr marL="0" lvl="0" indent="0" algn="l" rtl="0">
+              <a:lnSpc>
+                <a:spcPct val="100000"/>
+              </a:lnSpc>
+              <a:spcBef>
+                <a:spcPts val="0"/>
+              </a:spcBef>
+              <a:spcAft>
+                <a:spcPts val="0"/>
+              </a:spcAft>
+              <a:buSzPts val="1100"/>
+              <a:buNone/>
+            </a:pPr>
+            <a:endParaRPr/>
+          </a:p>
+        </p:txBody>
+      </p:sp>
+      <p:sp>
+        <p:nvSpPr>
+          <p:cNvPr id="89" name="Google Shape;89;g7c553259d1_0_3:notes"/>
+          <p:cNvSpPr>
+            <a:spLocks noGrp="1" noRot="1" noChangeAspect="1"/>
+          </p:cNvSpPr>
+          <p:nvPr>
+            <p:ph type="sldImg" idx="2"/>
+          </p:nvPr>
+        </p:nvSpPr>
+        <p:spPr>
+          <a:xfrm>
+            <a:off x="382588" y="685800"/>
+            <a:ext cx="6094412" cy="3429000"/>
+          </a:xfrm>
+          <a:custGeom>
+            <a:avLst/>
+            <a:gdLst/>
+            <a:ahLst/>
+            <a:cxnLst/>
+            <a:rect l="l" t="t" r="r" b="b"/>
+            <a:pathLst>
+              <a:path w="120000" h="120000" extrusionOk="0">
+                <a:moveTo>
+                  <a:pt x="0" y="0"/>
+                </a:moveTo>
+                <a:lnTo>
+                  <a:pt x="120000" y="0"/>
+                </a:lnTo>
+                <a:lnTo>
+                  <a:pt x="120000" y="120000"/>
+                </a:lnTo>
+                <a:lnTo>
+                  <a:pt x="0" y="120000"/>
+                </a:lnTo>
+                <a:close/>
+              </a:path>
+            </a:pathLst>
+          </a:custGeom>
+          <a:noFill/>
+          <a:ln w="9525" cap="flat" cmpd="sng">
+            <a:solidFill>
+              <a:srgbClr val="000000"/>
+            </a:solidFill>
+            <a:prstDash val="solid"/>
+            <a:round/>
+            <a:headEnd type="none" w="sm" len="sm"/>
+            <a:tailEnd type="none" w="sm" len="sm"/>
+          </a:ln>
+        </p:spPr>
+      </p:sp>
+    </p:spTree>
+    <p:extLst>
+      <p:ext uri="{BB962C8B-B14F-4D97-AF65-F5344CB8AC3E}">
+        <p14:creationId xmlns:p14="http://schemas.microsoft.com/office/powerpoint/2010/main" val="904104145"/>
+      </p:ext>
+    </p:extLst>
+  </p:cSld>
+  <p:clrMapOvr>
+    <a:masterClrMapping/>
+  </p:clrMapOvr>
+</p:notes>
+</file>
+
+<file path=ppt/notesSlides/notesSlide4.xml><?xml version="1.0" encoding="utf-8"?>
+<p:notes xmlns:a="http://schemas.openxmlformats.org/drawingml/2006/main" xmlns:r="http://schemas.openxmlformats.org/officeDocument/2006/relationships" xmlns:p="http://schemas.openxmlformats.org/presentationml/2006/main" showMasterSp="0" showMasterPhAnim="0">
+  <p:cSld>
+    <p:spTree>
+      <p:nvGrpSpPr>
+        <p:cNvPr id="1" name="Shape 87"/>
+        <p:cNvGrpSpPr/>
+        <p:nvPr/>
+      </p:nvGrpSpPr>
+      <p:grpSpPr>
+        <a:xfrm>
+          <a:off x="0" y="0"/>
+          <a:ext cx="0" cy="0"/>
+          <a:chOff x="0" y="0"/>
+          <a:chExt cx="0" cy="0"/>
+        </a:xfrm>
+      </p:grpSpPr>
+      <p:sp>
+        <p:nvSpPr>
+          <p:cNvPr id="88" name="Google Shape;88;g7c553259d1_0_3:notes"/>
+          <p:cNvSpPr txBox="1">
+            <a:spLocks noGrp="1"/>
+          </p:cNvSpPr>
+          <p:nvPr>
+            <p:ph type="body" idx="1"/>
+          </p:nvPr>
+        </p:nvSpPr>
+        <p:spPr>
+          <a:xfrm>
+            <a:off x="685800" y="4343400"/>
+            <a:ext cx="5486400" cy="4114800"/>
+          </a:xfrm>
+          <a:prstGeom prst="rect">
+            <a:avLst/>
+          </a:prstGeom>
+          <a:noFill/>
+          <a:ln>
+            <a:noFill/>
+          </a:ln>
+        </p:spPr>
+        <p:txBody>
+          <a:bodyPr spcFirstLastPara="1" wrap="square" lIns="91425" tIns="91425" rIns="91425" bIns="91425" anchor="t" anchorCtr="0">
+            <a:noAutofit/>
+          </a:bodyPr>
+          <a:lstStyle/>
+          <a:p>
+            <a:pPr marL="0" lvl="0" indent="0" algn="l" rtl="0">
+              <a:lnSpc>
+                <a:spcPct val="100000"/>
+              </a:lnSpc>
+              <a:spcBef>
+                <a:spcPts val="0"/>
+              </a:spcBef>
+              <a:spcAft>
+                <a:spcPts val="0"/>
+              </a:spcAft>
+              <a:buSzPts val="1100"/>
+              <a:buNone/>
+            </a:pPr>
+            <a:endParaRPr/>
+          </a:p>
+        </p:txBody>
+      </p:sp>
+      <p:sp>
+        <p:nvSpPr>
+          <p:cNvPr id="89" name="Google Shape;89;g7c553259d1_0_3:notes"/>
+          <p:cNvSpPr>
+            <a:spLocks noGrp="1" noRot="1" noChangeAspect="1"/>
+          </p:cNvSpPr>
+          <p:nvPr>
+            <p:ph type="sldImg" idx="2"/>
+          </p:nvPr>
+        </p:nvSpPr>
+        <p:spPr>
+          <a:xfrm>
+            <a:off x="382588" y="685800"/>
+            <a:ext cx="6094412" cy="3429000"/>
+          </a:xfrm>
+          <a:custGeom>
+            <a:avLst/>
+            <a:gdLst/>
+            <a:ahLst/>
+            <a:cxnLst/>
+            <a:rect l="l" t="t" r="r" b="b"/>
+            <a:pathLst>
+              <a:path w="120000" h="120000" extrusionOk="0">
+                <a:moveTo>
+                  <a:pt x="0" y="0"/>
+                </a:moveTo>
+                <a:lnTo>
+                  <a:pt x="120000" y="0"/>
+                </a:lnTo>
+                <a:lnTo>
+                  <a:pt x="120000" y="120000"/>
+                </a:lnTo>
+                <a:lnTo>
+                  <a:pt x="0" y="120000"/>
+                </a:lnTo>
+                <a:close/>
+              </a:path>
+            </a:pathLst>
+          </a:custGeom>
+          <a:noFill/>
+          <a:ln w="9525" cap="flat" cmpd="sng">
+            <a:solidFill>
+              <a:srgbClr val="000000"/>
+            </a:solidFill>
+            <a:prstDash val="solid"/>
+            <a:round/>
+            <a:headEnd type="none" w="sm" len="sm"/>
+            <a:tailEnd type="none" w="sm" len="sm"/>
+          </a:ln>
+        </p:spPr>
+      </p:sp>
+    </p:spTree>
+    <p:extLst>
+      <p:ext uri="{BB962C8B-B14F-4D97-AF65-F5344CB8AC3E}">
+        <p14:creationId xmlns:p14="http://schemas.microsoft.com/office/powerpoint/2010/main" val="904104145"/>
+      </p:ext>
+    </p:extLst>
+  </p:cSld>
+  <p:clrMapOvr>
+    <a:masterClrMapping/>
+  </p:clrMapOvr>
+</p:notes>
+</file>
+
+<file path=ppt/notesSlides/notesSlide5.xml><?xml version="1.0" encoding="utf-8"?>
+<p:notes xmlns:a="http://schemas.openxmlformats.org/drawingml/2006/main" xmlns:r="http://schemas.openxmlformats.org/officeDocument/2006/relationships" xmlns:p="http://schemas.openxmlformats.org/presentationml/2006/main" showMasterSp="0" showMasterPhAnim="0">
+  <p:cSld>
+    <p:spTree>
+      <p:nvGrpSpPr>
+        <p:cNvPr id="1" name="Shape 87"/>
+        <p:cNvGrpSpPr/>
+        <p:nvPr/>
+      </p:nvGrpSpPr>
+      <p:grpSpPr>
+        <a:xfrm>
+          <a:off x="0" y="0"/>
+          <a:ext cx="0" cy="0"/>
+          <a:chOff x="0" y="0"/>
+          <a:chExt cx="0" cy="0"/>
+        </a:xfrm>
+      </p:grpSpPr>
+      <p:sp>
+        <p:nvSpPr>
+          <p:cNvPr id="88" name="Google Shape;88;g7c553259d1_0_3:notes"/>
+          <p:cNvSpPr txBox="1">
+            <a:spLocks noGrp="1"/>
+          </p:cNvSpPr>
+          <p:nvPr>
+            <p:ph type="body" idx="1"/>
+          </p:nvPr>
+        </p:nvSpPr>
+        <p:spPr>
+          <a:xfrm>
+            <a:off x="685800" y="4343400"/>
+            <a:ext cx="5486400" cy="4114800"/>
+          </a:xfrm>
+          <a:prstGeom prst="rect">
+            <a:avLst/>
+          </a:prstGeom>
+          <a:noFill/>
+          <a:ln>
+            <a:noFill/>
+          </a:ln>
+        </p:spPr>
+        <p:txBody>
+          <a:bodyPr spcFirstLastPara="1" wrap="square" lIns="91425" tIns="91425" rIns="91425" bIns="91425" anchor="t" anchorCtr="0">
+            <a:noAutofit/>
+          </a:bodyPr>
+          <a:lstStyle/>
+          <a:p>
+            <a:pPr marL="0" lvl="0" indent="0" algn="l" rtl="0">
+              <a:lnSpc>
+                <a:spcPct val="100000"/>
+              </a:lnSpc>
+              <a:spcBef>
+                <a:spcPts val="0"/>
+              </a:spcBef>
+              <a:spcAft>
+                <a:spcPts val="0"/>
+              </a:spcAft>
+              <a:buSzPts val="1100"/>
+              <a:buNone/>
+            </a:pPr>
+            <a:endParaRPr/>
+          </a:p>
+        </p:txBody>
+      </p:sp>
+      <p:sp>
+        <p:nvSpPr>
+          <p:cNvPr id="89" name="Google Shape;89;g7c553259d1_0_3:notes"/>
+          <p:cNvSpPr>
+            <a:spLocks noGrp="1" noRot="1" noChangeAspect="1"/>
+          </p:cNvSpPr>
+          <p:nvPr>
+            <p:ph type="sldImg" idx="2"/>
+          </p:nvPr>
+        </p:nvSpPr>
+        <p:spPr>
+          <a:xfrm>
+            <a:off x="382588" y="685800"/>
+            <a:ext cx="6094412" cy="3429000"/>
+          </a:xfrm>
+          <a:custGeom>
+            <a:avLst/>
+            <a:gdLst/>
+            <a:ahLst/>
+            <a:cxnLst/>
+            <a:rect l="l" t="t" r="r" b="b"/>
+            <a:pathLst>
+              <a:path w="120000" h="120000" extrusionOk="0">
+                <a:moveTo>
+                  <a:pt x="0" y="0"/>
+                </a:moveTo>
+                <a:lnTo>
+                  <a:pt x="120000" y="0"/>
+                </a:lnTo>
+                <a:lnTo>
+                  <a:pt x="120000" y="120000"/>
+                </a:lnTo>
+                <a:lnTo>
+                  <a:pt x="0" y="120000"/>
+                </a:lnTo>
+                <a:close/>
+              </a:path>
+            </a:pathLst>
+          </a:custGeom>
+          <a:noFill/>
+          <a:ln w="9525" cap="flat" cmpd="sng">
+            <a:solidFill>
+              <a:srgbClr val="000000"/>
+            </a:solidFill>
+            <a:prstDash val="solid"/>
+            <a:round/>
+            <a:headEnd type="none" w="sm" len="sm"/>
+            <a:tailEnd type="none" w="sm" len="sm"/>
+          </a:ln>
+        </p:spPr>
+      </p:sp>
+    </p:spTree>
+    <p:extLst>
+      <p:ext uri="{BB962C8B-B14F-4D97-AF65-F5344CB8AC3E}">
+        <p14:creationId xmlns:p14="http://schemas.microsoft.com/office/powerpoint/2010/main" val="904104145"/>
+      </p:ext>
+    </p:extLst>
+  </p:cSld>
+  <p:clrMapOvr>
+    <a:masterClrMapping/>
+  </p:clrMapOvr>
+</p:notes>
+</file>
+
 <file path=ppt/slideLayouts/slideLayout1.xml><?xml version="1.0" encoding="utf-8"?>
 <p:sldLayout xmlns:a="http://schemas.openxmlformats.org/drawingml/2006/main" xmlns:r="http://schemas.openxmlformats.org/officeDocument/2006/relationships" xmlns:p="http://schemas.openxmlformats.org/presentationml/2006/main" type="title" preserve="1">
   <p:cSld name="제목 슬라이드">
@@ -866,7 +1250,7 @@
           <a:p>
             <a:fld id="{71300FDF-26D8-4286-AD0F-7005EF3A2E9C}" type="datetimeFigureOut">
               <a:rPr lang="ko-KR" altLang="en-US" smtClean="0"/>
-              <a:t>2020-03-30</a:t>
+              <a:t>2020-03-31</a:t>
             </a:fld>
             <a:endParaRPr lang="ko-KR" altLang="en-US"/>
           </a:p>
@@ -1064,7 +1448,7 @@
           <a:p>
             <a:fld id="{71300FDF-26D8-4286-AD0F-7005EF3A2E9C}" type="datetimeFigureOut">
               <a:rPr lang="ko-KR" altLang="en-US" smtClean="0"/>
-              <a:t>2020-03-30</a:t>
+              <a:t>2020-03-31</a:t>
             </a:fld>
             <a:endParaRPr lang="ko-KR" altLang="en-US"/>
           </a:p>
@@ -1272,7 +1656,7 @@
           <a:p>
             <a:fld id="{71300FDF-26D8-4286-AD0F-7005EF3A2E9C}" type="datetimeFigureOut">
               <a:rPr lang="ko-KR" altLang="en-US" smtClean="0"/>
-              <a:t>2020-03-30</a:t>
+              <a:t>2020-03-31</a:t>
             </a:fld>
             <a:endParaRPr lang="ko-KR" altLang="en-US"/>
           </a:p>
@@ -1470,7 +1854,7 @@
           <a:p>
             <a:fld id="{71300FDF-26D8-4286-AD0F-7005EF3A2E9C}" type="datetimeFigureOut">
               <a:rPr lang="ko-KR" altLang="en-US" smtClean="0"/>
-              <a:t>2020-03-30</a:t>
+              <a:t>2020-03-31</a:t>
             </a:fld>
             <a:endParaRPr lang="ko-KR" altLang="en-US"/>
           </a:p>
@@ -1745,7 +2129,7 @@
           <a:p>
             <a:fld id="{71300FDF-26D8-4286-AD0F-7005EF3A2E9C}" type="datetimeFigureOut">
               <a:rPr lang="ko-KR" altLang="en-US" smtClean="0"/>
-              <a:t>2020-03-30</a:t>
+              <a:t>2020-03-31</a:t>
             </a:fld>
             <a:endParaRPr lang="ko-KR" altLang="en-US"/>
           </a:p>
@@ -2010,7 +2394,7 @@
           <a:p>
             <a:fld id="{71300FDF-26D8-4286-AD0F-7005EF3A2E9C}" type="datetimeFigureOut">
               <a:rPr lang="ko-KR" altLang="en-US" smtClean="0"/>
-              <a:t>2020-03-30</a:t>
+              <a:t>2020-03-31</a:t>
             </a:fld>
             <a:endParaRPr lang="ko-KR" altLang="en-US"/>
           </a:p>
@@ -2422,7 +2806,7 @@
           <a:p>
             <a:fld id="{71300FDF-26D8-4286-AD0F-7005EF3A2E9C}" type="datetimeFigureOut">
               <a:rPr lang="ko-KR" altLang="en-US" smtClean="0"/>
-              <a:t>2020-03-30</a:t>
+              <a:t>2020-03-31</a:t>
             </a:fld>
             <a:endParaRPr lang="ko-KR" altLang="en-US"/>
           </a:p>
@@ -2563,7 +2947,7 @@
           <a:p>
             <a:fld id="{71300FDF-26D8-4286-AD0F-7005EF3A2E9C}" type="datetimeFigureOut">
               <a:rPr lang="ko-KR" altLang="en-US" smtClean="0"/>
-              <a:t>2020-03-30</a:t>
+              <a:t>2020-03-31</a:t>
             </a:fld>
             <a:endParaRPr lang="ko-KR" altLang="en-US"/>
           </a:p>
@@ -2676,7 +3060,7 @@
           <a:p>
             <a:fld id="{71300FDF-26D8-4286-AD0F-7005EF3A2E9C}" type="datetimeFigureOut">
               <a:rPr lang="ko-KR" altLang="en-US" smtClean="0"/>
-              <a:t>2020-03-30</a:t>
+              <a:t>2020-03-31</a:t>
             </a:fld>
             <a:endParaRPr lang="ko-KR" altLang="en-US"/>
           </a:p>
@@ -2987,7 +3371,7 @@
           <a:p>
             <a:fld id="{71300FDF-26D8-4286-AD0F-7005EF3A2E9C}" type="datetimeFigureOut">
               <a:rPr lang="ko-KR" altLang="en-US" smtClean="0"/>
-              <a:t>2020-03-30</a:t>
+              <a:t>2020-03-31</a:t>
             </a:fld>
             <a:endParaRPr lang="ko-KR" altLang="en-US"/>
           </a:p>
@@ -3275,7 +3659,7 @@
           <a:p>
             <a:fld id="{71300FDF-26D8-4286-AD0F-7005EF3A2E9C}" type="datetimeFigureOut">
               <a:rPr lang="ko-KR" altLang="en-US" smtClean="0"/>
-              <a:t>2020-03-30</a:t>
+              <a:t>2020-03-31</a:t>
             </a:fld>
             <a:endParaRPr lang="ko-KR" altLang="en-US"/>
           </a:p>
@@ -3516,7 +3900,7 @@
           <a:p>
             <a:fld id="{71300FDF-26D8-4286-AD0F-7005EF3A2E9C}" type="datetimeFigureOut">
               <a:rPr lang="ko-KR" altLang="en-US" smtClean="0"/>
-              <a:t>2020-03-30</a:t>
+              <a:t>2020-03-31</a:t>
             </a:fld>
             <a:endParaRPr lang="ko-KR" altLang="en-US"/>
           </a:p>
@@ -5732,8 +6116,8 @@
         </p:nvSpPr>
         <p:spPr>
           <a:xfrm>
-            <a:off x="1990165" y="1237124"/>
-            <a:ext cx="4733364" cy="5387794"/>
+            <a:off x="519953" y="1237124"/>
+            <a:ext cx="7745506" cy="5387794"/>
           </a:xfrm>
           <a:prstGeom prst="rect">
             <a:avLst/>
@@ -6233,7 +6617,7 @@
         </p:nvSpPr>
         <p:spPr>
           <a:xfrm>
-            <a:off x="1810871" y="1165412"/>
+            <a:off x="381000" y="1165412"/>
             <a:ext cx="277905" cy="268941"/>
           </a:xfrm>
           <a:prstGeom prst="rect">
@@ -8667,6 +9051,5496 @@
     <p:extLst>
       <p:ext uri="{BB962C8B-B14F-4D97-AF65-F5344CB8AC3E}">
         <p14:creationId xmlns:p14="http://schemas.microsoft.com/office/powerpoint/2010/main" val="2794002854"/>
+      </p:ext>
+    </p:extLst>
+  </p:cSld>
+  <p:clrMapOvr>
+    <a:masterClrMapping/>
+  </p:clrMapOvr>
+</p:sld>
+</file>
+
+<file path=ppt/slides/slide3.xml><?xml version="1.0" encoding="utf-8"?>
+<p:sld xmlns:a="http://schemas.openxmlformats.org/drawingml/2006/main" xmlns:r="http://schemas.openxmlformats.org/officeDocument/2006/relationships" xmlns:p="http://schemas.openxmlformats.org/presentationml/2006/main">
+  <p:cSld>
+    <p:spTree>
+      <p:nvGrpSpPr>
+        <p:cNvPr id="1" name="Shape 90"/>
+        <p:cNvGrpSpPr/>
+        <p:nvPr/>
+      </p:nvGrpSpPr>
+      <p:grpSpPr>
+        <a:xfrm>
+          <a:off x="0" y="0"/>
+          <a:ext cx="0" cy="0"/>
+          <a:chOff x="0" y="0"/>
+          <a:chExt cx="0" cy="0"/>
+        </a:xfrm>
+      </p:grpSpPr>
+      <p:graphicFrame>
+        <p:nvGraphicFramePr>
+          <p:cNvPr id="92" name="Google Shape;92;g7c553259d1_0_3"/>
+          <p:cNvGraphicFramePr/>
+          <p:nvPr>
+            <p:extLst>
+              <p:ext uri="{D42A27DB-BD31-4B8C-83A1-F6EECF244321}">
+                <p14:modId xmlns:p14="http://schemas.microsoft.com/office/powerpoint/2010/main" val="3413504667"/>
+              </p:ext>
+            </p:extLst>
+          </p:nvPr>
+        </p:nvGraphicFramePr>
+        <p:xfrm>
+          <a:off x="131604" y="115759"/>
+          <a:ext cx="3693699" cy="960150"/>
+        </p:xfrm>
+        <a:graphic>
+          <a:graphicData uri="http://schemas.openxmlformats.org/drawingml/2006/table">
+            <a:tbl>
+              <a:tblPr firstRow="1" bandRow="1">
+                <a:noFill/>
+              </a:tblPr>
+              <a:tblGrid>
+                <a:gridCol w="1549025">
+                  <a:extLst>
+                    <a:ext uri="{9D8B030D-6E8A-4147-A177-3AD203B41FA5}">
+                      <a16:colId xmlns="" xmlns:a16="http://schemas.microsoft.com/office/drawing/2014/main" val="20000"/>
+                    </a:ext>
+                  </a:extLst>
+                </a:gridCol>
+                <a:gridCol w="2144674">
+                  <a:extLst>
+                    <a:ext uri="{9D8B030D-6E8A-4147-A177-3AD203B41FA5}">
+                      <a16:colId xmlns="" xmlns:a16="http://schemas.microsoft.com/office/drawing/2014/main" val="20001"/>
+                    </a:ext>
+                  </a:extLst>
+                </a:gridCol>
+              </a:tblGrid>
+              <a:tr h="271225">
+                <a:tc>
+                  <a:txBody>
+                    <a:bodyPr/>
+                    <a:lstStyle/>
+                    <a:p>
+                      <a:pPr marL="0" marR="0" lvl="0" indent="0" algn="ctr" rtl="0">
+                        <a:lnSpc>
+                          <a:spcPct val="100000"/>
+                        </a:lnSpc>
+                        <a:spcBef>
+                          <a:spcPts val="0"/>
+                        </a:spcBef>
+                        <a:spcAft>
+                          <a:spcPts val="0"/>
+                        </a:spcAft>
+                        <a:buClr>
+                          <a:srgbClr val="000000"/>
+                        </a:buClr>
+                        <a:buSzPts val="1500"/>
+                        <a:buFont typeface="Arial"/>
+                        <a:buNone/>
+                      </a:pPr>
+                      <a:r>
+                        <a:rPr lang="ko-KR" sz="1500" b="0" u="none" strike="noStrike" cap="none" dirty="0">
+                          <a:solidFill>
+                            <a:schemeClr val="dk1"/>
+                          </a:solidFill>
+                        </a:rPr>
+                        <a:t>화면코드</a:t>
+                      </a:r>
+                      <a:endParaRPr sz="1500" b="0" u="none" strike="noStrike" cap="none" dirty="0">
+                        <a:solidFill>
+                          <a:schemeClr val="dk1"/>
+                        </a:solidFill>
+                      </a:endParaRPr>
+                    </a:p>
+                  </a:txBody>
+                  <a:tcPr marL="91451" marR="91451" marT="45725" marB="45725" anchor="ctr">
+                    <a:lnL w="12700" cap="flat" cmpd="sng">
+                      <a:solidFill>
+                        <a:schemeClr val="dk1"/>
+                      </a:solidFill>
+                      <a:prstDash val="solid"/>
+                      <a:round/>
+                      <a:headEnd type="none" w="sm" len="sm"/>
+                      <a:tailEnd type="none" w="sm" len="sm"/>
+                    </a:lnL>
+                    <a:lnR w="12700" cap="flat" cmpd="sng">
+                      <a:solidFill>
+                        <a:schemeClr val="dk1"/>
+                      </a:solidFill>
+                      <a:prstDash val="solid"/>
+                      <a:round/>
+                      <a:headEnd type="none" w="sm" len="sm"/>
+                      <a:tailEnd type="none" w="sm" len="sm"/>
+                    </a:lnR>
+                    <a:lnT w="12700" cap="flat" cmpd="sng">
+                      <a:solidFill>
+                        <a:schemeClr val="dk1"/>
+                      </a:solidFill>
+                      <a:prstDash val="solid"/>
+                      <a:round/>
+                      <a:headEnd type="none" w="sm" len="sm"/>
+                      <a:tailEnd type="none" w="sm" len="sm"/>
+                    </a:lnT>
+                    <a:lnB w="12700" cap="flat" cmpd="sng">
+                      <a:solidFill>
+                        <a:schemeClr val="dk1"/>
+                      </a:solidFill>
+                      <a:prstDash val="solid"/>
+                      <a:round/>
+                      <a:headEnd type="none" w="sm" len="sm"/>
+                      <a:tailEnd type="none" w="sm" len="sm"/>
+                    </a:lnB>
+                    <a:solidFill>
+                      <a:srgbClr val="D8D8D8"/>
+                    </a:solidFill>
+                  </a:tcPr>
+                </a:tc>
+                <a:tc>
+                  <a:txBody>
+                    <a:bodyPr/>
+                    <a:lstStyle/>
+                    <a:p>
+                      <a:pPr marL="0" marR="0" lvl="0" indent="0" algn="ctr" rtl="0">
+                        <a:lnSpc>
+                          <a:spcPct val="100000"/>
+                        </a:lnSpc>
+                        <a:spcBef>
+                          <a:spcPts val="0"/>
+                        </a:spcBef>
+                        <a:spcAft>
+                          <a:spcPts val="0"/>
+                        </a:spcAft>
+                        <a:buClr>
+                          <a:srgbClr val="000000"/>
+                        </a:buClr>
+                        <a:buSzPts val="1500"/>
+                        <a:buFont typeface="Arial"/>
+                        <a:buNone/>
+                      </a:pPr>
+                      <a:endParaRPr sz="1100" b="0" u="none" strike="noStrike" cap="none" dirty="0">
+                        <a:solidFill>
+                          <a:schemeClr val="dk1"/>
+                        </a:solidFill>
+                      </a:endParaRPr>
+                    </a:p>
+                  </a:txBody>
+                  <a:tcPr marL="91451" marR="91451" marT="45725" marB="45725" anchor="ctr">
+                    <a:lnL w="12700" cap="flat" cmpd="sng">
+                      <a:solidFill>
+                        <a:schemeClr val="dk1"/>
+                      </a:solidFill>
+                      <a:prstDash val="solid"/>
+                      <a:round/>
+                      <a:headEnd type="none" w="sm" len="sm"/>
+                      <a:tailEnd type="none" w="sm" len="sm"/>
+                    </a:lnL>
+                    <a:lnR w="12700" cap="flat" cmpd="sng">
+                      <a:solidFill>
+                        <a:schemeClr val="dk1"/>
+                      </a:solidFill>
+                      <a:prstDash val="solid"/>
+                      <a:round/>
+                      <a:headEnd type="none" w="sm" len="sm"/>
+                      <a:tailEnd type="none" w="sm" len="sm"/>
+                    </a:lnR>
+                    <a:lnT w="12700" cap="flat" cmpd="sng">
+                      <a:solidFill>
+                        <a:schemeClr val="dk1"/>
+                      </a:solidFill>
+                      <a:prstDash val="solid"/>
+                      <a:round/>
+                      <a:headEnd type="none" w="sm" len="sm"/>
+                      <a:tailEnd type="none" w="sm" len="sm"/>
+                    </a:lnT>
+                    <a:lnB w="12700" cap="flat" cmpd="sng">
+                      <a:solidFill>
+                        <a:schemeClr val="dk1"/>
+                      </a:solidFill>
+                      <a:prstDash val="solid"/>
+                      <a:round/>
+                      <a:headEnd type="none" w="sm" len="sm"/>
+                      <a:tailEnd type="none" w="sm" len="sm"/>
+                    </a:lnB>
+                    <a:solidFill>
+                      <a:schemeClr val="lt1"/>
+                    </a:solidFill>
+                  </a:tcPr>
+                </a:tc>
+                <a:extLst>
+                  <a:ext uri="{0D108BD9-81ED-4DB2-BD59-A6C34878D82A}">
+                    <a16:rowId xmlns="" xmlns:a16="http://schemas.microsoft.com/office/drawing/2014/main" val="10000"/>
+                  </a:ext>
+                </a:extLst>
+              </a:tr>
+              <a:tr h="271225">
+                <a:tc rowSpan="2">
+                  <a:txBody>
+                    <a:bodyPr/>
+                    <a:lstStyle/>
+                    <a:p>
+                      <a:pPr marL="0" marR="0" lvl="0" indent="0" algn="ctr" rtl="0">
+                        <a:lnSpc>
+                          <a:spcPct val="100000"/>
+                        </a:lnSpc>
+                        <a:spcBef>
+                          <a:spcPts val="0"/>
+                        </a:spcBef>
+                        <a:spcAft>
+                          <a:spcPts val="0"/>
+                        </a:spcAft>
+                        <a:buClr>
+                          <a:srgbClr val="000000"/>
+                        </a:buClr>
+                        <a:buSzPts val="1500"/>
+                        <a:buFont typeface="Arial"/>
+                        <a:buNone/>
+                      </a:pPr>
+                      <a:r>
+                        <a:rPr lang="ko-KR" sz="1500" b="0" u="none" strike="noStrike" cap="none">
+                          <a:solidFill>
+                            <a:schemeClr val="dk1"/>
+                          </a:solidFill>
+                        </a:rPr>
+                        <a:t>화면명</a:t>
+                      </a:r>
+                      <a:endParaRPr sz="1500" b="0" u="none" strike="noStrike" cap="none">
+                        <a:solidFill>
+                          <a:schemeClr val="dk1"/>
+                        </a:solidFill>
+                      </a:endParaRPr>
+                    </a:p>
+                  </a:txBody>
+                  <a:tcPr marL="91451" marR="91451" marT="45725" marB="45725" anchor="ctr">
+                    <a:lnL w="12700" cap="flat" cmpd="sng">
+                      <a:solidFill>
+                        <a:schemeClr val="dk1"/>
+                      </a:solidFill>
+                      <a:prstDash val="solid"/>
+                      <a:round/>
+                      <a:headEnd type="none" w="sm" len="sm"/>
+                      <a:tailEnd type="none" w="sm" len="sm"/>
+                    </a:lnL>
+                    <a:lnR w="12700" cap="flat" cmpd="sng">
+                      <a:solidFill>
+                        <a:schemeClr val="dk1"/>
+                      </a:solidFill>
+                      <a:prstDash val="solid"/>
+                      <a:round/>
+                      <a:headEnd type="none" w="sm" len="sm"/>
+                      <a:tailEnd type="none" w="sm" len="sm"/>
+                    </a:lnR>
+                    <a:lnT w="12700" cap="flat" cmpd="sng">
+                      <a:solidFill>
+                        <a:schemeClr val="dk1"/>
+                      </a:solidFill>
+                      <a:prstDash val="solid"/>
+                      <a:round/>
+                      <a:headEnd type="none" w="sm" len="sm"/>
+                      <a:tailEnd type="none" w="sm" len="sm"/>
+                    </a:lnT>
+                    <a:lnB w="12700" cap="flat" cmpd="sng">
+                      <a:solidFill>
+                        <a:schemeClr val="dk1"/>
+                      </a:solidFill>
+                      <a:prstDash val="solid"/>
+                      <a:round/>
+                      <a:headEnd type="none" w="sm" len="sm"/>
+                      <a:tailEnd type="none" w="sm" len="sm"/>
+                    </a:lnB>
+                    <a:solidFill>
+                      <a:srgbClr val="D8D8D8"/>
+                    </a:solidFill>
+                  </a:tcPr>
+                </a:tc>
+                <a:tc>
+                  <a:txBody>
+                    <a:bodyPr/>
+                    <a:lstStyle/>
+                    <a:p>
+                      <a:pPr marL="0" marR="0" lvl="0" indent="0" algn="ctr" rtl="0">
+                        <a:lnSpc>
+                          <a:spcPct val="100000"/>
+                        </a:lnSpc>
+                        <a:spcBef>
+                          <a:spcPts val="0"/>
+                        </a:spcBef>
+                        <a:spcAft>
+                          <a:spcPts val="0"/>
+                        </a:spcAft>
+                        <a:buClr>
+                          <a:srgbClr val="000000"/>
+                        </a:buClr>
+                        <a:buSzPts val="1500"/>
+                        <a:buFont typeface="Arial"/>
+                        <a:buNone/>
+                      </a:pPr>
+                      <a:r>
+                        <a:rPr lang="ko-KR" altLang="en-US" sz="1500" b="0" u="none" strike="noStrike" cap="none" dirty="0" smtClean="0">
+                          <a:solidFill>
+                            <a:schemeClr val="dk1"/>
+                          </a:solidFill>
+                        </a:rPr>
+                        <a:t>회원가입</a:t>
+                      </a:r>
+                      <a:endParaRPr sz="1500" b="0" u="none" strike="noStrike" cap="none" dirty="0">
+                        <a:solidFill>
+                          <a:schemeClr val="dk1"/>
+                        </a:solidFill>
+                      </a:endParaRPr>
+                    </a:p>
+                  </a:txBody>
+                  <a:tcPr marL="91451" marR="91451" marT="45725" marB="45725" anchor="ctr">
+                    <a:lnL w="12700" cap="flat" cmpd="sng">
+                      <a:solidFill>
+                        <a:schemeClr val="dk1"/>
+                      </a:solidFill>
+                      <a:prstDash val="solid"/>
+                      <a:round/>
+                      <a:headEnd type="none" w="sm" len="sm"/>
+                      <a:tailEnd type="none" w="sm" len="sm"/>
+                    </a:lnL>
+                    <a:lnR w="12700" cap="flat" cmpd="sng">
+                      <a:solidFill>
+                        <a:schemeClr val="dk1"/>
+                      </a:solidFill>
+                      <a:prstDash val="solid"/>
+                      <a:round/>
+                      <a:headEnd type="none" w="sm" len="sm"/>
+                      <a:tailEnd type="none" w="sm" len="sm"/>
+                    </a:lnR>
+                    <a:lnT w="12700" cap="flat" cmpd="sng">
+                      <a:solidFill>
+                        <a:schemeClr val="dk1"/>
+                      </a:solidFill>
+                      <a:prstDash val="solid"/>
+                      <a:round/>
+                      <a:headEnd type="none" w="sm" len="sm"/>
+                      <a:tailEnd type="none" w="sm" len="sm"/>
+                    </a:lnT>
+                    <a:lnB w="12700" cap="flat" cmpd="sng">
+                      <a:solidFill>
+                        <a:schemeClr val="dk1"/>
+                      </a:solidFill>
+                      <a:prstDash val="solid"/>
+                      <a:round/>
+                      <a:headEnd type="none" w="sm" len="sm"/>
+                      <a:tailEnd type="none" w="sm" len="sm"/>
+                    </a:lnB>
+                    <a:solidFill>
+                      <a:schemeClr val="lt1"/>
+                    </a:solidFill>
+                  </a:tcPr>
+                </a:tc>
+                <a:extLst>
+                  <a:ext uri="{0D108BD9-81ED-4DB2-BD59-A6C34878D82A}">
+                    <a16:rowId xmlns="" xmlns:a16="http://schemas.microsoft.com/office/drawing/2014/main" val="10001"/>
+                  </a:ext>
+                </a:extLst>
+              </a:tr>
+              <a:tr h="271225">
+                <a:tc vMerge="1">
+                  <a:txBody>
+                    <a:bodyPr/>
+                    <a:lstStyle/>
+                    <a:p>
+                      <a:endParaRPr lang="ko-KR"/>
+                    </a:p>
+                  </a:txBody>
+                  <a:tcPr/>
+                </a:tc>
+                <a:tc>
+                  <a:txBody>
+                    <a:bodyPr/>
+                    <a:lstStyle/>
+                    <a:p>
+                      <a:pPr marL="0" marR="0" lvl="0" indent="0" algn="ctr" rtl="0">
+                        <a:lnSpc>
+                          <a:spcPct val="100000"/>
+                        </a:lnSpc>
+                        <a:spcBef>
+                          <a:spcPts val="0"/>
+                        </a:spcBef>
+                        <a:spcAft>
+                          <a:spcPts val="0"/>
+                        </a:spcAft>
+                        <a:buClr>
+                          <a:srgbClr val="000000"/>
+                        </a:buClr>
+                        <a:buSzPts val="1500"/>
+                        <a:buFont typeface="Arial"/>
+                        <a:buNone/>
+                      </a:pPr>
+                      <a:endParaRPr sz="1500" b="0" u="none" strike="noStrike" cap="none" dirty="0">
+                        <a:solidFill>
+                          <a:schemeClr val="dk1"/>
+                        </a:solidFill>
+                      </a:endParaRPr>
+                    </a:p>
+                  </a:txBody>
+                  <a:tcPr marL="91451" marR="91451" marT="45725" marB="45725" anchor="ctr">
+                    <a:lnL w="12700" cap="flat" cmpd="sng">
+                      <a:solidFill>
+                        <a:schemeClr val="dk1"/>
+                      </a:solidFill>
+                      <a:prstDash val="solid"/>
+                      <a:round/>
+                      <a:headEnd type="none" w="sm" len="sm"/>
+                      <a:tailEnd type="none" w="sm" len="sm"/>
+                    </a:lnL>
+                    <a:lnR w="12700" cap="flat" cmpd="sng">
+                      <a:solidFill>
+                        <a:schemeClr val="dk1"/>
+                      </a:solidFill>
+                      <a:prstDash val="solid"/>
+                      <a:round/>
+                      <a:headEnd type="none" w="sm" len="sm"/>
+                      <a:tailEnd type="none" w="sm" len="sm"/>
+                    </a:lnR>
+                    <a:lnT w="12700" cap="flat" cmpd="sng">
+                      <a:solidFill>
+                        <a:schemeClr val="dk1"/>
+                      </a:solidFill>
+                      <a:prstDash val="solid"/>
+                      <a:round/>
+                      <a:headEnd type="none" w="sm" len="sm"/>
+                      <a:tailEnd type="none" w="sm" len="sm"/>
+                    </a:lnT>
+                    <a:lnB w="12700" cap="flat" cmpd="sng">
+                      <a:solidFill>
+                        <a:schemeClr val="dk1"/>
+                      </a:solidFill>
+                      <a:prstDash val="solid"/>
+                      <a:round/>
+                      <a:headEnd type="none" w="sm" len="sm"/>
+                      <a:tailEnd type="none" w="sm" len="sm"/>
+                    </a:lnB>
+                    <a:solidFill>
+                      <a:schemeClr val="lt1"/>
+                    </a:solidFill>
+                  </a:tcPr>
+                </a:tc>
+                <a:extLst>
+                  <a:ext uri="{0D108BD9-81ED-4DB2-BD59-A6C34878D82A}">
+                    <a16:rowId xmlns="" xmlns:a16="http://schemas.microsoft.com/office/drawing/2014/main" val="10002"/>
+                  </a:ext>
+                </a:extLst>
+              </a:tr>
+            </a:tbl>
+          </a:graphicData>
+        </a:graphic>
+      </p:graphicFrame>
+      <p:graphicFrame>
+        <p:nvGraphicFramePr>
+          <p:cNvPr id="93" name="Google Shape;93;g7c553259d1_0_3"/>
+          <p:cNvGraphicFramePr/>
+          <p:nvPr/>
+        </p:nvGraphicFramePr>
+        <p:xfrm>
+          <a:off x="9309046" y="197403"/>
+          <a:ext cx="2815500" cy="320050"/>
+        </p:xfrm>
+        <a:graphic>
+          <a:graphicData uri="http://schemas.openxmlformats.org/drawingml/2006/table">
+            <a:tbl>
+              <a:tblPr firstRow="1" bandRow="1">
+                <a:noFill/>
+              </a:tblPr>
+              <a:tblGrid>
+                <a:gridCol w="1407750">
+                  <a:extLst>
+                    <a:ext uri="{9D8B030D-6E8A-4147-A177-3AD203B41FA5}">
+                      <a16:colId xmlns="" xmlns:a16="http://schemas.microsoft.com/office/drawing/2014/main" val="20000"/>
+                    </a:ext>
+                  </a:extLst>
+                </a:gridCol>
+                <a:gridCol w="1407750">
+                  <a:extLst>
+                    <a:ext uri="{9D8B030D-6E8A-4147-A177-3AD203B41FA5}">
+                      <a16:colId xmlns="" xmlns:a16="http://schemas.microsoft.com/office/drawing/2014/main" val="20001"/>
+                    </a:ext>
+                  </a:extLst>
+                </a:gridCol>
+              </a:tblGrid>
+              <a:tr h="265075">
+                <a:tc>
+                  <a:txBody>
+                    <a:bodyPr/>
+                    <a:lstStyle/>
+                    <a:p>
+                      <a:pPr marL="0" marR="0" lvl="0" indent="0" algn="ctr" rtl="0">
+                        <a:lnSpc>
+                          <a:spcPct val="100000"/>
+                        </a:lnSpc>
+                        <a:spcBef>
+                          <a:spcPts val="0"/>
+                        </a:spcBef>
+                        <a:spcAft>
+                          <a:spcPts val="0"/>
+                        </a:spcAft>
+                        <a:buClr>
+                          <a:srgbClr val="000000"/>
+                        </a:buClr>
+                        <a:buSzPts val="1500"/>
+                        <a:buFont typeface="Arial"/>
+                        <a:buNone/>
+                      </a:pPr>
+                      <a:r>
+                        <a:rPr lang="ko-KR" sz="1500" b="0" u="none" strike="noStrike" cap="none" dirty="0">
+                          <a:solidFill>
+                            <a:schemeClr val="dk1"/>
+                          </a:solidFill>
+                        </a:rPr>
+                        <a:t>화면 번호</a:t>
+                      </a:r>
+                      <a:endParaRPr sz="1500" b="0" u="none" strike="noStrike" cap="none" dirty="0">
+                        <a:solidFill>
+                          <a:schemeClr val="dk1"/>
+                        </a:solidFill>
+                      </a:endParaRPr>
+                    </a:p>
+                  </a:txBody>
+                  <a:tcPr marL="91451" marR="91451" marT="45725" marB="45725" anchor="ctr">
+                    <a:lnL w="12700" cap="flat" cmpd="sng">
+                      <a:solidFill>
+                        <a:schemeClr val="dk1"/>
+                      </a:solidFill>
+                      <a:prstDash val="solid"/>
+                      <a:round/>
+                      <a:headEnd type="none" w="sm" len="sm"/>
+                      <a:tailEnd type="none" w="sm" len="sm"/>
+                    </a:lnL>
+                    <a:lnR w="12700" cap="flat" cmpd="sng">
+                      <a:solidFill>
+                        <a:schemeClr val="dk1"/>
+                      </a:solidFill>
+                      <a:prstDash val="solid"/>
+                      <a:round/>
+                      <a:headEnd type="none" w="sm" len="sm"/>
+                      <a:tailEnd type="none" w="sm" len="sm"/>
+                    </a:lnR>
+                    <a:lnT w="12700" cap="flat" cmpd="sng">
+                      <a:solidFill>
+                        <a:schemeClr val="dk1"/>
+                      </a:solidFill>
+                      <a:prstDash val="solid"/>
+                      <a:round/>
+                      <a:headEnd type="none" w="sm" len="sm"/>
+                      <a:tailEnd type="none" w="sm" len="sm"/>
+                    </a:lnT>
+                    <a:lnB w="12700" cap="flat" cmpd="sng">
+                      <a:solidFill>
+                        <a:schemeClr val="dk1"/>
+                      </a:solidFill>
+                      <a:prstDash val="solid"/>
+                      <a:round/>
+                      <a:headEnd type="none" w="sm" len="sm"/>
+                      <a:tailEnd type="none" w="sm" len="sm"/>
+                    </a:lnB>
+                    <a:solidFill>
+                      <a:srgbClr val="D8D8D8"/>
+                    </a:solidFill>
+                  </a:tcPr>
+                </a:tc>
+                <a:tc>
+                  <a:txBody>
+                    <a:bodyPr/>
+                    <a:lstStyle/>
+                    <a:p>
+                      <a:pPr marL="0" marR="0" lvl="0" indent="0" algn="ctr" rtl="0">
+                        <a:lnSpc>
+                          <a:spcPct val="100000"/>
+                        </a:lnSpc>
+                        <a:spcBef>
+                          <a:spcPts val="0"/>
+                        </a:spcBef>
+                        <a:spcAft>
+                          <a:spcPts val="0"/>
+                        </a:spcAft>
+                        <a:buClr>
+                          <a:srgbClr val="000000"/>
+                        </a:buClr>
+                        <a:buSzPts val="1500"/>
+                        <a:buFont typeface="Arial"/>
+                        <a:buNone/>
+                      </a:pPr>
+                      <a:r>
+                        <a:rPr lang="en-US" sz="1500" b="0" u="none" strike="noStrike" cap="none" dirty="0">
+                          <a:solidFill>
+                            <a:schemeClr val="dk1"/>
+                          </a:solidFill>
+                        </a:rPr>
+                        <a:t>1</a:t>
+                      </a:r>
+                      <a:endParaRPr sz="1500" b="0" u="none" strike="noStrike" cap="none" dirty="0">
+                        <a:solidFill>
+                          <a:schemeClr val="dk1"/>
+                        </a:solidFill>
+                      </a:endParaRPr>
+                    </a:p>
+                  </a:txBody>
+                  <a:tcPr marL="91451" marR="91451" marT="45725" marB="45725" anchor="ctr">
+                    <a:lnL w="12700" cap="flat" cmpd="sng">
+                      <a:solidFill>
+                        <a:schemeClr val="dk1"/>
+                      </a:solidFill>
+                      <a:prstDash val="solid"/>
+                      <a:round/>
+                      <a:headEnd type="none" w="sm" len="sm"/>
+                      <a:tailEnd type="none" w="sm" len="sm"/>
+                    </a:lnL>
+                    <a:lnR w="12700" cap="flat" cmpd="sng">
+                      <a:solidFill>
+                        <a:schemeClr val="dk1"/>
+                      </a:solidFill>
+                      <a:prstDash val="solid"/>
+                      <a:round/>
+                      <a:headEnd type="none" w="sm" len="sm"/>
+                      <a:tailEnd type="none" w="sm" len="sm"/>
+                    </a:lnR>
+                    <a:lnT w="12700" cap="flat" cmpd="sng">
+                      <a:solidFill>
+                        <a:schemeClr val="dk1"/>
+                      </a:solidFill>
+                      <a:prstDash val="solid"/>
+                      <a:round/>
+                      <a:headEnd type="none" w="sm" len="sm"/>
+                      <a:tailEnd type="none" w="sm" len="sm"/>
+                    </a:lnT>
+                    <a:lnB w="12700" cap="flat" cmpd="sng">
+                      <a:solidFill>
+                        <a:schemeClr val="dk1"/>
+                      </a:solidFill>
+                      <a:prstDash val="solid"/>
+                      <a:round/>
+                      <a:headEnd type="none" w="sm" len="sm"/>
+                      <a:tailEnd type="none" w="sm" len="sm"/>
+                    </a:lnB>
+                    <a:solidFill>
+                      <a:schemeClr val="lt1"/>
+                    </a:solidFill>
+                  </a:tcPr>
+                </a:tc>
+                <a:extLst>
+                  <a:ext uri="{0D108BD9-81ED-4DB2-BD59-A6C34878D82A}">
+                    <a16:rowId xmlns="" xmlns:a16="http://schemas.microsoft.com/office/drawing/2014/main" val="10000"/>
+                  </a:ext>
+                </a:extLst>
+              </a:tr>
+            </a:tbl>
+          </a:graphicData>
+        </a:graphic>
+      </p:graphicFrame>
+      <p:graphicFrame>
+        <p:nvGraphicFramePr>
+          <p:cNvPr id="94" name="Google Shape;94;g7c553259d1_0_3"/>
+          <p:cNvGraphicFramePr/>
+          <p:nvPr/>
+        </p:nvGraphicFramePr>
+        <p:xfrm>
+          <a:off x="6200086" y="197403"/>
+          <a:ext cx="2815500" cy="320050"/>
+        </p:xfrm>
+        <a:graphic>
+          <a:graphicData uri="http://schemas.openxmlformats.org/drawingml/2006/table">
+            <a:tbl>
+              <a:tblPr firstRow="1" bandRow="1">
+                <a:noFill/>
+              </a:tblPr>
+              <a:tblGrid>
+                <a:gridCol w="1407750">
+                  <a:extLst>
+                    <a:ext uri="{9D8B030D-6E8A-4147-A177-3AD203B41FA5}">
+                      <a16:colId xmlns="" xmlns:a16="http://schemas.microsoft.com/office/drawing/2014/main" val="20000"/>
+                    </a:ext>
+                  </a:extLst>
+                </a:gridCol>
+                <a:gridCol w="1407750">
+                  <a:extLst>
+                    <a:ext uri="{9D8B030D-6E8A-4147-A177-3AD203B41FA5}">
+                      <a16:colId xmlns="" xmlns:a16="http://schemas.microsoft.com/office/drawing/2014/main" val="20001"/>
+                    </a:ext>
+                  </a:extLst>
+                </a:gridCol>
+              </a:tblGrid>
+              <a:tr h="265075">
+                <a:tc>
+                  <a:txBody>
+                    <a:bodyPr/>
+                    <a:lstStyle/>
+                    <a:p>
+                      <a:pPr marL="0" marR="0" lvl="0" indent="0" algn="ctr" rtl="0">
+                        <a:lnSpc>
+                          <a:spcPct val="100000"/>
+                        </a:lnSpc>
+                        <a:spcBef>
+                          <a:spcPts val="0"/>
+                        </a:spcBef>
+                        <a:spcAft>
+                          <a:spcPts val="0"/>
+                        </a:spcAft>
+                        <a:buClr>
+                          <a:srgbClr val="000000"/>
+                        </a:buClr>
+                        <a:buSzPts val="1500"/>
+                        <a:buFont typeface="Arial"/>
+                        <a:buNone/>
+                      </a:pPr>
+                      <a:r>
+                        <a:rPr lang="ko-KR" sz="1500" b="0" u="none" strike="noStrike" cap="none">
+                          <a:solidFill>
+                            <a:schemeClr val="dk1"/>
+                          </a:solidFill>
+                        </a:rPr>
+                        <a:t>프로젝트</a:t>
+                      </a:r>
+                      <a:endParaRPr sz="1500" b="0" u="none" strike="noStrike" cap="none">
+                        <a:solidFill>
+                          <a:schemeClr val="dk1"/>
+                        </a:solidFill>
+                      </a:endParaRPr>
+                    </a:p>
+                  </a:txBody>
+                  <a:tcPr marL="91451" marR="91451" marT="45725" marB="45725" anchor="ctr">
+                    <a:lnL w="12700" cap="flat" cmpd="sng">
+                      <a:solidFill>
+                        <a:schemeClr val="dk1"/>
+                      </a:solidFill>
+                      <a:prstDash val="solid"/>
+                      <a:round/>
+                      <a:headEnd type="none" w="sm" len="sm"/>
+                      <a:tailEnd type="none" w="sm" len="sm"/>
+                    </a:lnL>
+                    <a:lnR w="12700" cap="flat" cmpd="sng">
+                      <a:solidFill>
+                        <a:schemeClr val="dk1"/>
+                      </a:solidFill>
+                      <a:prstDash val="solid"/>
+                      <a:round/>
+                      <a:headEnd type="none" w="sm" len="sm"/>
+                      <a:tailEnd type="none" w="sm" len="sm"/>
+                    </a:lnR>
+                    <a:lnT w="12700" cap="flat" cmpd="sng">
+                      <a:solidFill>
+                        <a:schemeClr val="dk1"/>
+                      </a:solidFill>
+                      <a:prstDash val="solid"/>
+                      <a:round/>
+                      <a:headEnd type="none" w="sm" len="sm"/>
+                      <a:tailEnd type="none" w="sm" len="sm"/>
+                    </a:lnT>
+                    <a:lnB w="12700" cap="flat" cmpd="sng">
+                      <a:solidFill>
+                        <a:schemeClr val="dk1"/>
+                      </a:solidFill>
+                      <a:prstDash val="solid"/>
+                      <a:round/>
+                      <a:headEnd type="none" w="sm" len="sm"/>
+                      <a:tailEnd type="none" w="sm" len="sm"/>
+                    </a:lnB>
+                    <a:solidFill>
+                      <a:srgbClr val="D8D8D8"/>
+                    </a:solidFill>
+                  </a:tcPr>
+                </a:tc>
+                <a:tc>
+                  <a:txBody>
+                    <a:bodyPr/>
+                    <a:lstStyle/>
+                    <a:p>
+                      <a:pPr marL="0" marR="0" lvl="0" indent="0" algn="ctr" rtl="0">
+                        <a:lnSpc>
+                          <a:spcPct val="100000"/>
+                        </a:lnSpc>
+                        <a:spcBef>
+                          <a:spcPts val="0"/>
+                        </a:spcBef>
+                        <a:spcAft>
+                          <a:spcPts val="0"/>
+                        </a:spcAft>
+                        <a:buClr>
+                          <a:srgbClr val="000000"/>
+                        </a:buClr>
+                        <a:buSzPts val="1500"/>
+                        <a:buFont typeface="Arial"/>
+                        <a:buNone/>
+                      </a:pPr>
+                      <a:endParaRPr sz="1500" b="0" u="none" strike="noStrike" cap="none">
+                        <a:solidFill>
+                          <a:schemeClr val="dk1"/>
+                        </a:solidFill>
+                      </a:endParaRPr>
+                    </a:p>
+                  </a:txBody>
+                  <a:tcPr marL="91451" marR="91451" marT="45725" marB="45725" anchor="ctr">
+                    <a:lnL w="12700" cap="flat" cmpd="sng">
+                      <a:solidFill>
+                        <a:schemeClr val="dk1"/>
+                      </a:solidFill>
+                      <a:prstDash val="solid"/>
+                      <a:round/>
+                      <a:headEnd type="none" w="sm" len="sm"/>
+                      <a:tailEnd type="none" w="sm" len="sm"/>
+                    </a:lnL>
+                    <a:lnR w="12700" cap="flat" cmpd="sng">
+                      <a:solidFill>
+                        <a:schemeClr val="dk1"/>
+                      </a:solidFill>
+                      <a:prstDash val="solid"/>
+                      <a:round/>
+                      <a:headEnd type="none" w="sm" len="sm"/>
+                      <a:tailEnd type="none" w="sm" len="sm"/>
+                    </a:lnR>
+                    <a:lnT w="12700" cap="flat" cmpd="sng">
+                      <a:solidFill>
+                        <a:schemeClr val="dk1"/>
+                      </a:solidFill>
+                      <a:prstDash val="solid"/>
+                      <a:round/>
+                      <a:headEnd type="none" w="sm" len="sm"/>
+                      <a:tailEnd type="none" w="sm" len="sm"/>
+                    </a:lnT>
+                    <a:lnB w="12700" cap="flat" cmpd="sng">
+                      <a:solidFill>
+                        <a:schemeClr val="dk1"/>
+                      </a:solidFill>
+                      <a:prstDash val="solid"/>
+                      <a:round/>
+                      <a:headEnd type="none" w="sm" len="sm"/>
+                      <a:tailEnd type="none" w="sm" len="sm"/>
+                    </a:lnB>
+                    <a:solidFill>
+                      <a:schemeClr val="lt1"/>
+                    </a:solidFill>
+                  </a:tcPr>
+                </a:tc>
+                <a:extLst>
+                  <a:ext uri="{0D108BD9-81ED-4DB2-BD59-A6C34878D82A}">
+                    <a16:rowId xmlns="" xmlns:a16="http://schemas.microsoft.com/office/drawing/2014/main" val="10000"/>
+                  </a:ext>
+                </a:extLst>
+              </a:tr>
+            </a:tbl>
+          </a:graphicData>
+        </a:graphic>
+      </p:graphicFrame>
+      <p:graphicFrame>
+        <p:nvGraphicFramePr>
+          <p:cNvPr id="96" name="Google Shape;96;g7c553259d1_0_3"/>
+          <p:cNvGraphicFramePr/>
+          <p:nvPr>
+            <p:extLst>
+              <p:ext uri="{D42A27DB-BD31-4B8C-83A1-F6EECF244321}">
+                <p14:modId xmlns:p14="http://schemas.microsoft.com/office/powerpoint/2010/main" val="1772633593"/>
+              </p:ext>
+            </p:extLst>
+          </p:nvPr>
+        </p:nvGraphicFramePr>
+        <p:xfrm>
+          <a:off x="8843382" y="836712"/>
+          <a:ext cx="2952330" cy="1005860"/>
+        </p:xfrm>
+        <a:graphic>
+          <a:graphicData uri="http://schemas.openxmlformats.org/drawingml/2006/table">
+            <a:tbl>
+              <a:tblPr firstRow="1" bandRow="1">
+                <a:noFill/>
+              </a:tblPr>
+              <a:tblGrid>
+                <a:gridCol w="289755">
+                  <a:extLst>
+                    <a:ext uri="{9D8B030D-6E8A-4147-A177-3AD203B41FA5}">
+                      <a16:colId xmlns="" xmlns:a16="http://schemas.microsoft.com/office/drawing/2014/main" val="20000"/>
+                    </a:ext>
+                  </a:extLst>
+                </a:gridCol>
+                <a:gridCol w="2662575">
+                  <a:extLst>
+                    <a:ext uri="{9D8B030D-6E8A-4147-A177-3AD203B41FA5}">
+                      <a16:colId xmlns="" xmlns:a16="http://schemas.microsoft.com/office/drawing/2014/main" val="20001"/>
+                    </a:ext>
+                  </a:extLst>
+                </a:gridCol>
+              </a:tblGrid>
+              <a:tr h="286673">
+                <a:tc>
+                  <a:txBody>
+                    <a:bodyPr/>
+                    <a:lstStyle/>
+                    <a:p>
+                      <a:pPr marL="0" marR="0" lvl="0" indent="0" algn="ctr" rtl="0">
+                        <a:lnSpc>
+                          <a:spcPct val="100000"/>
+                        </a:lnSpc>
+                        <a:spcBef>
+                          <a:spcPts val="0"/>
+                        </a:spcBef>
+                        <a:spcAft>
+                          <a:spcPts val="0"/>
+                        </a:spcAft>
+                        <a:buClr>
+                          <a:srgbClr val="000000"/>
+                        </a:buClr>
+                        <a:buSzPts val="1500"/>
+                        <a:buFont typeface="Arial"/>
+                        <a:buNone/>
+                      </a:pPr>
+                      <a:r>
+                        <a:rPr lang="ko-KR" sz="1500" u="none" strike="noStrike" cap="none" dirty="0">
+                          <a:solidFill>
+                            <a:schemeClr val="dk1"/>
+                          </a:solidFill>
+                        </a:rPr>
+                        <a:t>#</a:t>
+                      </a:r>
+                      <a:endParaRPr sz="1500" u="none" strike="noStrike" cap="none" dirty="0">
+                        <a:solidFill>
+                          <a:schemeClr val="dk1"/>
+                        </a:solidFill>
+                      </a:endParaRPr>
+                    </a:p>
+                  </a:txBody>
+                  <a:tcPr marL="91451" marR="91451" marT="45725" marB="45725" anchor="ctr">
+                    <a:lnL w="12700" cap="flat" cmpd="sng">
+                      <a:solidFill>
+                        <a:schemeClr val="dk1"/>
+                      </a:solidFill>
+                      <a:prstDash val="solid"/>
+                      <a:round/>
+                      <a:headEnd type="none" w="sm" len="sm"/>
+                      <a:tailEnd type="none" w="sm" len="sm"/>
+                    </a:lnL>
+                    <a:lnR w="12700" cap="flat" cmpd="sng">
+                      <a:solidFill>
+                        <a:schemeClr val="dk1"/>
+                      </a:solidFill>
+                      <a:prstDash val="solid"/>
+                      <a:round/>
+                      <a:headEnd type="none" w="sm" len="sm"/>
+                      <a:tailEnd type="none" w="sm" len="sm"/>
+                    </a:lnR>
+                    <a:lnT w="12700" cap="flat" cmpd="sng">
+                      <a:solidFill>
+                        <a:schemeClr val="dk1"/>
+                      </a:solidFill>
+                      <a:prstDash val="solid"/>
+                      <a:round/>
+                      <a:headEnd type="none" w="sm" len="sm"/>
+                      <a:tailEnd type="none" w="sm" len="sm"/>
+                    </a:lnT>
+                    <a:lnB w="12700" cap="flat" cmpd="sng">
+                      <a:solidFill>
+                        <a:schemeClr val="dk1"/>
+                      </a:solidFill>
+                      <a:prstDash val="solid"/>
+                      <a:round/>
+                      <a:headEnd type="none" w="sm" len="sm"/>
+                      <a:tailEnd type="none" w="sm" len="sm"/>
+                    </a:lnB>
+                    <a:solidFill>
+                      <a:srgbClr val="D8D8D8"/>
+                    </a:solidFill>
+                  </a:tcPr>
+                </a:tc>
+                <a:tc>
+                  <a:txBody>
+                    <a:bodyPr/>
+                    <a:lstStyle/>
+                    <a:p>
+                      <a:pPr marL="0" marR="0" lvl="0" indent="0" algn="ctr" rtl="0">
+                        <a:lnSpc>
+                          <a:spcPct val="100000"/>
+                        </a:lnSpc>
+                        <a:spcBef>
+                          <a:spcPts val="0"/>
+                        </a:spcBef>
+                        <a:spcAft>
+                          <a:spcPts val="0"/>
+                        </a:spcAft>
+                        <a:buClr>
+                          <a:srgbClr val="000000"/>
+                        </a:buClr>
+                        <a:buSzPts val="1500"/>
+                        <a:buFont typeface="Arial"/>
+                        <a:buNone/>
+                      </a:pPr>
+                      <a:r>
+                        <a:rPr lang="ko-KR" sz="1500" u="none" strike="noStrike" cap="none" dirty="0" err="1">
+                          <a:solidFill>
+                            <a:schemeClr val="dk1"/>
+                          </a:solidFill>
+                        </a:rPr>
+                        <a:t>기능명</a:t>
+                      </a:r>
+                      <a:endParaRPr sz="1500" u="none" strike="noStrike" cap="none" dirty="0">
+                        <a:solidFill>
+                          <a:schemeClr val="dk1"/>
+                        </a:solidFill>
+                      </a:endParaRPr>
+                    </a:p>
+                  </a:txBody>
+                  <a:tcPr marL="91451" marR="91451" marT="45725" marB="45725" anchor="ctr">
+                    <a:lnL w="12700" cap="flat" cmpd="sng">
+                      <a:solidFill>
+                        <a:schemeClr val="dk1"/>
+                      </a:solidFill>
+                      <a:prstDash val="solid"/>
+                      <a:round/>
+                      <a:headEnd type="none" w="sm" len="sm"/>
+                      <a:tailEnd type="none" w="sm" len="sm"/>
+                    </a:lnL>
+                    <a:lnR w="12700" cap="flat" cmpd="sng">
+                      <a:solidFill>
+                        <a:schemeClr val="dk1"/>
+                      </a:solidFill>
+                      <a:prstDash val="solid"/>
+                      <a:round/>
+                      <a:headEnd type="none" w="sm" len="sm"/>
+                      <a:tailEnd type="none" w="sm" len="sm"/>
+                    </a:lnR>
+                    <a:lnT w="12700" cap="flat" cmpd="sng">
+                      <a:solidFill>
+                        <a:schemeClr val="dk1"/>
+                      </a:solidFill>
+                      <a:prstDash val="solid"/>
+                      <a:round/>
+                      <a:headEnd type="none" w="sm" len="sm"/>
+                      <a:tailEnd type="none" w="sm" len="sm"/>
+                    </a:lnT>
+                    <a:lnB w="12700" cap="flat" cmpd="sng">
+                      <a:solidFill>
+                        <a:schemeClr val="dk1"/>
+                      </a:solidFill>
+                      <a:prstDash val="solid"/>
+                      <a:round/>
+                      <a:headEnd type="none" w="sm" len="sm"/>
+                      <a:tailEnd type="none" w="sm" len="sm"/>
+                    </a:lnB>
+                    <a:solidFill>
+                      <a:srgbClr val="D8D8D8"/>
+                    </a:solidFill>
+                  </a:tcPr>
+                </a:tc>
+                <a:extLst>
+                  <a:ext uri="{0D108BD9-81ED-4DB2-BD59-A6C34878D82A}">
+                    <a16:rowId xmlns="" xmlns:a16="http://schemas.microsoft.com/office/drawing/2014/main" val="10000"/>
+                  </a:ext>
+                </a:extLst>
+              </a:tr>
+              <a:tr h="328022">
+                <a:tc>
+                  <a:txBody>
+                    <a:bodyPr/>
+                    <a:lstStyle/>
+                    <a:p>
+                      <a:pPr marL="0" marR="0" lvl="0" indent="0" algn="ctr" rtl="0">
+                        <a:lnSpc>
+                          <a:spcPct val="100000"/>
+                        </a:lnSpc>
+                        <a:spcBef>
+                          <a:spcPts val="0"/>
+                        </a:spcBef>
+                        <a:spcAft>
+                          <a:spcPts val="0"/>
+                        </a:spcAft>
+                        <a:buClr>
+                          <a:srgbClr val="000000"/>
+                        </a:buClr>
+                        <a:buSzPts val="1500"/>
+                        <a:buFont typeface="Arial"/>
+                        <a:buNone/>
+                      </a:pPr>
+                      <a:r>
+                        <a:rPr lang="ko-KR" sz="1500" u="none" strike="noStrike" cap="none" dirty="0">
+                          <a:solidFill>
+                            <a:schemeClr val="dk1"/>
+                          </a:solidFill>
+                        </a:rPr>
+                        <a:t>1</a:t>
+                      </a:r>
+                      <a:endParaRPr sz="1500" u="none" strike="noStrike" cap="none" dirty="0">
+                        <a:solidFill>
+                          <a:schemeClr val="dk1"/>
+                        </a:solidFill>
+                      </a:endParaRPr>
+                    </a:p>
+                  </a:txBody>
+                  <a:tcPr marL="91451" marR="91451" marT="45725" marB="45725" anchor="ctr">
+                    <a:lnL w="12700" cap="flat" cmpd="sng">
+                      <a:solidFill>
+                        <a:schemeClr val="dk1"/>
+                      </a:solidFill>
+                      <a:prstDash val="solid"/>
+                      <a:round/>
+                      <a:headEnd type="none" w="sm" len="sm"/>
+                      <a:tailEnd type="none" w="sm" len="sm"/>
+                    </a:lnL>
+                    <a:lnR w="12700" cap="flat" cmpd="sng">
+                      <a:solidFill>
+                        <a:schemeClr val="dk1"/>
+                      </a:solidFill>
+                      <a:prstDash val="solid"/>
+                      <a:round/>
+                      <a:headEnd type="none" w="sm" len="sm"/>
+                      <a:tailEnd type="none" w="sm" len="sm"/>
+                    </a:lnR>
+                    <a:lnT w="12700" cap="flat" cmpd="sng">
+                      <a:solidFill>
+                        <a:schemeClr val="dk1"/>
+                      </a:solidFill>
+                      <a:prstDash val="solid"/>
+                      <a:round/>
+                      <a:headEnd type="none" w="sm" len="sm"/>
+                      <a:tailEnd type="none" w="sm" len="sm"/>
+                    </a:lnT>
+                    <a:lnB w="12700" cap="flat" cmpd="sng">
+                      <a:solidFill>
+                        <a:schemeClr val="dk1"/>
+                      </a:solidFill>
+                      <a:prstDash val="solid"/>
+                      <a:round/>
+                      <a:headEnd type="none" w="sm" len="sm"/>
+                      <a:tailEnd type="none" w="sm" len="sm"/>
+                    </a:lnB>
+                    <a:solidFill>
+                      <a:schemeClr val="lt1"/>
+                    </a:solidFill>
+                  </a:tcPr>
+                </a:tc>
+                <a:tc>
+                  <a:txBody>
+                    <a:bodyPr/>
+                    <a:lstStyle/>
+                    <a:p>
+                      <a:pPr marL="133350" marR="0" lvl="0" indent="0" algn="l" rtl="0">
+                        <a:lnSpc>
+                          <a:spcPct val="100000"/>
+                        </a:lnSpc>
+                        <a:spcBef>
+                          <a:spcPts val="0"/>
+                        </a:spcBef>
+                        <a:spcAft>
+                          <a:spcPts val="0"/>
+                        </a:spcAft>
+                        <a:buClr>
+                          <a:srgbClr val="000000"/>
+                        </a:buClr>
+                        <a:buSzPts val="1500"/>
+                        <a:buFont typeface="Arial"/>
+                        <a:buNone/>
+                        <a:tabLst/>
+                      </a:pPr>
+                      <a:r>
+                        <a:rPr lang="ko-KR" altLang="en-US" sz="1300" b="0" u="none" strike="noStrike" cap="none" dirty="0" smtClean="0"/>
+                        <a:t>회원가입 완료 페이지</a:t>
+                      </a:r>
+                      <a:r>
+                        <a:rPr lang="en-US" altLang="ko-KR" sz="1300" b="0" u="none" strike="noStrike" cap="none" dirty="0" smtClean="0"/>
+                        <a:t>, </a:t>
+                      </a:r>
+                      <a:r>
+                        <a:rPr lang="ko-KR" altLang="en-US" sz="1300" b="0" u="none" strike="noStrike" cap="none" dirty="0" smtClean="0"/>
+                        <a:t>로그인 버튼을 눌러서 로그인 페이지로 이동</a:t>
+                      </a:r>
+                      <a:endParaRPr lang="en-US" altLang="ko-KR" sz="1300" b="0" u="none" strike="noStrike" cap="none" dirty="0" smtClean="0"/>
+                    </a:p>
+                  </a:txBody>
+                  <a:tcPr marL="91451" marR="91451" marT="45725" marB="45725">
+                    <a:lnL w="12700" cap="flat" cmpd="sng">
+                      <a:solidFill>
+                        <a:schemeClr val="dk1"/>
+                      </a:solidFill>
+                      <a:prstDash val="solid"/>
+                      <a:round/>
+                      <a:headEnd type="none" w="sm" len="sm"/>
+                      <a:tailEnd type="none" w="sm" len="sm"/>
+                    </a:lnL>
+                    <a:lnR w="12700" cap="flat" cmpd="sng">
+                      <a:solidFill>
+                        <a:schemeClr val="dk1"/>
+                      </a:solidFill>
+                      <a:prstDash val="solid"/>
+                      <a:round/>
+                      <a:headEnd type="none" w="sm" len="sm"/>
+                      <a:tailEnd type="none" w="sm" len="sm"/>
+                    </a:lnR>
+                    <a:lnT w="12700" cap="flat" cmpd="sng">
+                      <a:solidFill>
+                        <a:schemeClr val="dk1"/>
+                      </a:solidFill>
+                      <a:prstDash val="solid"/>
+                      <a:round/>
+                      <a:headEnd type="none" w="sm" len="sm"/>
+                      <a:tailEnd type="none" w="sm" len="sm"/>
+                    </a:lnT>
+                    <a:lnB w="12700" cap="flat" cmpd="sng">
+                      <a:solidFill>
+                        <a:schemeClr val="dk1"/>
+                      </a:solidFill>
+                      <a:prstDash val="solid"/>
+                      <a:round/>
+                      <a:headEnd type="none" w="sm" len="sm"/>
+                      <a:tailEnd type="none" w="sm" len="sm"/>
+                    </a:lnB>
+                    <a:solidFill>
+                      <a:schemeClr val="lt1"/>
+                    </a:solidFill>
+                  </a:tcPr>
+                </a:tc>
+                <a:extLst>
+                  <a:ext uri="{0D108BD9-81ED-4DB2-BD59-A6C34878D82A}">
+                    <a16:rowId xmlns="" xmlns:a16="http://schemas.microsoft.com/office/drawing/2014/main" val="10001"/>
+                  </a:ext>
+                </a:extLst>
+              </a:tr>
+            </a:tbl>
+          </a:graphicData>
+        </a:graphic>
+      </p:graphicFrame>
+      <p:sp>
+        <p:nvSpPr>
+          <p:cNvPr id="2" name="직사각형 1"/>
+          <p:cNvSpPr/>
+          <p:nvPr/>
+        </p:nvSpPr>
+        <p:spPr>
+          <a:xfrm>
+            <a:off x="1048871" y="1658471"/>
+            <a:ext cx="6938682" cy="4616823"/>
+          </a:xfrm>
+          <a:prstGeom prst="rect">
+            <a:avLst/>
+          </a:prstGeom>
+          <a:noFill/>
+          <a:ln>
+            <a:solidFill>
+              <a:schemeClr val="tx1"/>
+            </a:solidFill>
+          </a:ln>
+        </p:spPr>
+        <p:style>
+          <a:lnRef idx="2">
+            <a:schemeClr val="accent1">
+              <a:shade val="50000"/>
+            </a:schemeClr>
+          </a:lnRef>
+          <a:fillRef idx="1">
+            <a:schemeClr val="accent1"/>
+          </a:fillRef>
+          <a:effectRef idx="0">
+            <a:schemeClr val="accent1"/>
+          </a:effectRef>
+          <a:fontRef idx="minor">
+            <a:schemeClr val="lt1"/>
+          </a:fontRef>
+        </p:style>
+        <p:txBody>
+          <a:bodyPr rtlCol="0" anchor="ctr"/>
+          <a:lstStyle/>
+          <a:p>
+            <a:pPr algn="ctr"/>
+            <a:endParaRPr lang="ko-KR" altLang="en-US"/>
+          </a:p>
+        </p:txBody>
+      </p:sp>
+      <p:sp>
+        <p:nvSpPr>
+          <p:cNvPr id="3" name="TextBox 2"/>
+          <p:cNvSpPr txBox="1"/>
+          <p:nvPr/>
+        </p:nvSpPr>
+        <p:spPr>
+          <a:xfrm>
+            <a:off x="2487706" y="2779058"/>
+            <a:ext cx="4061012" cy="369332"/>
+          </a:xfrm>
+          <a:prstGeom prst="rect">
+            <a:avLst/>
+          </a:prstGeom>
+          <a:noFill/>
+        </p:spPr>
+        <p:txBody>
+          <a:bodyPr wrap="square" rtlCol="0">
+            <a:spAutoFit/>
+          </a:bodyPr>
+          <a:lstStyle/>
+          <a:p>
+            <a:pPr algn="ctr"/>
+            <a:r>
+              <a:rPr lang="ko-KR" altLang="en-US" dirty="0" smtClean="0"/>
+              <a:t>회원가입이 완료되었습니다</a:t>
+            </a:r>
+            <a:r>
+              <a:rPr lang="en-US" altLang="ko-KR" dirty="0" smtClean="0"/>
+              <a:t>.</a:t>
+            </a:r>
+            <a:endParaRPr lang="ko-KR" altLang="en-US" dirty="0"/>
+          </a:p>
+        </p:txBody>
+      </p:sp>
+      <p:sp>
+        <p:nvSpPr>
+          <p:cNvPr id="6" name="직사각형 5"/>
+          <p:cNvSpPr/>
+          <p:nvPr/>
+        </p:nvSpPr>
+        <p:spPr>
+          <a:xfrm>
+            <a:off x="3738282" y="4885765"/>
+            <a:ext cx="1559859" cy="591671"/>
+          </a:xfrm>
+          <a:prstGeom prst="rect">
+            <a:avLst/>
+          </a:prstGeom>
+        </p:spPr>
+        <p:style>
+          <a:lnRef idx="2">
+            <a:schemeClr val="accent1">
+              <a:shade val="50000"/>
+            </a:schemeClr>
+          </a:lnRef>
+          <a:fillRef idx="1">
+            <a:schemeClr val="accent1"/>
+          </a:fillRef>
+          <a:effectRef idx="0">
+            <a:schemeClr val="accent1"/>
+          </a:effectRef>
+          <a:fontRef idx="minor">
+            <a:schemeClr val="lt1"/>
+          </a:fontRef>
+        </p:style>
+        <p:txBody>
+          <a:bodyPr rtlCol="0" anchor="ctr"/>
+          <a:lstStyle/>
+          <a:p>
+            <a:pPr algn="ctr"/>
+            <a:r>
+              <a:rPr lang="ko-KR" altLang="en-US" dirty="0" smtClean="0"/>
+              <a:t>로그인</a:t>
+            </a:r>
+            <a:endParaRPr lang="ko-KR" altLang="en-US" dirty="0"/>
+          </a:p>
+        </p:txBody>
+      </p:sp>
+    </p:spTree>
+    <p:extLst>
+      <p:ext uri="{BB962C8B-B14F-4D97-AF65-F5344CB8AC3E}">
+        <p14:creationId xmlns:p14="http://schemas.microsoft.com/office/powerpoint/2010/main" val="2444597686"/>
+      </p:ext>
+    </p:extLst>
+  </p:cSld>
+  <p:clrMapOvr>
+    <a:masterClrMapping/>
+  </p:clrMapOvr>
+</p:sld>
+</file>
+
+<file path=ppt/slides/slide4.xml><?xml version="1.0" encoding="utf-8"?>
+<p:sld xmlns:a="http://schemas.openxmlformats.org/drawingml/2006/main" xmlns:r="http://schemas.openxmlformats.org/officeDocument/2006/relationships" xmlns:p="http://schemas.openxmlformats.org/presentationml/2006/main">
+  <p:cSld>
+    <p:spTree>
+      <p:nvGrpSpPr>
+        <p:cNvPr id="1" name="Shape 90"/>
+        <p:cNvGrpSpPr/>
+        <p:nvPr/>
+      </p:nvGrpSpPr>
+      <p:grpSpPr>
+        <a:xfrm>
+          <a:off x="0" y="0"/>
+          <a:ext cx="0" cy="0"/>
+          <a:chOff x="0" y="0"/>
+          <a:chExt cx="0" cy="0"/>
+        </a:xfrm>
+      </p:grpSpPr>
+      <p:graphicFrame>
+        <p:nvGraphicFramePr>
+          <p:cNvPr id="92" name="Google Shape;92;g7c553259d1_0_3"/>
+          <p:cNvGraphicFramePr/>
+          <p:nvPr>
+            <p:extLst>
+              <p:ext uri="{D42A27DB-BD31-4B8C-83A1-F6EECF244321}">
+                <p14:modId xmlns:p14="http://schemas.microsoft.com/office/powerpoint/2010/main" val="3982733122"/>
+              </p:ext>
+            </p:extLst>
+          </p:nvPr>
+        </p:nvGraphicFramePr>
+        <p:xfrm>
+          <a:off x="131604" y="115759"/>
+          <a:ext cx="3693699" cy="960150"/>
+        </p:xfrm>
+        <a:graphic>
+          <a:graphicData uri="http://schemas.openxmlformats.org/drawingml/2006/table">
+            <a:tbl>
+              <a:tblPr firstRow="1" bandRow="1">
+                <a:noFill/>
+              </a:tblPr>
+              <a:tblGrid>
+                <a:gridCol w="1549025">
+                  <a:extLst>
+                    <a:ext uri="{9D8B030D-6E8A-4147-A177-3AD203B41FA5}">
+                      <a16:colId xmlns="" xmlns:a16="http://schemas.microsoft.com/office/drawing/2014/main" val="20000"/>
+                    </a:ext>
+                  </a:extLst>
+                </a:gridCol>
+                <a:gridCol w="2144674">
+                  <a:extLst>
+                    <a:ext uri="{9D8B030D-6E8A-4147-A177-3AD203B41FA5}">
+                      <a16:colId xmlns="" xmlns:a16="http://schemas.microsoft.com/office/drawing/2014/main" val="20001"/>
+                    </a:ext>
+                  </a:extLst>
+                </a:gridCol>
+              </a:tblGrid>
+              <a:tr h="271225">
+                <a:tc>
+                  <a:txBody>
+                    <a:bodyPr/>
+                    <a:lstStyle/>
+                    <a:p>
+                      <a:pPr marL="0" marR="0" lvl="0" indent="0" algn="ctr" rtl="0">
+                        <a:lnSpc>
+                          <a:spcPct val="100000"/>
+                        </a:lnSpc>
+                        <a:spcBef>
+                          <a:spcPts val="0"/>
+                        </a:spcBef>
+                        <a:spcAft>
+                          <a:spcPts val="0"/>
+                        </a:spcAft>
+                        <a:buClr>
+                          <a:srgbClr val="000000"/>
+                        </a:buClr>
+                        <a:buSzPts val="1500"/>
+                        <a:buFont typeface="Arial"/>
+                        <a:buNone/>
+                      </a:pPr>
+                      <a:r>
+                        <a:rPr lang="ko-KR" sz="1500" b="0" u="none" strike="noStrike" cap="none" dirty="0">
+                          <a:solidFill>
+                            <a:schemeClr val="dk1"/>
+                          </a:solidFill>
+                        </a:rPr>
+                        <a:t>화면코드</a:t>
+                      </a:r>
+                      <a:endParaRPr sz="1500" b="0" u="none" strike="noStrike" cap="none" dirty="0">
+                        <a:solidFill>
+                          <a:schemeClr val="dk1"/>
+                        </a:solidFill>
+                      </a:endParaRPr>
+                    </a:p>
+                  </a:txBody>
+                  <a:tcPr marL="91451" marR="91451" marT="45725" marB="45725" anchor="ctr">
+                    <a:lnL w="12700" cap="flat" cmpd="sng">
+                      <a:solidFill>
+                        <a:schemeClr val="dk1"/>
+                      </a:solidFill>
+                      <a:prstDash val="solid"/>
+                      <a:round/>
+                      <a:headEnd type="none" w="sm" len="sm"/>
+                      <a:tailEnd type="none" w="sm" len="sm"/>
+                    </a:lnL>
+                    <a:lnR w="12700" cap="flat" cmpd="sng">
+                      <a:solidFill>
+                        <a:schemeClr val="dk1"/>
+                      </a:solidFill>
+                      <a:prstDash val="solid"/>
+                      <a:round/>
+                      <a:headEnd type="none" w="sm" len="sm"/>
+                      <a:tailEnd type="none" w="sm" len="sm"/>
+                    </a:lnR>
+                    <a:lnT w="12700" cap="flat" cmpd="sng">
+                      <a:solidFill>
+                        <a:schemeClr val="dk1"/>
+                      </a:solidFill>
+                      <a:prstDash val="solid"/>
+                      <a:round/>
+                      <a:headEnd type="none" w="sm" len="sm"/>
+                      <a:tailEnd type="none" w="sm" len="sm"/>
+                    </a:lnT>
+                    <a:lnB w="12700" cap="flat" cmpd="sng">
+                      <a:solidFill>
+                        <a:schemeClr val="dk1"/>
+                      </a:solidFill>
+                      <a:prstDash val="solid"/>
+                      <a:round/>
+                      <a:headEnd type="none" w="sm" len="sm"/>
+                      <a:tailEnd type="none" w="sm" len="sm"/>
+                    </a:lnB>
+                    <a:solidFill>
+                      <a:srgbClr val="D8D8D8"/>
+                    </a:solidFill>
+                  </a:tcPr>
+                </a:tc>
+                <a:tc>
+                  <a:txBody>
+                    <a:bodyPr/>
+                    <a:lstStyle/>
+                    <a:p>
+                      <a:pPr marL="0" marR="0" lvl="0" indent="0" algn="ctr" rtl="0">
+                        <a:lnSpc>
+                          <a:spcPct val="100000"/>
+                        </a:lnSpc>
+                        <a:spcBef>
+                          <a:spcPts val="0"/>
+                        </a:spcBef>
+                        <a:spcAft>
+                          <a:spcPts val="0"/>
+                        </a:spcAft>
+                        <a:buClr>
+                          <a:srgbClr val="000000"/>
+                        </a:buClr>
+                        <a:buSzPts val="1500"/>
+                        <a:buFont typeface="Arial"/>
+                        <a:buNone/>
+                      </a:pPr>
+                      <a:endParaRPr sz="1100" b="0" u="none" strike="noStrike" cap="none" dirty="0">
+                        <a:solidFill>
+                          <a:schemeClr val="dk1"/>
+                        </a:solidFill>
+                      </a:endParaRPr>
+                    </a:p>
+                  </a:txBody>
+                  <a:tcPr marL="91451" marR="91451" marT="45725" marB="45725" anchor="ctr">
+                    <a:lnL w="12700" cap="flat" cmpd="sng">
+                      <a:solidFill>
+                        <a:schemeClr val="dk1"/>
+                      </a:solidFill>
+                      <a:prstDash val="solid"/>
+                      <a:round/>
+                      <a:headEnd type="none" w="sm" len="sm"/>
+                      <a:tailEnd type="none" w="sm" len="sm"/>
+                    </a:lnL>
+                    <a:lnR w="12700" cap="flat" cmpd="sng">
+                      <a:solidFill>
+                        <a:schemeClr val="dk1"/>
+                      </a:solidFill>
+                      <a:prstDash val="solid"/>
+                      <a:round/>
+                      <a:headEnd type="none" w="sm" len="sm"/>
+                      <a:tailEnd type="none" w="sm" len="sm"/>
+                    </a:lnR>
+                    <a:lnT w="12700" cap="flat" cmpd="sng">
+                      <a:solidFill>
+                        <a:schemeClr val="dk1"/>
+                      </a:solidFill>
+                      <a:prstDash val="solid"/>
+                      <a:round/>
+                      <a:headEnd type="none" w="sm" len="sm"/>
+                      <a:tailEnd type="none" w="sm" len="sm"/>
+                    </a:lnT>
+                    <a:lnB w="12700" cap="flat" cmpd="sng">
+                      <a:solidFill>
+                        <a:schemeClr val="dk1"/>
+                      </a:solidFill>
+                      <a:prstDash val="solid"/>
+                      <a:round/>
+                      <a:headEnd type="none" w="sm" len="sm"/>
+                      <a:tailEnd type="none" w="sm" len="sm"/>
+                    </a:lnB>
+                    <a:solidFill>
+                      <a:schemeClr val="lt1"/>
+                    </a:solidFill>
+                  </a:tcPr>
+                </a:tc>
+                <a:extLst>
+                  <a:ext uri="{0D108BD9-81ED-4DB2-BD59-A6C34878D82A}">
+                    <a16:rowId xmlns="" xmlns:a16="http://schemas.microsoft.com/office/drawing/2014/main" val="10000"/>
+                  </a:ext>
+                </a:extLst>
+              </a:tr>
+              <a:tr h="271225">
+                <a:tc rowSpan="2">
+                  <a:txBody>
+                    <a:bodyPr/>
+                    <a:lstStyle/>
+                    <a:p>
+                      <a:pPr marL="0" marR="0" lvl="0" indent="0" algn="ctr" rtl="0">
+                        <a:lnSpc>
+                          <a:spcPct val="100000"/>
+                        </a:lnSpc>
+                        <a:spcBef>
+                          <a:spcPts val="0"/>
+                        </a:spcBef>
+                        <a:spcAft>
+                          <a:spcPts val="0"/>
+                        </a:spcAft>
+                        <a:buClr>
+                          <a:srgbClr val="000000"/>
+                        </a:buClr>
+                        <a:buSzPts val="1500"/>
+                        <a:buFont typeface="Arial"/>
+                        <a:buNone/>
+                      </a:pPr>
+                      <a:r>
+                        <a:rPr lang="ko-KR" sz="1500" b="0" u="none" strike="noStrike" cap="none">
+                          <a:solidFill>
+                            <a:schemeClr val="dk1"/>
+                          </a:solidFill>
+                        </a:rPr>
+                        <a:t>화면명</a:t>
+                      </a:r>
+                      <a:endParaRPr sz="1500" b="0" u="none" strike="noStrike" cap="none">
+                        <a:solidFill>
+                          <a:schemeClr val="dk1"/>
+                        </a:solidFill>
+                      </a:endParaRPr>
+                    </a:p>
+                  </a:txBody>
+                  <a:tcPr marL="91451" marR="91451" marT="45725" marB="45725" anchor="ctr">
+                    <a:lnL w="12700" cap="flat" cmpd="sng">
+                      <a:solidFill>
+                        <a:schemeClr val="dk1"/>
+                      </a:solidFill>
+                      <a:prstDash val="solid"/>
+                      <a:round/>
+                      <a:headEnd type="none" w="sm" len="sm"/>
+                      <a:tailEnd type="none" w="sm" len="sm"/>
+                    </a:lnL>
+                    <a:lnR w="12700" cap="flat" cmpd="sng">
+                      <a:solidFill>
+                        <a:schemeClr val="dk1"/>
+                      </a:solidFill>
+                      <a:prstDash val="solid"/>
+                      <a:round/>
+                      <a:headEnd type="none" w="sm" len="sm"/>
+                      <a:tailEnd type="none" w="sm" len="sm"/>
+                    </a:lnR>
+                    <a:lnT w="12700" cap="flat" cmpd="sng">
+                      <a:solidFill>
+                        <a:schemeClr val="dk1"/>
+                      </a:solidFill>
+                      <a:prstDash val="solid"/>
+                      <a:round/>
+                      <a:headEnd type="none" w="sm" len="sm"/>
+                      <a:tailEnd type="none" w="sm" len="sm"/>
+                    </a:lnT>
+                    <a:lnB w="12700" cap="flat" cmpd="sng">
+                      <a:solidFill>
+                        <a:schemeClr val="dk1"/>
+                      </a:solidFill>
+                      <a:prstDash val="solid"/>
+                      <a:round/>
+                      <a:headEnd type="none" w="sm" len="sm"/>
+                      <a:tailEnd type="none" w="sm" len="sm"/>
+                    </a:lnB>
+                    <a:solidFill>
+                      <a:srgbClr val="D8D8D8"/>
+                    </a:solidFill>
+                  </a:tcPr>
+                </a:tc>
+                <a:tc>
+                  <a:txBody>
+                    <a:bodyPr/>
+                    <a:lstStyle/>
+                    <a:p>
+                      <a:pPr marL="0" marR="0" lvl="0" indent="0" algn="ctr" rtl="0">
+                        <a:lnSpc>
+                          <a:spcPct val="100000"/>
+                        </a:lnSpc>
+                        <a:spcBef>
+                          <a:spcPts val="0"/>
+                        </a:spcBef>
+                        <a:spcAft>
+                          <a:spcPts val="0"/>
+                        </a:spcAft>
+                        <a:buClr>
+                          <a:srgbClr val="000000"/>
+                        </a:buClr>
+                        <a:buSzPts val="1500"/>
+                        <a:buFont typeface="Arial"/>
+                        <a:buNone/>
+                      </a:pPr>
+                      <a:r>
+                        <a:rPr lang="ko-KR" altLang="en-US" sz="1500" b="0" u="none" strike="noStrike" cap="none" dirty="0" smtClean="0">
+                          <a:solidFill>
+                            <a:schemeClr val="dk1"/>
+                          </a:solidFill>
+                        </a:rPr>
+                        <a:t>회원가입</a:t>
+                      </a:r>
+                      <a:r>
+                        <a:rPr lang="en-US" altLang="ko-KR" sz="1500" b="0" u="none" strike="noStrike" cap="none" dirty="0" smtClean="0">
+                          <a:solidFill>
+                            <a:schemeClr val="dk1"/>
+                          </a:solidFill>
+                        </a:rPr>
+                        <a:t>(</a:t>
+                      </a:r>
+                      <a:r>
+                        <a:rPr lang="ko-KR" altLang="en-US" sz="1500" b="0" u="none" strike="noStrike" cap="none" dirty="0" err="1" smtClean="0">
+                          <a:solidFill>
+                            <a:schemeClr val="dk1"/>
+                          </a:solidFill>
+                        </a:rPr>
+                        <a:t>앱</a:t>
+                      </a:r>
+                      <a:r>
+                        <a:rPr lang="en-US" altLang="ko-KR" sz="1500" b="0" u="none" strike="noStrike" cap="none" dirty="0" smtClean="0">
+                          <a:solidFill>
+                            <a:schemeClr val="dk1"/>
+                          </a:solidFill>
+                        </a:rPr>
+                        <a:t>)</a:t>
+                      </a:r>
+                      <a:endParaRPr sz="1500" b="0" u="none" strike="noStrike" cap="none" dirty="0">
+                        <a:solidFill>
+                          <a:schemeClr val="dk1"/>
+                        </a:solidFill>
+                      </a:endParaRPr>
+                    </a:p>
+                  </a:txBody>
+                  <a:tcPr marL="91451" marR="91451" marT="45725" marB="45725" anchor="ctr">
+                    <a:lnL w="12700" cap="flat" cmpd="sng">
+                      <a:solidFill>
+                        <a:schemeClr val="dk1"/>
+                      </a:solidFill>
+                      <a:prstDash val="solid"/>
+                      <a:round/>
+                      <a:headEnd type="none" w="sm" len="sm"/>
+                      <a:tailEnd type="none" w="sm" len="sm"/>
+                    </a:lnL>
+                    <a:lnR w="12700" cap="flat" cmpd="sng">
+                      <a:solidFill>
+                        <a:schemeClr val="dk1"/>
+                      </a:solidFill>
+                      <a:prstDash val="solid"/>
+                      <a:round/>
+                      <a:headEnd type="none" w="sm" len="sm"/>
+                      <a:tailEnd type="none" w="sm" len="sm"/>
+                    </a:lnR>
+                    <a:lnT w="12700" cap="flat" cmpd="sng">
+                      <a:solidFill>
+                        <a:schemeClr val="dk1"/>
+                      </a:solidFill>
+                      <a:prstDash val="solid"/>
+                      <a:round/>
+                      <a:headEnd type="none" w="sm" len="sm"/>
+                      <a:tailEnd type="none" w="sm" len="sm"/>
+                    </a:lnT>
+                    <a:lnB w="12700" cap="flat" cmpd="sng">
+                      <a:solidFill>
+                        <a:schemeClr val="dk1"/>
+                      </a:solidFill>
+                      <a:prstDash val="solid"/>
+                      <a:round/>
+                      <a:headEnd type="none" w="sm" len="sm"/>
+                      <a:tailEnd type="none" w="sm" len="sm"/>
+                    </a:lnB>
+                    <a:solidFill>
+                      <a:schemeClr val="lt1"/>
+                    </a:solidFill>
+                  </a:tcPr>
+                </a:tc>
+                <a:extLst>
+                  <a:ext uri="{0D108BD9-81ED-4DB2-BD59-A6C34878D82A}">
+                    <a16:rowId xmlns="" xmlns:a16="http://schemas.microsoft.com/office/drawing/2014/main" val="10001"/>
+                  </a:ext>
+                </a:extLst>
+              </a:tr>
+              <a:tr h="271225">
+                <a:tc vMerge="1">
+                  <a:txBody>
+                    <a:bodyPr/>
+                    <a:lstStyle/>
+                    <a:p>
+                      <a:endParaRPr lang="ko-KR"/>
+                    </a:p>
+                  </a:txBody>
+                  <a:tcPr/>
+                </a:tc>
+                <a:tc>
+                  <a:txBody>
+                    <a:bodyPr/>
+                    <a:lstStyle/>
+                    <a:p>
+                      <a:pPr marL="0" marR="0" lvl="0" indent="0" algn="ctr" rtl="0">
+                        <a:lnSpc>
+                          <a:spcPct val="100000"/>
+                        </a:lnSpc>
+                        <a:spcBef>
+                          <a:spcPts val="0"/>
+                        </a:spcBef>
+                        <a:spcAft>
+                          <a:spcPts val="0"/>
+                        </a:spcAft>
+                        <a:buClr>
+                          <a:srgbClr val="000000"/>
+                        </a:buClr>
+                        <a:buSzPts val="1500"/>
+                        <a:buFont typeface="Arial"/>
+                        <a:buNone/>
+                      </a:pPr>
+                      <a:endParaRPr sz="1500" b="0" u="none" strike="noStrike" cap="none" dirty="0">
+                        <a:solidFill>
+                          <a:schemeClr val="dk1"/>
+                        </a:solidFill>
+                      </a:endParaRPr>
+                    </a:p>
+                  </a:txBody>
+                  <a:tcPr marL="91451" marR="91451" marT="45725" marB="45725" anchor="ctr">
+                    <a:lnL w="12700" cap="flat" cmpd="sng">
+                      <a:solidFill>
+                        <a:schemeClr val="dk1"/>
+                      </a:solidFill>
+                      <a:prstDash val="solid"/>
+                      <a:round/>
+                      <a:headEnd type="none" w="sm" len="sm"/>
+                      <a:tailEnd type="none" w="sm" len="sm"/>
+                    </a:lnL>
+                    <a:lnR w="12700" cap="flat" cmpd="sng">
+                      <a:solidFill>
+                        <a:schemeClr val="dk1"/>
+                      </a:solidFill>
+                      <a:prstDash val="solid"/>
+                      <a:round/>
+                      <a:headEnd type="none" w="sm" len="sm"/>
+                      <a:tailEnd type="none" w="sm" len="sm"/>
+                    </a:lnR>
+                    <a:lnT w="12700" cap="flat" cmpd="sng">
+                      <a:solidFill>
+                        <a:schemeClr val="dk1"/>
+                      </a:solidFill>
+                      <a:prstDash val="solid"/>
+                      <a:round/>
+                      <a:headEnd type="none" w="sm" len="sm"/>
+                      <a:tailEnd type="none" w="sm" len="sm"/>
+                    </a:lnT>
+                    <a:lnB w="12700" cap="flat" cmpd="sng">
+                      <a:solidFill>
+                        <a:schemeClr val="dk1"/>
+                      </a:solidFill>
+                      <a:prstDash val="solid"/>
+                      <a:round/>
+                      <a:headEnd type="none" w="sm" len="sm"/>
+                      <a:tailEnd type="none" w="sm" len="sm"/>
+                    </a:lnB>
+                    <a:solidFill>
+                      <a:schemeClr val="lt1"/>
+                    </a:solidFill>
+                  </a:tcPr>
+                </a:tc>
+                <a:extLst>
+                  <a:ext uri="{0D108BD9-81ED-4DB2-BD59-A6C34878D82A}">
+                    <a16:rowId xmlns="" xmlns:a16="http://schemas.microsoft.com/office/drawing/2014/main" val="10002"/>
+                  </a:ext>
+                </a:extLst>
+              </a:tr>
+            </a:tbl>
+          </a:graphicData>
+        </a:graphic>
+      </p:graphicFrame>
+      <p:graphicFrame>
+        <p:nvGraphicFramePr>
+          <p:cNvPr id="93" name="Google Shape;93;g7c553259d1_0_3"/>
+          <p:cNvGraphicFramePr/>
+          <p:nvPr/>
+        </p:nvGraphicFramePr>
+        <p:xfrm>
+          <a:off x="9309046" y="197403"/>
+          <a:ext cx="2815500" cy="320050"/>
+        </p:xfrm>
+        <a:graphic>
+          <a:graphicData uri="http://schemas.openxmlformats.org/drawingml/2006/table">
+            <a:tbl>
+              <a:tblPr firstRow="1" bandRow="1">
+                <a:noFill/>
+              </a:tblPr>
+              <a:tblGrid>
+                <a:gridCol w="1407750">
+                  <a:extLst>
+                    <a:ext uri="{9D8B030D-6E8A-4147-A177-3AD203B41FA5}">
+                      <a16:colId xmlns="" xmlns:a16="http://schemas.microsoft.com/office/drawing/2014/main" val="20000"/>
+                    </a:ext>
+                  </a:extLst>
+                </a:gridCol>
+                <a:gridCol w="1407750">
+                  <a:extLst>
+                    <a:ext uri="{9D8B030D-6E8A-4147-A177-3AD203B41FA5}">
+                      <a16:colId xmlns="" xmlns:a16="http://schemas.microsoft.com/office/drawing/2014/main" val="20001"/>
+                    </a:ext>
+                  </a:extLst>
+                </a:gridCol>
+              </a:tblGrid>
+              <a:tr h="265075">
+                <a:tc>
+                  <a:txBody>
+                    <a:bodyPr/>
+                    <a:lstStyle/>
+                    <a:p>
+                      <a:pPr marL="0" marR="0" lvl="0" indent="0" algn="ctr" rtl="0">
+                        <a:lnSpc>
+                          <a:spcPct val="100000"/>
+                        </a:lnSpc>
+                        <a:spcBef>
+                          <a:spcPts val="0"/>
+                        </a:spcBef>
+                        <a:spcAft>
+                          <a:spcPts val="0"/>
+                        </a:spcAft>
+                        <a:buClr>
+                          <a:srgbClr val="000000"/>
+                        </a:buClr>
+                        <a:buSzPts val="1500"/>
+                        <a:buFont typeface="Arial"/>
+                        <a:buNone/>
+                      </a:pPr>
+                      <a:r>
+                        <a:rPr lang="ko-KR" sz="1500" b="0" u="none" strike="noStrike" cap="none" dirty="0">
+                          <a:solidFill>
+                            <a:schemeClr val="dk1"/>
+                          </a:solidFill>
+                        </a:rPr>
+                        <a:t>화면 번호</a:t>
+                      </a:r>
+                      <a:endParaRPr sz="1500" b="0" u="none" strike="noStrike" cap="none" dirty="0">
+                        <a:solidFill>
+                          <a:schemeClr val="dk1"/>
+                        </a:solidFill>
+                      </a:endParaRPr>
+                    </a:p>
+                  </a:txBody>
+                  <a:tcPr marL="91451" marR="91451" marT="45725" marB="45725" anchor="ctr">
+                    <a:lnL w="12700" cap="flat" cmpd="sng">
+                      <a:solidFill>
+                        <a:schemeClr val="dk1"/>
+                      </a:solidFill>
+                      <a:prstDash val="solid"/>
+                      <a:round/>
+                      <a:headEnd type="none" w="sm" len="sm"/>
+                      <a:tailEnd type="none" w="sm" len="sm"/>
+                    </a:lnL>
+                    <a:lnR w="12700" cap="flat" cmpd="sng">
+                      <a:solidFill>
+                        <a:schemeClr val="dk1"/>
+                      </a:solidFill>
+                      <a:prstDash val="solid"/>
+                      <a:round/>
+                      <a:headEnd type="none" w="sm" len="sm"/>
+                      <a:tailEnd type="none" w="sm" len="sm"/>
+                    </a:lnR>
+                    <a:lnT w="12700" cap="flat" cmpd="sng">
+                      <a:solidFill>
+                        <a:schemeClr val="dk1"/>
+                      </a:solidFill>
+                      <a:prstDash val="solid"/>
+                      <a:round/>
+                      <a:headEnd type="none" w="sm" len="sm"/>
+                      <a:tailEnd type="none" w="sm" len="sm"/>
+                    </a:lnT>
+                    <a:lnB w="12700" cap="flat" cmpd="sng">
+                      <a:solidFill>
+                        <a:schemeClr val="dk1"/>
+                      </a:solidFill>
+                      <a:prstDash val="solid"/>
+                      <a:round/>
+                      <a:headEnd type="none" w="sm" len="sm"/>
+                      <a:tailEnd type="none" w="sm" len="sm"/>
+                    </a:lnB>
+                    <a:solidFill>
+                      <a:srgbClr val="D8D8D8"/>
+                    </a:solidFill>
+                  </a:tcPr>
+                </a:tc>
+                <a:tc>
+                  <a:txBody>
+                    <a:bodyPr/>
+                    <a:lstStyle/>
+                    <a:p>
+                      <a:pPr marL="0" marR="0" lvl="0" indent="0" algn="ctr" rtl="0">
+                        <a:lnSpc>
+                          <a:spcPct val="100000"/>
+                        </a:lnSpc>
+                        <a:spcBef>
+                          <a:spcPts val="0"/>
+                        </a:spcBef>
+                        <a:spcAft>
+                          <a:spcPts val="0"/>
+                        </a:spcAft>
+                        <a:buClr>
+                          <a:srgbClr val="000000"/>
+                        </a:buClr>
+                        <a:buSzPts val="1500"/>
+                        <a:buFont typeface="Arial"/>
+                        <a:buNone/>
+                      </a:pPr>
+                      <a:r>
+                        <a:rPr lang="en-US" sz="1500" b="0" u="none" strike="noStrike" cap="none" dirty="0">
+                          <a:solidFill>
+                            <a:schemeClr val="dk1"/>
+                          </a:solidFill>
+                        </a:rPr>
+                        <a:t>1</a:t>
+                      </a:r>
+                      <a:endParaRPr sz="1500" b="0" u="none" strike="noStrike" cap="none" dirty="0">
+                        <a:solidFill>
+                          <a:schemeClr val="dk1"/>
+                        </a:solidFill>
+                      </a:endParaRPr>
+                    </a:p>
+                  </a:txBody>
+                  <a:tcPr marL="91451" marR="91451" marT="45725" marB="45725" anchor="ctr">
+                    <a:lnL w="12700" cap="flat" cmpd="sng">
+                      <a:solidFill>
+                        <a:schemeClr val="dk1"/>
+                      </a:solidFill>
+                      <a:prstDash val="solid"/>
+                      <a:round/>
+                      <a:headEnd type="none" w="sm" len="sm"/>
+                      <a:tailEnd type="none" w="sm" len="sm"/>
+                    </a:lnL>
+                    <a:lnR w="12700" cap="flat" cmpd="sng">
+                      <a:solidFill>
+                        <a:schemeClr val="dk1"/>
+                      </a:solidFill>
+                      <a:prstDash val="solid"/>
+                      <a:round/>
+                      <a:headEnd type="none" w="sm" len="sm"/>
+                      <a:tailEnd type="none" w="sm" len="sm"/>
+                    </a:lnR>
+                    <a:lnT w="12700" cap="flat" cmpd="sng">
+                      <a:solidFill>
+                        <a:schemeClr val="dk1"/>
+                      </a:solidFill>
+                      <a:prstDash val="solid"/>
+                      <a:round/>
+                      <a:headEnd type="none" w="sm" len="sm"/>
+                      <a:tailEnd type="none" w="sm" len="sm"/>
+                    </a:lnT>
+                    <a:lnB w="12700" cap="flat" cmpd="sng">
+                      <a:solidFill>
+                        <a:schemeClr val="dk1"/>
+                      </a:solidFill>
+                      <a:prstDash val="solid"/>
+                      <a:round/>
+                      <a:headEnd type="none" w="sm" len="sm"/>
+                      <a:tailEnd type="none" w="sm" len="sm"/>
+                    </a:lnB>
+                    <a:solidFill>
+                      <a:schemeClr val="lt1"/>
+                    </a:solidFill>
+                  </a:tcPr>
+                </a:tc>
+                <a:extLst>
+                  <a:ext uri="{0D108BD9-81ED-4DB2-BD59-A6C34878D82A}">
+                    <a16:rowId xmlns="" xmlns:a16="http://schemas.microsoft.com/office/drawing/2014/main" val="10000"/>
+                  </a:ext>
+                </a:extLst>
+              </a:tr>
+            </a:tbl>
+          </a:graphicData>
+        </a:graphic>
+      </p:graphicFrame>
+      <p:graphicFrame>
+        <p:nvGraphicFramePr>
+          <p:cNvPr id="94" name="Google Shape;94;g7c553259d1_0_3"/>
+          <p:cNvGraphicFramePr/>
+          <p:nvPr/>
+        </p:nvGraphicFramePr>
+        <p:xfrm>
+          <a:off x="6200086" y="197403"/>
+          <a:ext cx="2815500" cy="320050"/>
+        </p:xfrm>
+        <a:graphic>
+          <a:graphicData uri="http://schemas.openxmlformats.org/drawingml/2006/table">
+            <a:tbl>
+              <a:tblPr firstRow="1" bandRow="1">
+                <a:noFill/>
+              </a:tblPr>
+              <a:tblGrid>
+                <a:gridCol w="1407750">
+                  <a:extLst>
+                    <a:ext uri="{9D8B030D-6E8A-4147-A177-3AD203B41FA5}">
+                      <a16:colId xmlns="" xmlns:a16="http://schemas.microsoft.com/office/drawing/2014/main" val="20000"/>
+                    </a:ext>
+                  </a:extLst>
+                </a:gridCol>
+                <a:gridCol w="1407750">
+                  <a:extLst>
+                    <a:ext uri="{9D8B030D-6E8A-4147-A177-3AD203B41FA5}">
+                      <a16:colId xmlns="" xmlns:a16="http://schemas.microsoft.com/office/drawing/2014/main" val="20001"/>
+                    </a:ext>
+                  </a:extLst>
+                </a:gridCol>
+              </a:tblGrid>
+              <a:tr h="265075">
+                <a:tc>
+                  <a:txBody>
+                    <a:bodyPr/>
+                    <a:lstStyle/>
+                    <a:p>
+                      <a:pPr marL="0" marR="0" lvl="0" indent="0" algn="ctr" rtl="0">
+                        <a:lnSpc>
+                          <a:spcPct val="100000"/>
+                        </a:lnSpc>
+                        <a:spcBef>
+                          <a:spcPts val="0"/>
+                        </a:spcBef>
+                        <a:spcAft>
+                          <a:spcPts val="0"/>
+                        </a:spcAft>
+                        <a:buClr>
+                          <a:srgbClr val="000000"/>
+                        </a:buClr>
+                        <a:buSzPts val="1500"/>
+                        <a:buFont typeface="Arial"/>
+                        <a:buNone/>
+                      </a:pPr>
+                      <a:r>
+                        <a:rPr lang="ko-KR" sz="1500" b="0" u="none" strike="noStrike" cap="none">
+                          <a:solidFill>
+                            <a:schemeClr val="dk1"/>
+                          </a:solidFill>
+                        </a:rPr>
+                        <a:t>프로젝트</a:t>
+                      </a:r>
+                      <a:endParaRPr sz="1500" b="0" u="none" strike="noStrike" cap="none">
+                        <a:solidFill>
+                          <a:schemeClr val="dk1"/>
+                        </a:solidFill>
+                      </a:endParaRPr>
+                    </a:p>
+                  </a:txBody>
+                  <a:tcPr marL="91451" marR="91451" marT="45725" marB="45725" anchor="ctr">
+                    <a:lnL w="12700" cap="flat" cmpd="sng">
+                      <a:solidFill>
+                        <a:schemeClr val="dk1"/>
+                      </a:solidFill>
+                      <a:prstDash val="solid"/>
+                      <a:round/>
+                      <a:headEnd type="none" w="sm" len="sm"/>
+                      <a:tailEnd type="none" w="sm" len="sm"/>
+                    </a:lnL>
+                    <a:lnR w="12700" cap="flat" cmpd="sng">
+                      <a:solidFill>
+                        <a:schemeClr val="dk1"/>
+                      </a:solidFill>
+                      <a:prstDash val="solid"/>
+                      <a:round/>
+                      <a:headEnd type="none" w="sm" len="sm"/>
+                      <a:tailEnd type="none" w="sm" len="sm"/>
+                    </a:lnR>
+                    <a:lnT w="12700" cap="flat" cmpd="sng">
+                      <a:solidFill>
+                        <a:schemeClr val="dk1"/>
+                      </a:solidFill>
+                      <a:prstDash val="solid"/>
+                      <a:round/>
+                      <a:headEnd type="none" w="sm" len="sm"/>
+                      <a:tailEnd type="none" w="sm" len="sm"/>
+                    </a:lnT>
+                    <a:lnB w="12700" cap="flat" cmpd="sng">
+                      <a:solidFill>
+                        <a:schemeClr val="dk1"/>
+                      </a:solidFill>
+                      <a:prstDash val="solid"/>
+                      <a:round/>
+                      <a:headEnd type="none" w="sm" len="sm"/>
+                      <a:tailEnd type="none" w="sm" len="sm"/>
+                    </a:lnB>
+                    <a:solidFill>
+                      <a:srgbClr val="D8D8D8"/>
+                    </a:solidFill>
+                  </a:tcPr>
+                </a:tc>
+                <a:tc>
+                  <a:txBody>
+                    <a:bodyPr/>
+                    <a:lstStyle/>
+                    <a:p>
+                      <a:pPr marL="0" marR="0" lvl="0" indent="0" algn="ctr" rtl="0">
+                        <a:lnSpc>
+                          <a:spcPct val="100000"/>
+                        </a:lnSpc>
+                        <a:spcBef>
+                          <a:spcPts val="0"/>
+                        </a:spcBef>
+                        <a:spcAft>
+                          <a:spcPts val="0"/>
+                        </a:spcAft>
+                        <a:buClr>
+                          <a:srgbClr val="000000"/>
+                        </a:buClr>
+                        <a:buSzPts val="1500"/>
+                        <a:buFont typeface="Arial"/>
+                        <a:buNone/>
+                      </a:pPr>
+                      <a:endParaRPr sz="1500" b="0" u="none" strike="noStrike" cap="none">
+                        <a:solidFill>
+                          <a:schemeClr val="dk1"/>
+                        </a:solidFill>
+                      </a:endParaRPr>
+                    </a:p>
+                  </a:txBody>
+                  <a:tcPr marL="91451" marR="91451" marT="45725" marB="45725" anchor="ctr">
+                    <a:lnL w="12700" cap="flat" cmpd="sng">
+                      <a:solidFill>
+                        <a:schemeClr val="dk1"/>
+                      </a:solidFill>
+                      <a:prstDash val="solid"/>
+                      <a:round/>
+                      <a:headEnd type="none" w="sm" len="sm"/>
+                      <a:tailEnd type="none" w="sm" len="sm"/>
+                    </a:lnL>
+                    <a:lnR w="12700" cap="flat" cmpd="sng">
+                      <a:solidFill>
+                        <a:schemeClr val="dk1"/>
+                      </a:solidFill>
+                      <a:prstDash val="solid"/>
+                      <a:round/>
+                      <a:headEnd type="none" w="sm" len="sm"/>
+                      <a:tailEnd type="none" w="sm" len="sm"/>
+                    </a:lnR>
+                    <a:lnT w="12700" cap="flat" cmpd="sng">
+                      <a:solidFill>
+                        <a:schemeClr val="dk1"/>
+                      </a:solidFill>
+                      <a:prstDash val="solid"/>
+                      <a:round/>
+                      <a:headEnd type="none" w="sm" len="sm"/>
+                      <a:tailEnd type="none" w="sm" len="sm"/>
+                    </a:lnT>
+                    <a:lnB w="12700" cap="flat" cmpd="sng">
+                      <a:solidFill>
+                        <a:schemeClr val="dk1"/>
+                      </a:solidFill>
+                      <a:prstDash val="solid"/>
+                      <a:round/>
+                      <a:headEnd type="none" w="sm" len="sm"/>
+                      <a:tailEnd type="none" w="sm" len="sm"/>
+                    </a:lnB>
+                    <a:solidFill>
+                      <a:schemeClr val="lt1"/>
+                    </a:solidFill>
+                  </a:tcPr>
+                </a:tc>
+                <a:extLst>
+                  <a:ext uri="{0D108BD9-81ED-4DB2-BD59-A6C34878D82A}">
+                    <a16:rowId xmlns="" xmlns:a16="http://schemas.microsoft.com/office/drawing/2014/main" val="10000"/>
+                  </a:ext>
+                </a:extLst>
+              </a:tr>
+            </a:tbl>
+          </a:graphicData>
+        </a:graphic>
+      </p:graphicFrame>
+      <p:graphicFrame>
+        <p:nvGraphicFramePr>
+          <p:cNvPr id="96" name="Google Shape;96;g7c553259d1_0_3"/>
+          <p:cNvGraphicFramePr/>
+          <p:nvPr>
+            <p:extLst>
+              <p:ext uri="{D42A27DB-BD31-4B8C-83A1-F6EECF244321}">
+                <p14:modId xmlns:p14="http://schemas.microsoft.com/office/powerpoint/2010/main" val="1398015544"/>
+              </p:ext>
+            </p:extLst>
+          </p:nvPr>
+        </p:nvGraphicFramePr>
+        <p:xfrm>
+          <a:off x="8843382" y="836712"/>
+          <a:ext cx="2952330" cy="3897558"/>
+        </p:xfrm>
+        <a:graphic>
+          <a:graphicData uri="http://schemas.openxmlformats.org/drawingml/2006/table">
+            <a:tbl>
+              <a:tblPr firstRow="1" bandRow="1">
+                <a:noFill/>
+              </a:tblPr>
+              <a:tblGrid>
+                <a:gridCol w="289755">
+                  <a:extLst>
+                    <a:ext uri="{9D8B030D-6E8A-4147-A177-3AD203B41FA5}">
+                      <a16:colId xmlns="" xmlns:a16="http://schemas.microsoft.com/office/drawing/2014/main" val="20000"/>
+                    </a:ext>
+                  </a:extLst>
+                </a:gridCol>
+                <a:gridCol w="2662575">
+                  <a:extLst>
+                    <a:ext uri="{9D8B030D-6E8A-4147-A177-3AD203B41FA5}">
+                      <a16:colId xmlns="" xmlns:a16="http://schemas.microsoft.com/office/drawing/2014/main" val="20001"/>
+                    </a:ext>
+                  </a:extLst>
+                </a:gridCol>
+              </a:tblGrid>
+              <a:tr h="286673">
+                <a:tc>
+                  <a:txBody>
+                    <a:bodyPr/>
+                    <a:lstStyle/>
+                    <a:p>
+                      <a:pPr marL="0" marR="0" lvl="0" indent="0" algn="ctr" rtl="0">
+                        <a:lnSpc>
+                          <a:spcPct val="100000"/>
+                        </a:lnSpc>
+                        <a:spcBef>
+                          <a:spcPts val="0"/>
+                        </a:spcBef>
+                        <a:spcAft>
+                          <a:spcPts val="0"/>
+                        </a:spcAft>
+                        <a:buClr>
+                          <a:srgbClr val="000000"/>
+                        </a:buClr>
+                        <a:buSzPts val="1500"/>
+                        <a:buFont typeface="Arial"/>
+                        <a:buNone/>
+                      </a:pPr>
+                      <a:r>
+                        <a:rPr lang="ko-KR" sz="1500" u="none" strike="noStrike" cap="none" dirty="0">
+                          <a:solidFill>
+                            <a:schemeClr val="dk1"/>
+                          </a:solidFill>
+                        </a:rPr>
+                        <a:t>#</a:t>
+                      </a:r>
+                      <a:endParaRPr sz="1500" u="none" strike="noStrike" cap="none" dirty="0">
+                        <a:solidFill>
+                          <a:schemeClr val="dk1"/>
+                        </a:solidFill>
+                      </a:endParaRPr>
+                    </a:p>
+                  </a:txBody>
+                  <a:tcPr marL="91451" marR="91451" marT="45725" marB="45725" anchor="ctr">
+                    <a:lnL w="12700" cap="flat" cmpd="sng">
+                      <a:solidFill>
+                        <a:schemeClr val="dk1"/>
+                      </a:solidFill>
+                      <a:prstDash val="solid"/>
+                      <a:round/>
+                      <a:headEnd type="none" w="sm" len="sm"/>
+                      <a:tailEnd type="none" w="sm" len="sm"/>
+                    </a:lnL>
+                    <a:lnR w="12700" cap="flat" cmpd="sng">
+                      <a:solidFill>
+                        <a:schemeClr val="dk1"/>
+                      </a:solidFill>
+                      <a:prstDash val="solid"/>
+                      <a:round/>
+                      <a:headEnd type="none" w="sm" len="sm"/>
+                      <a:tailEnd type="none" w="sm" len="sm"/>
+                    </a:lnR>
+                    <a:lnT w="12700" cap="flat" cmpd="sng">
+                      <a:solidFill>
+                        <a:schemeClr val="dk1"/>
+                      </a:solidFill>
+                      <a:prstDash val="solid"/>
+                      <a:round/>
+                      <a:headEnd type="none" w="sm" len="sm"/>
+                      <a:tailEnd type="none" w="sm" len="sm"/>
+                    </a:lnT>
+                    <a:lnB w="12700" cap="flat" cmpd="sng">
+                      <a:solidFill>
+                        <a:schemeClr val="dk1"/>
+                      </a:solidFill>
+                      <a:prstDash val="solid"/>
+                      <a:round/>
+                      <a:headEnd type="none" w="sm" len="sm"/>
+                      <a:tailEnd type="none" w="sm" len="sm"/>
+                    </a:lnB>
+                    <a:solidFill>
+                      <a:srgbClr val="D8D8D8"/>
+                    </a:solidFill>
+                  </a:tcPr>
+                </a:tc>
+                <a:tc>
+                  <a:txBody>
+                    <a:bodyPr/>
+                    <a:lstStyle/>
+                    <a:p>
+                      <a:pPr marL="0" marR="0" lvl="0" indent="0" algn="ctr" rtl="0">
+                        <a:lnSpc>
+                          <a:spcPct val="100000"/>
+                        </a:lnSpc>
+                        <a:spcBef>
+                          <a:spcPts val="0"/>
+                        </a:spcBef>
+                        <a:spcAft>
+                          <a:spcPts val="0"/>
+                        </a:spcAft>
+                        <a:buClr>
+                          <a:srgbClr val="000000"/>
+                        </a:buClr>
+                        <a:buSzPts val="1500"/>
+                        <a:buFont typeface="Arial"/>
+                        <a:buNone/>
+                      </a:pPr>
+                      <a:r>
+                        <a:rPr lang="ko-KR" sz="1500" u="none" strike="noStrike" cap="none" dirty="0" err="1">
+                          <a:solidFill>
+                            <a:schemeClr val="dk1"/>
+                          </a:solidFill>
+                        </a:rPr>
+                        <a:t>기능명</a:t>
+                      </a:r>
+                      <a:endParaRPr sz="1500" u="none" strike="noStrike" cap="none" dirty="0">
+                        <a:solidFill>
+                          <a:schemeClr val="dk1"/>
+                        </a:solidFill>
+                      </a:endParaRPr>
+                    </a:p>
+                  </a:txBody>
+                  <a:tcPr marL="91451" marR="91451" marT="45725" marB="45725" anchor="ctr">
+                    <a:lnL w="12700" cap="flat" cmpd="sng">
+                      <a:solidFill>
+                        <a:schemeClr val="dk1"/>
+                      </a:solidFill>
+                      <a:prstDash val="solid"/>
+                      <a:round/>
+                      <a:headEnd type="none" w="sm" len="sm"/>
+                      <a:tailEnd type="none" w="sm" len="sm"/>
+                    </a:lnL>
+                    <a:lnR w="12700" cap="flat" cmpd="sng">
+                      <a:solidFill>
+                        <a:schemeClr val="dk1"/>
+                      </a:solidFill>
+                      <a:prstDash val="solid"/>
+                      <a:round/>
+                      <a:headEnd type="none" w="sm" len="sm"/>
+                      <a:tailEnd type="none" w="sm" len="sm"/>
+                    </a:lnR>
+                    <a:lnT w="12700" cap="flat" cmpd="sng">
+                      <a:solidFill>
+                        <a:schemeClr val="dk1"/>
+                      </a:solidFill>
+                      <a:prstDash val="solid"/>
+                      <a:round/>
+                      <a:headEnd type="none" w="sm" len="sm"/>
+                      <a:tailEnd type="none" w="sm" len="sm"/>
+                    </a:lnT>
+                    <a:lnB w="12700" cap="flat" cmpd="sng">
+                      <a:solidFill>
+                        <a:schemeClr val="dk1"/>
+                      </a:solidFill>
+                      <a:prstDash val="solid"/>
+                      <a:round/>
+                      <a:headEnd type="none" w="sm" len="sm"/>
+                      <a:tailEnd type="none" w="sm" len="sm"/>
+                    </a:lnB>
+                    <a:solidFill>
+                      <a:srgbClr val="D8D8D8"/>
+                    </a:solidFill>
+                  </a:tcPr>
+                </a:tc>
+                <a:extLst>
+                  <a:ext uri="{0D108BD9-81ED-4DB2-BD59-A6C34878D82A}">
+                    <a16:rowId xmlns="" xmlns:a16="http://schemas.microsoft.com/office/drawing/2014/main" val="10000"/>
+                  </a:ext>
+                </a:extLst>
+              </a:tr>
+              <a:tr h="328022">
+                <a:tc>
+                  <a:txBody>
+                    <a:bodyPr/>
+                    <a:lstStyle/>
+                    <a:p>
+                      <a:pPr marL="0" marR="0" lvl="0" indent="0" algn="ctr" rtl="0">
+                        <a:lnSpc>
+                          <a:spcPct val="100000"/>
+                        </a:lnSpc>
+                        <a:spcBef>
+                          <a:spcPts val="0"/>
+                        </a:spcBef>
+                        <a:spcAft>
+                          <a:spcPts val="0"/>
+                        </a:spcAft>
+                        <a:buClr>
+                          <a:srgbClr val="000000"/>
+                        </a:buClr>
+                        <a:buSzPts val="1500"/>
+                        <a:buFont typeface="Arial"/>
+                        <a:buNone/>
+                      </a:pPr>
+                      <a:r>
+                        <a:rPr lang="ko-KR" sz="1500" u="none" strike="noStrike" cap="none" dirty="0">
+                          <a:solidFill>
+                            <a:schemeClr val="dk1"/>
+                          </a:solidFill>
+                        </a:rPr>
+                        <a:t>1</a:t>
+                      </a:r>
+                      <a:endParaRPr sz="1500" u="none" strike="noStrike" cap="none" dirty="0">
+                        <a:solidFill>
+                          <a:schemeClr val="dk1"/>
+                        </a:solidFill>
+                      </a:endParaRPr>
+                    </a:p>
+                  </a:txBody>
+                  <a:tcPr marL="91451" marR="91451" marT="45725" marB="45725" anchor="ctr">
+                    <a:lnL w="12700" cap="flat" cmpd="sng">
+                      <a:solidFill>
+                        <a:schemeClr val="dk1"/>
+                      </a:solidFill>
+                      <a:prstDash val="solid"/>
+                      <a:round/>
+                      <a:headEnd type="none" w="sm" len="sm"/>
+                      <a:tailEnd type="none" w="sm" len="sm"/>
+                    </a:lnL>
+                    <a:lnR w="12700" cap="flat" cmpd="sng">
+                      <a:solidFill>
+                        <a:schemeClr val="dk1"/>
+                      </a:solidFill>
+                      <a:prstDash val="solid"/>
+                      <a:round/>
+                      <a:headEnd type="none" w="sm" len="sm"/>
+                      <a:tailEnd type="none" w="sm" len="sm"/>
+                    </a:lnR>
+                    <a:lnT w="12700" cap="flat" cmpd="sng">
+                      <a:solidFill>
+                        <a:schemeClr val="dk1"/>
+                      </a:solidFill>
+                      <a:prstDash val="solid"/>
+                      <a:round/>
+                      <a:headEnd type="none" w="sm" len="sm"/>
+                      <a:tailEnd type="none" w="sm" len="sm"/>
+                    </a:lnT>
+                    <a:lnB w="12700" cap="flat" cmpd="sng">
+                      <a:solidFill>
+                        <a:schemeClr val="dk1"/>
+                      </a:solidFill>
+                      <a:prstDash val="solid"/>
+                      <a:round/>
+                      <a:headEnd type="none" w="sm" len="sm"/>
+                      <a:tailEnd type="none" w="sm" len="sm"/>
+                    </a:lnB>
+                    <a:solidFill>
+                      <a:schemeClr val="lt1"/>
+                    </a:solidFill>
+                  </a:tcPr>
+                </a:tc>
+                <a:tc>
+                  <a:txBody>
+                    <a:bodyPr/>
+                    <a:lstStyle/>
+                    <a:p>
+                      <a:pPr marL="133350" marR="0" lvl="0" indent="0" algn="l" rtl="0">
+                        <a:lnSpc>
+                          <a:spcPct val="100000"/>
+                        </a:lnSpc>
+                        <a:spcBef>
+                          <a:spcPts val="0"/>
+                        </a:spcBef>
+                        <a:spcAft>
+                          <a:spcPts val="0"/>
+                        </a:spcAft>
+                        <a:buClr>
+                          <a:srgbClr val="000000"/>
+                        </a:buClr>
+                        <a:buSzPts val="1500"/>
+                        <a:buFont typeface="Arial"/>
+                        <a:buNone/>
+                        <a:tabLst/>
+                      </a:pPr>
+                      <a:r>
+                        <a:rPr lang="ko-KR" altLang="en-US" sz="1300" b="0" u="none" strike="noStrike" cap="none" dirty="0" smtClean="0"/>
+                        <a:t>회원가입에 필요한 정보를 </a:t>
+                      </a:r>
+                      <a:r>
+                        <a:rPr lang="ko-KR" altLang="en-US" sz="1300" b="0" u="none" strike="noStrike" cap="none" dirty="0" err="1" smtClean="0"/>
+                        <a:t>입력받는</a:t>
+                      </a:r>
+                      <a:r>
+                        <a:rPr lang="ko-KR" altLang="en-US" sz="1300" b="0" u="none" strike="noStrike" cap="none" dirty="0" smtClean="0"/>
+                        <a:t> 폼</a:t>
+                      </a:r>
+                      <a:r>
+                        <a:rPr lang="en-US" altLang="ko-KR" sz="1300" b="0" u="none" strike="noStrike" cap="none" dirty="0" smtClean="0"/>
+                        <a:t>, </a:t>
+                      </a:r>
+                      <a:r>
+                        <a:rPr lang="ko-KR" altLang="en-US" sz="1300" b="0" u="none" strike="noStrike" cap="none" dirty="0" smtClean="0"/>
+                        <a:t>아이디</a:t>
+                      </a:r>
+                      <a:r>
+                        <a:rPr lang="en-US" altLang="ko-KR" sz="1300" b="0" u="none" strike="noStrike" cap="none" baseline="0" dirty="0" smtClean="0"/>
+                        <a:t>, </a:t>
+                      </a:r>
+                      <a:r>
+                        <a:rPr lang="ko-KR" altLang="en-US" sz="1300" b="0" u="none" strike="noStrike" cap="none" baseline="0" dirty="0" smtClean="0"/>
+                        <a:t>비밀번호</a:t>
+                      </a:r>
+                      <a:r>
+                        <a:rPr lang="en-US" altLang="ko-KR" sz="1300" b="0" u="none" strike="noStrike" cap="none" baseline="0" dirty="0" smtClean="0"/>
+                        <a:t>, </a:t>
+                      </a:r>
+                      <a:r>
+                        <a:rPr lang="ko-KR" altLang="en-US" sz="1300" b="0" u="none" strike="noStrike" cap="none" baseline="0" dirty="0" err="1" smtClean="0"/>
+                        <a:t>이메일</a:t>
+                      </a:r>
+                      <a:r>
+                        <a:rPr lang="en-US" altLang="ko-KR" sz="1300" b="0" u="none" strike="noStrike" cap="none" baseline="0" dirty="0" smtClean="0"/>
+                        <a:t>, </a:t>
+                      </a:r>
+                      <a:r>
+                        <a:rPr lang="ko-KR" altLang="en-US" sz="1300" b="0" u="none" strike="noStrike" cap="none" baseline="0" dirty="0" smtClean="0"/>
+                        <a:t>닉네임을 </a:t>
+                      </a:r>
+                      <a:r>
+                        <a:rPr lang="ko-KR" altLang="en-US" sz="1300" b="0" u="none" strike="noStrike" cap="none" baseline="0" dirty="0" err="1" smtClean="0"/>
+                        <a:t>입력받고</a:t>
+                      </a:r>
+                      <a:r>
+                        <a:rPr lang="en-US" altLang="ko-KR" sz="1300" b="0" u="none" strike="noStrike" cap="none" baseline="0" dirty="0" smtClean="0"/>
+                        <a:t>, </a:t>
+                      </a:r>
+                      <a:r>
+                        <a:rPr lang="ko-KR" altLang="en-US" sz="1300" b="0" u="none" strike="noStrike" cap="none" baseline="0" dirty="0" err="1" smtClean="0"/>
+                        <a:t>셀렉트</a:t>
+                      </a:r>
+                      <a:r>
+                        <a:rPr lang="ko-KR" altLang="en-US" sz="1300" b="0" u="none" strike="noStrike" cap="none" baseline="0" dirty="0" smtClean="0"/>
+                        <a:t> 메뉴를 통해 관심카테고리를 선택한다</a:t>
+                      </a:r>
+                      <a:r>
+                        <a:rPr lang="en-US" altLang="ko-KR" sz="1300" b="0" u="none" strike="noStrike" cap="none" baseline="0" dirty="0" smtClean="0"/>
+                        <a:t>.</a:t>
+                      </a:r>
+                      <a:endParaRPr lang="en-US" altLang="ko-KR" sz="1300" b="0" u="none" strike="noStrike" cap="none" dirty="0" smtClean="0"/>
+                    </a:p>
+                  </a:txBody>
+                  <a:tcPr marL="91451" marR="91451" marT="45725" marB="45725">
+                    <a:lnL w="12700" cap="flat" cmpd="sng">
+                      <a:solidFill>
+                        <a:schemeClr val="dk1"/>
+                      </a:solidFill>
+                      <a:prstDash val="solid"/>
+                      <a:round/>
+                      <a:headEnd type="none" w="sm" len="sm"/>
+                      <a:tailEnd type="none" w="sm" len="sm"/>
+                    </a:lnL>
+                    <a:lnR w="12700" cap="flat" cmpd="sng">
+                      <a:solidFill>
+                        <a:schemeClr val="dk1"/>
+                      </a:solidFill>
+                      <a:prstDash val="solid"/>
+                      <a:round/>
+                      <a:headEnd type="none" w="sm" len="sm"/>
+                      <a:tailEnd type="none" w="sm" len="sm"/>
+                    </a:lnR>
+                    <a:lnT w="12700" cap="flat" cmpd="sng">
+                      <a:solidFill>
+                        <a:schemeClr val="dk1"/>
+                      </a:solidFill>
+                      <a:prstDash val="solid"/>
+                      <a:round/>
+                      <a:headEnd type="none" w="sm" len="sm"/>
+                      <a:tailEnd type="none" w="sm" len="sm"/>
+                    </a:lnT>
+                    <a:lnB w="12700" cap="flat" cmpd="sng">
+                      <a:solidFill>
+                        <a:schemeClr val="dk1"/>
+                      </a:solidFill>
+                      <a:prstDash val="solid"/>
+                      <a:round/>
+                      <a:headEnd type="none" w="sm" len="sm"/>
+                      <a:tailEnd type="none" w="sm" len="sm"/>
+                    </a:lnB>
+                    <a:solidFill>
+                      <a:schemeClr val="lt1"/>
+                    </a:solidFill>
+                  </a:tcPr>
+                </a:tc>
+                <a:extLst>
+                  <a:ext uri="{0D108BD9-81ED-4DB2-BD59-A6C34878D82A}">
+                    <a16:rowId xmlns="" xmlns:a16="http://schemas.microsoft.com/office/drawing/2014/main" val="10001"/>
+                  </a:ext>
+                </a:extLst>
+              </a:tr>
+              <a:tr h="819048">
+                <a:tc>
+                  <a:txBody>
+                    <a:bodyPr/>
+                    <a:lstStyle/>
+                    <a:p>
+                      <a:pPr marL="0" marR="0" lvl="0" indent="0" algn="ctr" rtl="0">
+                        <a:lnSpc>
+                          <a:spcPct val="100000"/>
+                        </a:lnSpc>
+                        <a:spcBef>
+                          <a:spcPts val="0"/>
+                        </a:spcBef>
+                        <a:spcAft>
+                          <a:spcPts val="0"/>
+                        </a:spcAft>
+                        <a:buClr>
+                          <a:srgbClr val="000000"/>
+                        </a:buClr>
+                        <a:buSzPts val="1500"/>
+                        <a:buFont typeface="Arial"/>
+                        <a:buNone/>
+                      </a:pPr>
+                      <a:r>
+                        <a:rPr lang="ko-KR" sz="1500" u="none" strike="noStrike" cap="none" dirty="0">
+                          <a:solidFill>
+                            <a:schemeClr val="dk1"/>
+                          </a:solidFill>
+                        </a:rPr>
+                        <a:t>2</a:t>
+                      </a:r>
+                      <a:endParaRPr sz="1500" u="none" strike="noStrike" cap="none" dirty="0">
+                        <a:solidFill>
+                          <a:schemeClr val="dk1"/>
+                        </a:solidFill>
+                      </a:endParaRPr>
+                    </a:p>
+                  </a:txBody>
+                  <a:tcPr marL="91451" marR="91451" marT="45725" marB="45725" anchor="ctr">
+                    <a:lnL w="12700" cap="flat" cmpd="sng">
+                      <a:solidFill>
+                        <a:schemeClr val="dk1"/>
+                      </a:solidFill>
+                      <a:prstDash val="solid"/>
+                      <a:round/>
+                      <a:headEnd type="none" w="sm" len="sm"/>
+                      <a:tailEnd type="none" w="sm" len="sm"/>
+                    </a:lnL>
+                    <a:lnR w="12700" cap="flat" cmpd="sng">
+                      <a:solidFill>
+                        <a:schemeClr val="dk1"/>
+                      </a:solidFill>
+                      <a:prstDash val="solid"/>
+                      <a:round/>
+                      <a:headEnd type="none" w="sm" len="sm"/>
+                      <a:tailEnd type="none" w="sm" len="sm"/>
+                    </a:lnR>
+                    <a:lnT w="12700" cap="flat" cmpd="sng">
+                      <a:solidFill>
+                        <a:schemeClr val="dk1"/>
+                      </a:solidFill>
+                      <a:prstDash val="solid"/>
+                      <a:round/>
+                      <a:headEnd type="none" w="sm" len="sm"/>
+                      <a:tailEnd type="none" w="sm" len="sm"/>
+                    </a:lnT>
+                    <a:lnB w="12700" cap="flat" cmpd="sng" algn="ctr">
+                      <a:solidFill>
+                        <a:schemeClr val="dk1"/>
+                      </a:solidFill>
+                      <a:prstDash val="solid"/>
+                      <a:round/>
+                      <a:headEnd type="none" w="sm" len="sm"/>
+                      <a:tailEnd type="none" w="sm" len="sm"/>
+                    </a:lnB>
+                    <a:solidFill>
+                      <a:schemeClr val="lt1"/>
+                    </a:solidFill>
+                  </a:tcPr>
+                </a:tc>
+                <a:tc>
+                  <a:txBody>
+                    <a:bodyPr/>
+                    <a:lstStyle/>
+                    <a:p>
+                      <a:pPr marL="133350" marR="0" lvl="0" indent="0" algn="l" rtl="0">
+                        <a:lnSpc>
+                          <a:spcPct val="100000"/>
+                        </a:lnSpc>
+                        <a:spcBef>
+                          <a:spcPts val="0"/>
+                        </a:spcBef>
+                        <a:spcAft>
+                          <a:spcPts val="0"/>
+                        </a:spcAft>
+                        <a:buClr>
+                          <a:srgbClr val="000000"/>
+                        </a:buClr>
+                        <a:buSzPts val="1500"/>
+                        <a:buFont typeface="Arial"/>
+                        <a:buNone/>
+                      </a:pPr>
+                      <a:r>
+                        <a:rPr lang="ko-KR" altLang="en-US" sz="1300" b="0" u="none" strike="noStrike" cap="none" dirty="0" smtClean="0"/>
+                        <a:t>아이디중복 확인은 해당화면에서 처리한다</a:t>
+                      </a:r>
+                      <a:r>
+                        <a:rPr lang="en-US" altLang="ko-KR" sz="1300" b="0" u="none" strike="noStrike" cap="none" dirty="0" smtClean="0"/>
+                        <a:t>.</a:t>
+                      </a:r>
+                      <a:endParaRPr lang="en-US" altLang="ko-KR" sz="1300" b="0" u="none" strike="noStrike" cap="none" dirty="0"/>
+                    </a:p>
+                  </a:txBody>
+                  <a:tcPr marL="91451" marR="91451" marT="45725" marB="45725">
+                    <a:lnL w="12700" cap="flat" cmpd="sng">
+                      <a:solidFill>
+                        <a:schemeClr val="dk1"/>
+                      </a:solidFill>
+                      <a:prstDash val="solid"/>
+                      <a:round/>
+                      <a:headEnd type="none" w="sm" len="sm"/>
+                      <a:tailEnd type="none" w="sm" len="sm"/>
+                    </a:lnL>
+                    <a:lnR w="12700" cap="flat" cmpd="sng">
+                      <a:solidFill>
+                        <a:schemeClr val="dk1"/>
+                      </a:solidFill>
+                      <a:prstDash val="solid"/>
+                      <a:round/>
+                      <a:headEnd type="none" w="sm" len="sm"/>
+                      <a:tailEnd type="none" w="sm" len="sm"/>
+                    </a:lnR>
+                    <a:lnT w="12700" cap="flat" cmpd="sng">
+                      <a:solidFill>
+                        <a:schemeClr val="dk1"/>
+                      </a:solidFill>
+                      <a:prstDash val="solid"/>
+                      <a:round/>
+                      <a:headEnd type="none" w="sm" len="sm"/>
+                      <a:tailEnd type="none" w="sm" len="sm"/>
+                    </a:lnT>
+                    <a:lnB w="12700" cap="flat" cmpd="sng" algn="ctr">
+                      <a:solidFill>
+                        <a:schemeClr val="dk1"/>
+                      </a:solidFill>
+                      <a:prstDash val="solid"/>
+                      <a:round/>
+                      <a:headEnd type="none" w="sm" len="sm"/>
+                      <a:tailEnd type="none" w="sm" len="sm"/>
+                    </a:lnB>
+                    <a:solidFill>
+                      <a:schemeClr val="lt1"/>
+                    </a:solidFill>
+                  </a:tcPr>
+                </a:tc>
+                <a:extLst>
+                  <a:ext uri="{0D108BD9-81ED-4DB2-BD59-A6C34878D82A}">
+                    <a16:rowId xmlns="" xmlns:a16="http://schemas.microsoft.com/office/drawing/2014/main" val="10002"/>
+                  </a:ext>
+                </a:extLst>
+              </a:tr>
+              <a:tr h="819048">
+                <a:tc>
+                  <a:txBody>
+                    <a:bodyPr/>
+                    <a:lstStyle/>
+                    <a:p>
+                      <a:pPr marL="0" marR="0" lvl="0" indent="0" algn="ctr" rtl="0">
+                        <a:lnSpc>
+                          <a:spcPct val="100000"/>
+                        </a:lnSpc>
+                        <a:spcBef>
+                          <a:spcPts val="0"/>
+                        </a:spcBef>
+                        <a:spcAft>
+                          <a:spcPts val="0"/>
+                        </a:spcAft>
+                        <a:buClr>
+                          <a:srgbClr val="000000"/>
+                        </a:buClr>
+                        <a:buSzPts val="1500"/>
+                        <a:buFont typeface="Arial"/>
+                        <a:buNone/>
+                      </a:pPr>
+                      <a:r>
+                        <a:rPr lang="en-US" sz="1500" u="none" strike="noStrike" cap="none" dirty="0" smtClean="0">
+                          <a:solidFill>
+                            <a:schemeClr val="dk1"/>
+                          </a:solidFill>
+                        </a:rPr>
+                        <a:t>3</a:t>
+                      </a:r>
+                      <a:endParaRPr sz="1500" u="none" strike="noStrike" cap="none" dirty="0">
+                        <a:solidFill>
+                          <a:schemeClr val="dk1"/>
+                        </a:solidFill>
+                      </a:endParaRPr>
+                    </a:p>
+                  </a:txBody>
+                  <a:tcPr marL="91451" marR="91451" marT="45725" marB="45725" anchor="ctr">
+                    <a:lnL w="12700" cap="flat" cmpd="sng">
+                      <a:solidFill>
+                        <a:schemeClr val="dk1"/>
+                      </a:solidFill>
+                      <a:prstDash val="solid"/>
+                      <a:round/>
+                      <a:headEnd type="none" w="sm" len="sm"/>
+                      <a:tailEnd type="none" w="sm" len="sm"/>
+                    </a:lnL>
+                    <a:lnR w="12700" cap="flat" cmpd="sng" algn="ctr">
+                      <a:solidFill>
+                        <a:schemeClr val="dk1"/>
+                      </a:solidFill>
+                      <a:prstDash val="solid"/>
+                      <a:round/>
+                      <a:headEnd type="none" w="sm" len="sm"/>
+                      <a:tailEnd type="none" w="sm" len="sm"/>
+                    </a:lnR>
+                    <a:lnT w="12700" cap="flat" cmpd="sng">
+                      <a:solidFill>
+                        <a:schemeClr val="dk1"/>
+                      </a:solidFill>
+                      <a:prstDash val="solid"/>
+                      <a:round/>
+                      <a:headEnd type="none" w="sm" len="sm"/>
+                      <a:tailEnd type="none" w="sm" len="sm"/>
+                    </a:lnT>
+                    <a:lnB w="12700" cap="flat" cmpd="sng">
+                      <a:solidFill>
+                        <a:schemeClr val="dk1"/>
+                      </a:solidFill>
+                      <a:prstDash val="solid"/>
+                      <a:round/>
+                      <a:headEnd type="none" w="sm" len="sm"/>
+                      <a:tailEnd type="none" w="sm" len="sm"/>
+                    </a:lnB>
+                    <a:solidFill>
+                      <a:schemeClr val="lt1"/>
+                    </a:solidFill>
+                  </a:tcPr>
+                </a:tc>
+                <a:tc>
+                  <a:txBody>
+                    <a:bodyPr/>
+                    <a:lstStyle/>
+                    <a:p>
+                      <a:pPr marL="133350" marR="0" lvl="0" indent="0" algn="l" rtl="0">
+                        <a:lnSpc>
+                          <a:spcPct val="100000"/>
+                        </a:lnSpc>
+                        <a:spcBef>
+                          <a:spcPts val="0"/>
+                        </a:spcBef>
+                        <a:spcAft>
+                          <a:spcPts val="0"/>
+                        </a:spcAft>
+                        <a:buClr>
+                          <a:srgbClr val="000000"/>
+                        </a:buClr>
+                        <a:buSzPts val="1500"/>
+                        <a:buFont typeface="Arial"/>
+                        <a:buNone/>
+                      </a:pPr>
+                      <a:r>
+                        <a:rPr lang="ko-KR" altLang="en-US" sz="1300" b="0" u="none" strike="noStrike" cap="none" dirty="0" err="1" smtClean="0"/>
+                        <a:t>정규표현식을</a:t>
+                      </a:r>
+                      <a:r>
+                        <a:rPr lang="ko-KR" altLang="en-US" sz="1300" b="0" u="none" strike="noStrike" cap="none" dirty="0" smtClean="0"/>
+                        <a:t> 이용하여 특수문자</a:t>
+                      </a:r>
+                      <a:r>
+                        <a:rPr lang="en-US" altLang="ko-KR" sz="1300" b="0" u="none" strike="noStrike" cap="none" dirty="0" smtClean="0"/>
+                        <a:t>, </a:t>
+                      </a:r>
+                      <a:r>
+                        <a:rPr lang="ko-KR" altLang="en-US" sz="1300" b="0" u="none" strike="noStrike" cap="none" dirty="0" smtClean="0"/>
+                        <a:t>영문</a:t>
+                      </a:r>
+                      <a:r>
+                        <a:rPr lang="en-US" altLang="ko-KR" sz="1300" b="0" u="none" strike="noStrike" cap="none" dirty="0" smtClean="0"/>
+                        <a:t>, </a:t>
+                      </a:r>
+                      <a:r>
+                        <a:rPr lang="ko-KR" altLang="en-US" sz="1300" b="0" u="none" strike="noStrike" cap="none" dirty="0" smtClean="0"/>
+                        <a:t>숫자를 최소 </a:t>
+                      </a:r>
+                      <a:r>
+                        <a:rPr lang="en-US" altLang="ko-KR" sz="1300" b="0" u="none" strike="noStrike" cap="none" dirty="0" smtClean="0"/>
+                        <a:t>1</a:t>
+                      </a:r>
+                      <a:r>
+                        <a:rPr lang="ko-KR" altLang="en-US" sz="1300" b="0" u="none" strike="noStrike" cap="none" dirty="0" smtClean="0"/>
+                        <a:t>개씩 </a:t>
+                      </a:r>
+                      <a:r>
+                        <a:rPr lang="ko-KR" altLang="en-US" sz="1300" b="0" u="none" strike="noStrike" cap="none" dirty="0" err="1" smtClean="0"/>
+                        <a:t>입력받아</a:t>
+                      </a:r>
+                      <a:r>
+                        <a:rPr lang="ko-KR" altLang="en-US" sz="1300" b="0" u="none" strike="noStrike" cap="none" dirty="0" smtClean="0"/>
+                        <a:t> 최소 </a:t>
+                      </a:r>
+                      <a:r>
+                        <a:rPr lang="en-US" altLang="ko-KR" sz="1300" b="0" u="none" strike="noStrike" cap="none" dirty="0" smtClean="0"/>
+                        <a:t>10</a:t>
+                      </a:r>
+                      <a:r>
+                        <a:rPr lang="ko-KR" altLang="en-US" sz="1300" b="0" u="none" strike="noStrike" cap="none" dirty="0" smtClean="0"/>
+                        <a:t>자의 비밀번호를 입력 받는다</a:t>
+                      </a:r>
+                      <a:r>
+                        <a:rPr lang="en-US" altLang="ko-KR" sz="1300" b="0" u="none" strike="noStrike" cap="none" dirty="0" smtClean="0"/>
+                        <a:t>.</a:t>
+                      </a:r>
+                    </a:p>
+                    <a:p>
+                      <a:pPr marL="133350" marR="0" lvl="0" indent="0" algn="l" rtl="0">
+                        <a:lnSpc>
+                          <a:spcPct val="100000"/>
+                        </a:lnSpc>
+                        <a:spcBef>
+                          <a:spcPts val="0"/>
+                        </a:spcBef>
+                        <a:spcAft>
+                          <a:spcPts val="0"/>
+                        </a:spcAft>
+                        <a:buClr>
+                          <a:srgbClr val="000000"/>
+                        </a:buClr>
+                        <a:buSzPts val="1500"/>
+                        <a:buFont typeface="Arial"/>
+                        <a:buNone/>
+                      </a:pPr>
+                      <a:endParaRPr lang="en-US" altLang="ko-KR" sz="1300" b="0" u="none" strike="noStrike" cap="none" dirty="0" smtClean="0"/>
+                    </a:p>
+                    <a:p>
+                      <a:pPr marL="133350" marR="0" lvl="0" indent="0" algn="l" rtl="0">
+                        <a:lnSpc>
+                          <a:spcPct val="100000"/>
+                        </a:lnSpc>
+                        <a:spcBef>
+                          <a:spcPts val="0"/>
+                        </a:spcBef>
+                        <a:spcAft>
+                          <a:spcPts val="0"/>
+                        </a:spcAft>
+                        <a:buClr>
+                          <a:srgbClr val="000000"/>
+                        </a:buClr>
+                        <a:buSzPts val="1500"/>
+                        <a:buFont typeface="Arial"/>
+                        <a:buNone/>
+                      </a:pPr>
+                      <a:r>
+                        <a:rPr lang="ko-KR" altLang="en-US" sz="1300" b="0" u="none" strike="noStrike" cap="none" dirty="0" err="1" smtClean="0"/>
+                        <a:t>이메일의</a:t>
+                      </a:r>
+                      <a:r>
+                        <a:rPr lang="ko-KR" altLang="en-US" sz="1300" b="0" u="none" strike="noStrike" cap="none" dirty="0" smtClean="0"/>
+                        <a:t> 경우도 </a:t>
+                      </a:r>
+                      <a:r>
+                        <a:rPr lang="ko-KR" altLang="en-US" sz="1300" b="0" u="none" strike="noStrike" cap="none" dirty="0" err="1" smtClean="0"/>
+                        <a:t>정규표현식을</a:t>
+                      </a:r>
+                      <a:r>
+                        <a:rPr lang="ko-KR" altLang="en-US" sz="1300" b="0" u="none" strike="noStrike" cap="none" dirty="0" smtClean="0"/>
+                        <a:t> 사용하여 </a:t>
+                      </a:r>
+                      <a:r>
+                        <a:rPr lang="en-US" altLang="ko-KR" sz="1300" b="0" u="none" strike="noStrike" cap="none" dirty="0" err="1" smtClean="0">
+                          <a:hlinkClick r:id="rId3"/>
+                        </a:rPr>
+                        <a:t>abcd@abcd.abc</a:t>
+                      </a:r>
+                      <a:r>
+                        <a:rPr lang="en-US" altLang="ko-KR" sz="1300" b="0" u="none" strike="noStrike" cap="none" dirty="0" smtClean="0"/>
+                        <a:t> </a:t>
+                      </a:r>
+                      <a:r>
+                        <a:rPr lang="ko-KR" altLang="en-US" sz="1300" b="0" u="none" strike="noStrike" cap="none" dirty="0" smtClean="0"/>
+                        <a:t>형태의 </a:t>
+                      </a:r>
+                      <a:r>
+                        <a:rPr lang="ko-KR" altLang="en-US" sz="1300" b="0" u="none" strike="noStrike" cap="none" dirty="0" err="1" smtClean="0"/>
+                        <a:t>이메일을</a:t>
+                      </a:r>
+                      <a:r>
+                        <a:rPr lang="ko-KR" altLang="en-US" sz="1300" b="0" u="none" strike="noStrike" cap="none" dirty="0" smtClean="0"/>
+                        <a:t> </a:t>
+                      </a:r>
+                      <a:r>
+                        <a:rPr lang="ko-KR" altLang="en-US" sz="1300" b="0" u="none" strike="noStrike" cap="none" dirty="0" err="1" smtClean="0"/>
+                        <a:t>입력받도록</a:t>
+                      </a:r>
+                      <a:r>
+                        <a:rPr lang="ko-KR" altLang="en-US" sz="1300" b="0" u="none" strike="noStrike" cap="none" dirty="0" smtClean="0"/>
+                        <a:t> 한다</a:t>
+                      </a:r>
+                      <a:r>
+                        <a:rPr lang="en-US" altLang="ko-KR" sz="1300" b="0" u="none" strike="noStrike" cap="none" dirty="0" smtClean="0"/>
+                        <a:t>.</a:t>
+                      </a:r>
+                      <a:endParaRPr lang="en-US" altLang="ko-KR" sz="1300" b="0" u="none" strike="noStrike" cap="none" dirty="0"/>
+                    </a:p>
+                  </a:txBody>
+                  <a:tcPr marL="91451" marR="91451" marT="45725" marB="45725">
+                    <a:lnL w="12700" cap="flat" cmpd="sng" algn="ctr">
+                      <a:solidFill>
+                        <a:schemeClr val="dk1"/>
+                      </a:solidFill>
+                      <a:prstDash val="solid"/>
+                      <a:round/>
+                      <a:headEnd type="none" w="sm" len="sm"/>
+                      <a:tailEnd type="none" w="sm" len="sm"/>
+                    </a:lnL>
+                    <a:lnR w="12700" cap="flat" cmpd="sng">
+                      <a:solidFill>
+                        <a:schemeClr val="dk1"/>
+                      </a:solidFill>
+                      <a:prstDash val="solid"/>
+                      <a:round/>
+                      <a:headEnd type="none" w="sm" len="sm"/>
+                      <a:tailEnd type="none" w="sm" len="sm"/>
+                    </a:lnR>
+                    <a:lnT w="12700" cap="flat" cmpd="sng">
+                      <a:solidFill>
+                        <a:schemeClr val="dk1"/>
+                      </a:solidFill>
+                      <a:prstDash val="solid"/>
+                      <a:round/>
+                      <a:headEnd type="none" w="sm" len="sm"/>
+                      <a:tailEnd type="none" w="sm" len="sm"/>
+                    </a:lnT>
+                    <a:lnB w="12700" cap="flat" cmpd="sng">
+                      <a:solidFill>
+                        <a:schemeClr val="dk1"/>
+                      </a:solidFill>
+                      <a:prstDash val="solid"/>
+                      <a:round/>
+                      <a:headEnd type="none" w="sm" len="sm"/>
+                      <a:tailEnd type="none" w="sm" len="sm"/>
+                    </a:lnB>
+                    <a:solidFill>
+                      <a:schemeClr val="lt1"/>
+                    </a:solidFill>
+                  </a:tcPr>
+                </a:tc>
+              </a:tr>
+            </a:tbl>
+          </a:graphicData>
+        </a:graphic>
+      </p:graphicFrame>
+      <p:sp>
+        <p:nvSpPr>
+          <p:cNvPr id="4" name="TextBox 3"/>
+          <p:cNvSpPr txBox="1"/>
+          <p:nvPr/>
+        </p:nvSpPr>
+        <p:spPr>
+          <a:xfrm>
+            <a:off x="3827930" y="1337514"/>
+            <a:ext cx="1192306" cy="369332"/>
+          </a:xfrm>
+          <a:prstGeom prst="rect">
+            <a:avLst/>
+          </a:prstGeom>
+          <a:noFill/>
+        </p:spPr>
+        <p:txBody>
+          <a:bodyPr wrap="square" rtlCol="0">
+            <a:spAutoFit/>
+          </a:bodyPr>
+          <a:lstStyle/>
+          <a:p>
+            <a:r>
+              <a:rPr lang="ko-KR" altLang="en-US" dirty="0" smtClean="0"/>
+              <a:t>회원가입</a:t>
+            </a:r>
+            <a:endParaRPr lang="en-US" altLang="ko-KR" dirty="0" smtClean="0"/>
+          </a:p>
+        </p:txBody>
+      </p:sp>
+      <p:sp>
+        <p:nvSpPr>
+          <p:cNvPr id="5" name="직사각형 4"/>
+          <p:cNvSpPr/>
+          <p:nvPr/>
+        </p:nvSpPr>
+        <p:spPr>
+          <a:xfrm>
+            <a:off x="1963271" y="1237124"/>
+            <a:ext cx="4876800" cy="5387794"/>
+          </a:xfrm>
+          <a:prstGeom prst="rect">
+            <a:avLst/>
+          </a:prstGeom>
+          <a:noFill/>
+          <a:ln>
+            <a:solidFill>
+              <a:schemeClr val="tx1"/>
+            </a:solidFill>
+          </a:ln>
+        </p:spPr>
+        <p:style>
+          <a:lnRef idx="2">
+            <a:schemeClr val="accent1">
+              <a:shade val="50000"/>
+            </a:schemeClr>
+          </a:lnRef>
+          <a:fillRef idx="1">
+            <a:schemeClr val="accent1"/>
+          </a:fillRef>
+          <a:effectRef idx="0">
+            <a:schemeClr val="accent1"/>
+          </a:effectRef>
+          <a:fontRef idx="minor">
+            <a:schemeClr val="lt1"/>
+          </a:fontRef>
+        </p:style>
+        <p:txBody>
+          <a:bodyPr rtlCol="0" anchor="ctr"/>
+          <a:lstStyle/>
+          <a:p>
+            <a:pPr algn="ctr"/>
+            <a:endParaRPr lang="ko-KR" altLang="en-US"/>
+          </a:p>
+        </p:txBody>
+      </p:sp>
+      <p:sp>
+        <p:nvSpPr>
+          <p:cNvPr id="7" name="직사각형 6"/>
+          <p:cNvSpPr/>
+          <p:nvPr/>
+        </p:nvSpPr>
+        <p:spPr>
+          <a:xfrm>
+            <a:off x="2205318" y="1927406"/>
+            <a:ext cx="4285129" cy="475129"/>
+          </a:xfrm>
+          <a:prstGeom prst="rect">
+            <a:avLst/>
+          </a:prstGeom>
+          <a:noFill/>
+          <a:ln>
+            <a:solidFill>
+              <a:schemeClr val="tx1"/>
+            </a:solidFill>
+          </a:ln>
+        </p:spPr>
+        <p:style>
+          <a:lnRef idx="2">
+            <a:schemeClr val="accent1">
+              <a:shade val="50000"/>
+            </a:schemeClr>
+          </a:lnRef>
+          <a:fillRef idx="1">
+            <a:schemeClr val="accent1"/>
+          </a:fillRef>
+          <a:effectRef idx="0">
+            <a:schemeClr val="accent1"/>
+          </a:effectRef>
+          <a:fontRef idx="minor">
+            <a:schemeClr val="lt1"/>
+          </a:fontRef>
+        </p:style>
+        <p:txBody>
+          <a:bodyPr rtlCol="0" anchor="ctr"/>
+          <a:lstStyle/>
+          <a:p>
+            <a:r>
+              <a:rPr lang="ko-KR" altLang="en-US" dirty="0" smtClean="0">
+                <a:solidFill>
+                  <a:schemeClr val="tx1"/>
+                </a:solidFill>
+              </a:rPr>
+              <a:t>아이</a:t>
+            </a:r>
+            <a:r>
+              <a:rPr lang="ko-KR" altLang="en-US" dirty="0">
+                <a:solidFill>
+                  <a:schemeClr val="tx1"/>
+                </a:solidFill>
+              </a:rPr>
+              <a:t>디</a:t>
+            </a:r>
+          </a:p>
+        </p:txBody>
+      </p:sp>
+      <p:sp>
+        <p:nvSpPr>
+          <p:cNvPr id="17" name="직사각형 16"/>
+          <p:cNvSpPr/>
+          <p:nvPr/>
+        </p:nvSpPr>
+        <p:spPr>
+          <a:xfrm>
+            <a:off x="2205317" y="2590794"/>
+            <a:ext cx="4285129" cy="475129"/>
+          </a:xfrm>
+          <a:prstGeom prst="rect">
+            <a:avLst/>
+          </a:prstGeom>
+          <a:noFill/>
+          <a:ln>
+            <a:solidFill>
+              <a:schemeClr val="tx1"/>
+            </a:solidFill>
+          </a:ln>
+        </p:spPr>
+        <p:style>
+          <a:lnRef idx="2">
+            <a:schemeClr val="accent1">
+              <a:shade val="50000"/>
+            </a:schemeClr>
+          </a:lnRef>
+          <a:fillRef idx="1">
+            <a:schemeClr val="accent1"/>
+          </a:fillRef>
+          <a:effectRef idx="0">
+            <a:schemeClr val="accent1"/>
+          </a:effectRef>
+          <a:fontRef idx="minor">
+            <a:schemeClr val="lt1"/>
+          </a:fontRef>
+        </p:style>
+        <p:txBody>
+          <a:bodyPr rtlCol="0" anchor="ctr"/>
+          <a:lstStyle/>
+          <a:p>
+            <a:r>
+              <a:rPr lang="ko-KR" altLang="en-US" dirty="0" smtClean="0">
+                <a:solidFill>
+                  <a:schemeClr val="tx1"/>
+                </a:solidFill>
+              </a:rPr>
+              <a:t>비밀번</a:t>
+            </a:r>
+            <a:r>
+              <a:rPr lang="ko-KR" altLang="en-US" dirty="0">
+                <a:solidFill>
+                  <a:schemeClr val="tx1"/>
+                </a:solidFill>
+              </a:rPr>
+              <a:t>호</a:t>
+            </a:r>
+          </a:p>
+        </p:txBody>
+      </p:sp>
+      <p:sp>
+        <p:nvSpPr>
+          <p:cNvPr id="18" name="직사각형 17"/>
+          <p:cNvSpPr/>
+          <p:nvPr/>
+        </p:nvSpPr>
+        <p:spPr>
+          <a:xfrm>
+            <a:off x="2214282" y="3213841"/>
+            <a:ext cx="4285129" cy="475129"/>
+          </a:xfrm>
+          <a:prstGeom prst="rect">
+            <a:avLst/>
+          </a:prstGeom>
+          <a:noFill/>
+          <a:ln>
+            <a:solidFill>
+              <a:schemeClr val="tx1"/>
+            </a:solidFill>
+          </a:ln>
+        </p:spPr>
+        <p:style>
+          <a:lnRef idx="2">
+            <a:schemeClr val="accent1">
+              <a:shade val="50000"/>
+            </a:schemeClr>
+          </a:lnRef>
+          <a:fillRef idx="1">
+            <a:schemeClr val="accent1"/>
+          </a:fillRef>
+          <a:effectRef idx="0">
+            <a:schemeClr val="accent1"/>
+          </a:effectRef>
+          <a:fontRef idx="minor">
+            <a:schemeClr val="lt1"/>
+          </a:fontRef>
+        </p:style>
+        <p:txBody>
+          <a:bodyPr rtlCol="0" anchor="ctr"/>
+          <a:lstStyle/>
+          <a:p>
+            <a:r>
+              <a:rPr lang="ko-KR" altLang="en-US" dirty="0" smtClean="0">
+                <a:solidFill>
+                  <a:schemeClr val="tx1"/>
+                </a:solidFill>
+              </a:rPr>
+              <a:t>비밀번호확인</a:t>
+            </a:r>
+            <a:endParaRPr lang="ko-KR" altLang="en-US" dirty="0">
+              <a:solidFill>
+                <a:schemeClr val="tx1"/>
+              </a:solidFill>
+            </a:endParaRPr>
+          </a:p>
+        </p:txBody>
+      </p:sp>
+      <p:sp>
+        <p:nvSpPr>
+          <p:cNvPr id="19" name="직사각형 18"/>
+          <p:cNvSpPr/>
+          <p:nvPr/>
+        </p:nvSpPr>
+        <p:spPr>
+          <a:xfrm>
+            <a:off x="2214282" y="3948947"/>
+            <a:ext cx="4285129" cy="475129"/>
+          </a:xfrm>
+          <a:prstGeom prst="rect">
+            <a:avLst/>
+          </a:prstGeom>
+          <a:noFill/>
+          <a:ln>
+            <a:solidFill>
+              <a:schemeClr val="tx1"/>
+            </a:solidFill>
+          </a:ln>
+        </p:spPr>
+        <p:style>
+          <a:lnRef idx="2">
+            <a:schemeClr val="accent1">
+              <a:shade val="50000"/>
+            </a:schemeClr>
+          </a:lnRef>
+          <a:fillRef idx="1">
+            <a:schemeClr val="accent1"/>
+          </a:fillRef>
+          <a:effectRef idx="0">
+            <a:schemeClr val="accent1"/>
+          </a:effectRef>
+          <a:fontRef idx="minor">
+            <a:schemeClr val="lt1"/>
+          </a:fontRef>
+        </p:style>
+        <p:txBody>
+          <a:bodyPr rtlCol="0" anchor="ctr"/>
+          <a:lstStyle/>
+          <a:p>
+            <a:r>
+              <a:rPr lang="ko-KR" altLang="en-US" dirty="0" err="1" smtClean="0">
+                <a:solidFill>
+                  <a:schemeClr val="tx1"/>
+                </a:solidFill>
+              </a:rPr>
+              <a:t>이메</a:t>
+            </a:r>
+            <a:r>
+              <a:rPr lang="ko-KR" altLang="en-US" dirty="0" err="1">
+                <a:solidFill>
+                  <a:schemeClr val="tx1"/>
+                </a:solidFill>
+              </a:rPr>
+              <a:t>일</a:t>
+            </a:r>
+            <a:endParaRPr lang="ko-KR" altLang="en-US" dirty="0">
+              <a:solidFill>
+                <a:schemeClr val="tx1"/>
+              </a:solidFill>
+            </a:endParaRPr>
+          </a:p>
+        </p:txBody>
+      </p:sp>
+      <p:sp>
+        <p:nvSpPr>
+          <p:cNvPr id="20" name="직사각형 19"/>
+          <p:cNvSpPr/>
+          <p:nvPr/>
+        </p:nvSpPr>
+        <p:spPr>
+          <a:xfrm>
+            <a:off x="2214282" y="4531653"/>
+            <a:ext cx="4285129" cy="475129"/>
+          </a:xfrm>
+          <a:prstGeom prst="rect">
+            <a:avLst/>
+          </a:prstGeom>
+          <a:noFill/>
+          <a:ln>
+            <a:solidFill>
+              <a:schemeClr val="tx1"/>
+            </a:solidFill>
+          </a:ln>
+        </p:spPr>
+        <p:style>
+          <a:lnRef idx="2">
+            <a:schemeClr val="accent1">
+              <a:shade val="50000"/>
+            </a:schemeClr>
+          </a:lnRef>
+          <a:fillRef idx="1">
+            <a:schemeClr val="accent1"/>
+          </a:fillRef>
+          <a:effectRef idx="0">
+            <a:schemeClr val="accent1"/>
+          </a:effectRef>
+          <a:fontRef idx="minor">
+            <a:schemeClr val="lt1"/>
+          </a:fontRef>
+        </p:style>
+        <p:txBody>
+          <a:bodyPr rtlCol="0" anchor="ctr"/>
+          <a:lstStyle/>
+          <a:p>
+            <a:r>
+              <a:rPr lang="ko-KR" altLang="en-US" dirty="0" smtClean="0">
+                <a:solidFill>
+                  <a:schemeClr val="tx1"/>
+                </a:solidFill>
+              </a:rPr>
+              <a:t>닉네임</a:t>
+            </a:r>
+            <a:endParaRPr lang="ko-KR" altLang="en-US" dirty="0">
+              <a:solidFill>
+                <a:schemeClr val="tx1"/>
+              </a:solidFill>
+            </a:endParaRPr>
+          </a:p>
+        </p:txBody>
+      </p:sp>
+      <p:sp>
+        <p:nvSpPr>
+          <p:cNvPr id="21" name="직사각형 20"/>
+          <p:cNvSpPr/>
+          <p:nvPr/>
+        </p:nvSpPr>
+        <p:spPr>
+          <a:xfrm>
+            <a:off x="2205317" y="5190553"/>
+            <a:ext cx="1174377" cy="475129"/>
+          </a:xfrm>
+          <a:prstGeom prst="rect">
+            <a:avLst/>
+          </a:prstGeom>
+          <a:noFill/>
+          <a:ln>
+            <a:solidFill>
+              <a:schemeClr val="tx1"/>
+            </a:solidFill>
+          </a:ln>
+        </p:spPr>
+        <p:style>
+          <a:lnRef idx="2">
+            <a:schemeClr val="accent1">
+              <a:shade val="50000"/>
+            </a:schemeClr>
+          </a:lnRef>
+          <a:fillRef idx="1">
+            <a:schemeClr val="accent1"/>
+          </a:fillRef>
+          <a:effectRef idx="0">
+            <a:schemeClr val="accent1"/>
+          </a:effectRef>
+          <a:fontRef idx="minor">
+            <a:schemeClr val="lt1"/>
+          </a:fontRef>
+        </p:style>
+        <p:txBody>
+          <a:bodyPr rtlCol="0" anchor="ctr"/>
+          <a:lstStyle/>
+          <a:p>
+            <a:r>
+              <a:rPr lang="ko-KR" altLang="en-US" dirty="0" smtClean="0">
+                <a:solidFill>
+                  <a:schemeClr val="tx1"/>
+                </a:solidFill>
+              </a:rPr>
+              <a:t>관심</a:t>
+            </a:r>
+            <a:r>
+              <a:rPr lang="en-US" altLang="ko-KR" dirty="0" smtClean="0">
+                <a:solidFill>
+                  <a:schemeClr val="tx1"/>
+                </a:solidFill>
+              </a:rPr>
+              <a:t>1</a:t>
+            </a:r>
+            <a:endParaRPr lang="ko-KR" altLang="en-US" dirty="0">
+              <a:solidFill>
+                <a:schemeClr val="tx1"/>
+              </a:solidFill>
+            </a:endParaRPr>
+          </a:p>
+        </p:txBody>
+      </p:sp>
+      <p:sp>
+        <p:nvSpPr>
+          <p:cNvPr id="24" name="이등변 삼각형 23"/>
+          <p:cNvSpPr/>
+          <p:nvPr/>
+        </p:nvSpPr>
+        <p:spPr>
+          <a:xfrm rot="10800000">
+            <a:off x="3016623" y="5316317"/>
+            <a:ext cx="259977" cy="250506"/>
+          </a:xfrm>
+          <a:prstGeom prst="triangle">
+            <a:avLst/>
+          </a:prstGeom>
+          <a:solidFill>
+            <a:schemeClr val="tx1"/>
+          </a:solidFill>
+        </p:spPr>
+        <p:style>
+          <a:lnRef idx="2">
+            <a:schemeClr val="accent1">
+              <a:shade val="50000"/>
+            </a:schemeClr>
+          </a:lnRef>
+          <a:fillRef idx="1">
+            <a:schemeClr val="accent1"/>
+          </a:fillRef>
+          <a:effectRef idx="0">
+            <a:schemeClr val="accent1"/>
+          </a:effectRef>
+          <a:fontRef idx="minor">
+            <a:schemeClr val="lt1"/>
+          </a:fontRef>
+        </p:style>
+        <p:txBody>
+          <a:bodyPr rtlCol="0" anchor="ctr"/>
+          <a:lstStyle/>
+          <a:p>
+            <a:pPr algn="ctr"/>
+            <a:endParaRPr lang="ko-KR" altLang="en-US">
+              <a:solidFill>
+                <a:schemeClr val="tx1"/>
+              </a:solidFill>
+            </a:endParaRPr>
+          </a:p>
+        </p:txBody>
+      </p:sp>
+      <p:sp>
+        <p:nvSpPr>
+          <p:cNvPr id="8" name="직사각형 7"/>
+          <p:cNvSpPr/>
+          <p:nvPr/>
+        </p:nvSpPr>
+        <p:spPr>
+          <a:xfrm>
+            <a:off x="2788024" y="6042212"/>
+            <a:ext cx="3092823" cy="466164"/>
+          </a:xfrm>
+          <a:prstGeom prst="rect">
+            <a:avLst/>
+          </a:prstGeom>
+        </p:spPr>
+        <p:style>
+          <a:lnRef idx="2">
+            <a:schemeClr val="accent4">
+              <a:shade val="50000"/>
+            </a:schemeClr>
+          </a:lnRef>
+          <a:fillRef idx="1">
+            <a:schemeClr val="accent4"/>
+          </a:fillRef>
+          <a:effectRef idx="0">
+            <a:schemeClr val="accent4"/>
+          </a:effectRef>
+          <a:fontRef idx="minor">
+            <a:schemeClr val="lt1"/>
+          </a:fontRef>
+        </p:style>
+        <p:txBody>
+          <a:bodyPr rtlCol="0" anchor="ctr"/>
+          <a:lstStyle/>
+          <a:p>
+            <a:pPr algn="ctr"/>
+            <a:r>
+              <a:rPr lang="ko-KR" altLang="en-US" dirty="0" smtClean="0"/>
+              <a:t>회원가입</a:t>
+            </a:r>
+            <a:endParaRPr lang="ko-KR" altLang="en-US" dirty="0"/>
+          </a:p>
+        </p:txBody>
+      </p:sp>
+      <p:sp>
+        <p:nvSpPr>
+          <p:cNvPr id="9" name="직사각형 8"/>
+          <p:cNvSpPr/>
+          <p:nvPr/>
+        </p:nvSpPr>
+        <p:spPr>
+          <a:xfrm>
+            <a:off x="1824318" y="1165412"/>
+            <a:ext cx="277905" cy="268941"/>
+          </a:xfrm>
+          <a:prstGeom prst="rect">
+            <a:avLst/>
+          </a:prstGeom>
+          <a:solidFill>
+            <a:srgbClr val="FF0000"/>
+          </a:solidFill>
+        </p:spPr>
+        <p:style>
+          <a:lnRef idx="2">
+            <a:schemeClr val="accent1">
+              <a:shade val="50000"/>
+            </a:schemeClr>
+          </a:lnRef>
+          <a:fillRef idx="1">
+            <a:schemeClr val="accent1"/>
+          </a:fillRef>
+          <a:effectRef idx="0">
+            <a:schemeClr val="accent1"/>
+          </a:effectRef>
+          <a:fontRef idx="minor">
+            <a:schemeClr val="lt1"/>
+          </a:fontRef>
+        </p:style>
+        <p:txBody>
+          <a:bodyPr rtlCol="0" anchor="ctr"/>
+          <a:lstStyle/>
+          <a:p>
+            <a:pPr algn="ctr"/>
+            <a:r>
+              <a:rPr lang="en-US" altLang="ko-KR" dirty="0" smtClean="0"/>
+              <a:t>1</a:t>
+            </a:r>
+            <a:endParaRPr lang="ko-KR" altLang="en-US" dirty="0"/>
+          </a:p>
+        </p:txBody>
+      </p:sp>
+      <p:sp>
+        <p:nvSpPr>
+          <p:cNvPr id="27" name="직사각형 26"/>
+          <p:cNvSpPr/>
+          <p:nvPr/>
+        </p:nvSpPr>
+        <p:spPr>
+          <a:xfrm>
+            <a:off x="6351493" y="1792935"/>
+            <a:ext cx="277905" cy="268941"/>
+          </a:xfrm>
+          <a:prstGeom prst="rect">
+            <a:avLst/>
+          </a:prstGeom>
+          <a:solidFill>
+            <a:srgbClr val="FF0000"/>
+          </a:solidFill>
+        </p:spPr>
+        <p:style>
+          <a:lnRef idx="2">
+            <a:schemeClr val="accent1">
+              <a:shade val="50000"/>
+            </a:schemeClr>
+          </a:lnRef>
+          <a:fillRef idx="1">
+            <a:schemeClr val="accent1"/>
+          </a:fillRef>
+          <a:effectRef idx="0">
+            <a:schemeClr val="accent1"/>
+          </a:effectRef>
+          <a:fontRef idx="minor">
+            <a:schemeClr val="lt1"/>
+          </a:fontRef>
+        </p:style>
+        <p:txBody>
+          <a:bodyPr rtlCol="0" anchor="ctr"/>
+          <a:lstStyle/>
+          <a:p>
+            <a:pPr algn="ctr"/>
+            <a:r>
+              <a:rPr lang="en-US" altLang="ko-KR" dirty="0" smtClean="0"/>
+              <a:t>2</a:t>
+            </a:r>
+            <a:endParaRPr lang="ko-KR" altLang="en-US" dirty="0"/>
+          </a:p>
+        </p:txBody>
+      </p:sp>
+      <p:sp>
+        <p:nvSpPr>
+          <p:cNvPr id="30" name="직사각형 29"/>
+          <p:cNvSpPr/>
+          <p:nvPr/>
+        </p:nvSpPr>
+        <p:spPr>
+          <a:xfrm>
+            <a:off x="3778623" y="5195023"/>
+            <a:ext cx="1174377" cy="475129"/>
+          </a:xfrm>
+          <a:prstGeom prst="rect">
+            <a:avLst/>
+          </a:prstGeom>
+          <a:noFill/>
+          <a:ln>
+            <a:solidFill>
+              <a:schemeClr val="tx1"/>
+            </a:solidFill>
+          </a:ln>
+        </p:spPr>
+        <p:style>
+          <a:lnRef idx="2">
+            <a:schemeClr val="accent1">
+              <a:shade val="50000"/>
+            </a:schemeClr>
+          </a:lnRef>
+          <a:fillRef idx="1">
+            <a:schemeClr val="accent1"/>
+          </a:fillRef>
+          <a:effectRef idx="0">
+            <a:schemeClr val="accent1"/>
+          </a:effectRef>
+          <a:fontRef idx="minor">
+            <a:schemeClr val="lt1"/>
+          </a:fontRef>
+        </p:style>
+        <p:txBody>
+          <a:bodyPr rtlCol="0" anchor="ctr"/>
+          <a:lstStyle/>
+          <a:p>
+            <a:r>
+              <a:rPr lang="ko-KR" altLang="en-US" dirty="0" smtClean="0">
+                <a:solidFill>
+                  <a:schemeClr val="tx1"/>
+                </a:solidFill>
+              </a:rPr>
+              <a:t>관심</a:t>
+            </a:r>
+            <a:r>
+              <a:rPr lang="en-US" altLang="ko-KR" dirty="0">
+                <a:solidFill>
+                  <a:schemeClr val="tx1"/>
+                </a:solidFill>
+              </a:rPr>
+              <a:t>2</a:t>
+            </a:r>
+            <a:endParaRPr lang="ko-KR" altLang="en-US" dirty="0">
+              <a:solidFill>
+                <a:schemeClr val="tx1"/>
+              </a:solidFill>
+            </a:endParaRPr>
+          </a:p>
+        </p:txBody>
+      </p:sp>
+      <p:sp>
+        <p:nvSpPr>
+          <p:cNvPr id="31" name="이등변 삼각형 30"/>
+          <p:cNvSpPr/>
+          <p:nvPr/>
+        </p:nvSpPr>
+        <p:spPr>
+          <a:xfrm rot="10800000">
+            <a:off x="4589929" y="5320787"/>
+            <a:ext cx="259977" cy="250506"/>
+          </a:xfrm>
+          <a:prstGeom prst="triangle">
+            <a:avLst/>
+          </a:prstGeom>
+          <a:solidFill>
+            <a:schemeClr val="tx1"/>
+          </a:solidFill>
+        </p:spPr>
+        <p:style>
+          <a:lnRef idx="2">
+            <a:schemeClr val="accent1">
+              <a:shade val="50000"/>
+            </a:schemeClr>
+          </a:lnRef>
+          <a:fillRef idx="1">
+            <a:schemeClr val="accent1"/>
+          </a:fillRef>
+          <a:effectRef idx="0">
+            <a:schemeClr val="accent1"/>
+          </a:effectRef>
+          <a:fontRef idx="minor">
+            <a:schemeClr val="lt1"/>
+          </a:fontRef>
+        </p:style>
+        <p:txBody>
+          <a:bodyPr rtlCol="0" anchor="ctr"/>
+          <a:lstStyle/>
+          <a:p>
+            <a:pPr algn="ctr"/>
+            <a:endParaRPr lang="ko-KR" altLang="en-US">
+              <a:solidFill>
+                <a:schemeClr val="tx1"/>
+              </a:solidFill>
+            </a:endParaRPr>
+          </a:p>
+        </p:txBody>
+      </p:sp>
+      <p:sp>
+        <p:nvSpPr>
+          <p:cNvPr id="32" name="직사각형 31"/>
+          <p:cNvSpPr/>
+          <p:nvPr/>
+        </p:nvSpPr>
+        <p:spPr>
+          <a:xfrm>
+            <a:off x="5280210" y="5199493"/>
+            <a:ext cx="1174377" cy="475129"/>
+          </a:xfrm>
+          <a:prstGeom prst="rect">
+            <a:avLst/>
+          </a:prstGeom>
+          <a:noFill/>
+          <a:ln>
+            <a:solidFill>
+              <a:schemeClr val="tx1"/>
+            </a:solidFill>
+          </a:ln>
+        </p:spPr>
+        <p:style>
+          <a:lnRef idx="2">
+            <a:schemeClr val="accent1">
+              <a:shade val="50000"/>
+            </a:schemeClr>
+          </a:lnRef>
+          <a:fillRef idx="1">
+            <a:schemeClr val="accent1"/>
+          </a:fillRef>
+          <a:effectRef idx="0">
+            <a:schemeClr val="accent1"/>
+          </a:effectRef>
+          <a:fontRef idx="minor">
+            <a:schemeClr val="lt1"/>
+          </a:fontRef>
+        </p:style>
+        <p:txBody>
+          <a:bodyPr rtlCol="0" anchor="ctr"/>
+          <a:lstStyle/>
+          <a:p>
+            <a:r>
+              <a:rPr lang="ko-KR" altLang="en-US" dirty="0" smtClean="0">
+                <a:solidFill>
+                  <a:schemeClr val="tx1"/>
+                </a:solidFill>
+              </a:rPr>
+              <a:t>관심</a:t>
+            </a:r>
+            <a:r>
+              <a:rPr lang="en-US" altLang="ko-KR" dirty="0">
+                <a:solidFill>
+                  <a:schemeClr val="tx1"/>
+                </a:solidFill>
+              </a:rPr>
+              <a:t>3</a:t>
+            </a:r>
+            <a:endParaRPr lang="ko-KR" altLang="en-US" dirty="0">
+              <a:solidFill>
+                <a:schemeClr val="tx1"/>
+              </a:solidFill>
+            </a:endParaRPr>
+          </a:p>
+        </p:txBody>
+      </p:sp>
+      <p:sp>
+        <p:nvSpPr>
+          <p:cNvPr id="33" name="이등변 삼각형 32"/>
+          <p:cNvSpPr/>
+          <p:nvPr/>
+        </p:nvSpPr>
+        <p:spPr>
+          <a:xfrm rot="10800000">
+            <a:off x="6091516" y="5325257"/>
+            <a:ext cx="259977" cy="250506"/>
+          </a:xfrm>
+          <a:prstGeom prst="triangle">
+            <a:avLst/>
+          </a:prstGeom>
+          <a:solidFill>
+            <a:schemeClr val="tx1"/>
+          </a:solidFill>
+        </p:spPr>
+        <p:style>
+          <a:lnRef idx="2">
+            <a:schemeClr val="accent1">
+              <a:shade val="50000"/>
+            </a:schemeClr>
+          </a:lnRef>
+          <a:fillRef idx="1">
+            <a:schemeClr val="accent1"/>
+          </a:fillRef>
+          <a:effectRef idx="0">
+            <a:schemeClr val="accent1"/>
+          </a:effectRef>
+          <a:fontRef idx="minor">
+            <a:schemeClr val="lt1"/>
+          </a:fontRef>
+        </p:style>
+        <p:txBody>
+          <a:bodyPr rtlCol="0" anchor="ctr"/>
+          <a:lstStyle/>
+          <a:p>
+            <a:pPr algn="ctr"/>
+            <a:endParaRPr lang="ko-KR" altLang="en-US">
+              <a:solidFill>
+                <a:schemeClr val="tx1"/>
+              </a:solidFill>
+            </a:endParaRPr>
+          </a:p>
+        </p:txBody>
+      </p:sp>
+      <p:sp>
+        <p:nvSpPr>
+          <p:cNvPr id="34" name="직사각형 33"/>
+          <p:cNvSpPr/>
+          <p:nvPr/>
+        </p:nvSpPr>
+        <p:spPr>
+          <a:xfrm>
+            <a:off x="6378387" y="2465288"/>
+            <a:ext cx="277905" cy="268941"/>
+          </a:xfrm>
+          <a:prstGeom prst="rect">
+            <a:avLst/>
+          </a:prstGeom>
+          <a:solidFill>
+            <a:srgbClr val="FF0000"/>
+          </a:solidFill>
+        </p:spPr>
+        <p:style>
+          <a:lnRef idx="2">
+            <a:schemeClr val="accent1">
+              <a:shade val="50000"/>
+            </a:schemeClr>
+          </a:lnRef>
+          <a:fillRef idx="1">
+            <a:schemeClr val="accent1"/>
+          </a:fillRef>
+          <a:effectRef idx="0">
+            <a:schemeClr val="accent1"/>
+          </a:effectRef>
+          <a:fontRef idx="minor">
+            <a:schemeClr val="lt1"/>
+          </a:fontRef>
+        </p:style>
+        <p:txBody>
+          <a:bodyPr rtlCol="0" anchor="ctr"/>
+          <a:lstStyle/>
+          <a:p>
+            <a:pPr algn="ctr"/>
+            <a:r>
+              <a:rPr lang="en-US" altLang="ko-KR" dirty="0"/>
+              <a:t>3</a:t>
+            </a:r>
+            <a:endParaRPr lang="ko-KR" altLang="en-US" dirty="0"/>
+          </a:p>
+        </p:txBody>
+      </p:sp>
+      <p:sp>
+        <p:nvSpPr>
+          <p:cNvPr id="36" name="직사각형 35"/>
+          <p:cNvSpPr/>
+          <p:nvPr/>
+        </p:nvSpPr>
+        <p:spPr>
+          <a:xfrm>
+            <a:off x="6378387" y="3796550"/>
+            <a:ext cx="277905" cy="268941"/>
+          </a:xfrm>
+          <a:prstGeom prst="rect">
+            <a:avLst/>
+          </a:prstGeom>
+          <a:solidFill>
+            <a:srgbClr val="FF0000"/>
+          </a:solidFill>
+        </p:spPr>
+        <p:style>
+          <a:lnRef idx="2">
+            <a:schemeClr val="accent1">
+              <a:shade val="50000"/>
+            </a:schemeClr>
+          </a:lnRef>
+          <a:fillRef idx="1">
+            <a:schemeClr val="accent1"/>
+          </a:fillRef>
+          <a:effectRef idx="0">
+            <a:schemeClr val="accent1"/>
+          </a:effectRef>
+          <a:fontRef idx="minor">
+            <a:schemeClr val="lt1"/>
+          </a:fontRef>
+        </p:style>
+        <p:txBody>
+          <a:bodyPr rtlCol="0" anchor="ctr"/>
+          <a:lstStyle/>
+          <a:p>
+            <a:pPr algn="ctr"/>
+            <a:r>
+              <a:rPr lang="en-US" altLang="ko-KR" dirty="0"/>
+              <a:t>3</a:t>
+            </a:r>
+            <a:endParaRPr lang="ko-KR" altLang="en-US" dirty="0"/>
+          </a:p>
+        </p:txBody>
+      </p:sp>
+    </p:spTree>
+    <p:extLst>
+      <p:ext uri="{BB962C8B-B14F-4D97-AF65-F5344CB8AC3E}">
+        <p14:creationId xmlns:p14="http://schemas.microsoft.com/office/powerpoint/2010/main" val="2658422531"/>
+      </p:ext>
+    </p:extLst>
+  </p:cSld>
+  <p:clrMapOvr>
+    <a:masterClrMapping/>
+  </p:clrMapOvr>
+</p:sld>
+</file>
+
+<file path=ppt/slides/slide5.xml><?xml version="1.0" encoding="utf-8"?>
+<p:sld xmlns:a="http://schemas.openxmlformats.org/drawingml/2006/main" xmlns:r="http://schemas.openxmlformats.org/officeDocument/2006/relationships" xmlns:p="http://schemas.openxmlformats.org/presentationml/2006/main">
+  <p:cSld>
+    <p:spTree>
+      <p:nvGrpSpPr>
+        <p:cNvPr id="1" name="Shape 90"/>
+        <p:cNvGrpSpPr/>
+        <p:nvPr/>
+      </p:nvGrpSpPr>
+      <p:grpSpPr>
+        <a:xfrm>
+          <a:off x="0" y="0"/>
+          <a:ext cx="0" cy="0"/>
+          <a:chOff x="0" y="0"/>
+          <a:chExt cx="0" cy="0"/>
+        </a:xfrm>
+      </p:grpSpPr>
+      <p:graphicFrame>
+        <p:nvGraphicFramePr>
+          <p:cNvPr id="92" name="Google Shape;92;g7c553259d1_0_3"/>
+          <p:cNvGraphicFramePr/>
+          <p:nvPr>
+            <p:extLst>
+              <p:ext uri="{D42A27DB-BD31-4B8C-83A1-F6EECF244321}">
+                <p14:modId xmlns:p14="http://schemas.microsoft.com/office/powerpoint/2010/main" val="3001748837"/>
+              </p:ext>
+            </p:extLst>
+          </p:nvPr>
+        </p:nvGraphicFramePr>
+        <p:xfrm>
+          <a:off x="131604" y="115759"/>
+          <a:ext cx="3693699" cy="960150"/>
+        </p:xfrm>
+        <a:graphic>
+          <a:graphicData uri="http://schemas.openxmlformats.org/drawingml/2006/table">
+            <a:tbl>
+              <a:tblPr firstRow="1" bandRow="1">
+                <a:noFill/>
+              </a:tblPr>
+              <a:tblGrid>
+                <a:gridCol w="1549025">
+                  <a:extLst>
+                    <a:ext uri="{9D8B030D-6E8A-4147-A177-3AD203B41FA5}">
+                      <a16:colId xmlns="" xmlns:a16="http://schemas.microsoft.com/office/drawing/2014/main" val="20000"/>
+                    </a:ext>
+                  </a:extLst>
+                </a:gridCol>
+                <a:gridCol w="2144674">
+                  <a:extLst>
+                    <a:ext uri="{9D8B030D-6E8A-4147-A177-3AD203B41FA5}">
+                      <a16:colId xmlns="" xmlns:a16="http://schemas.microsoft.com/office/drawing/2014/main" val="20001"/>
+                    </a:ext>
+                  </a:extLst>
+                </a:gridCol>
+              </a:tblGrid>
+              <a:tr h="271225">
+                <a:tc>
+                  <a:txBody>
+                    <a:bodyPr/>
+                    <a:lstStyle/>
+                    <a:p>
+                      <a:pPr marL="0" marR="0" lvl="0" indent="0" algn="ctr" rtl="0">
+                        <a:lnSpc>
+                          <a:spcPct val="100000"/>
+                        </a:lnSpc>
+                        <a:spcBef>
+                          <a:spcPts val="0"/>
+                        </a:spcBef>
+                        <a:spcAft>
+                          <a:spcPts val="0"/>
+                        </a:spcAft>
+                        <a:buClr>
+                          <a:srgbClr val="000000"/>
+                        </a:buClr>
+                        <a:buSzPts val="1500"/>
+                        <a:buFont typeface="Arial"/>
+                        <a:buNone/>
+                      </a:pPr>
+                      <a:r>
+                        <a:rPr lang="ko-KR" sz="1500" b="0" u="none" strike="noStrike" cap="none" dirty="0">
+                          <a:solidFill>
+                            <a:schemeClr val="dk1"/>
+                          </a:solidFill>
+                        </a:rPr>
+                        <a:t>화면코드</a:t>
+                      </a:r>
+                      <a:endParaRPr sz="1500" b="0" u="none" strike="noStrike" cap="none" dirty="0">
+                        <a:solidFill>
+                          <a:schemeClr val="dk1"/>
+                        </a:solidFill>
+                      </a:endParaRPr>
+                    </a:p>
+                  </a:txBody>
+                  <a:tcPr marL="91451" marR="91451" marT="45725" marB="45725" anchor="ctr">
+                    <a:lnL w="12700" cap="flat" cmpd="sng">
+                      <a:solidFill>
+                        <a:schemeClr val="dk1"/>
+                      </a:solidFill>
+                      <a:prstDash val="solid"/>
+                      <a:round/>
+                      <a:headEnd type="none" w="sm" len="sm"/>
+                      <a:tailEnd type="none" w="sm" len="sm"/>
+                    </a:lnL>
+                    <a:lnR w="12700" cap="flat" cmpd="sng">
+                      <a:solidFill>
+                        <a:schemeClr val="dk1"/>
+                      </a:solidFill>
+                      <a:prstDash val="solid"/>
+                      <a:round/>
+                      <a:headEnd type="none" w="sm" len="sm"/>
+                      <a:tailEnd type="none" w="sm" len="sm"/>
+                    </a:lnR>
+                    <a:lnT w="12700" cap="flat" cmpd="sng">
+                      <a:solidFill>
+                        <a:schemeClr val="dk1"/>
+                      </a:solidFill>
+                      <a:prstDash val="solid"/>
+                      <a:round/>
+                      <a:headEnd type="none" w="sm" len="sm"/>
+                      <a:tailEnd type="none" w="sm" len="sm"/>
+                    </a:lnT>
+                    <a:lnB w="12700" cap="flat" cmpd="sng">
+                      <a:solidFill>
+                        <a:schemeClr val="dk1"/>
+                      </a:solidFill>
+                      <a:prstDash val="solid"/>
+                      <a:round/>
+                      <a:headEnd type="none" w="sm" len="sm"/>
+                      <a:tailEnd type="none" w="sm" len="sm"/>
+                    </a:lnB>
+                    <a:solidFill>
+                      <a:srgbClr val="D8D8D8"/>
+                    </a:solidFill>
+                  </a:tcPr>
+                </a:tc>
+                <a:tc>
+                  <a:txBody>
+                    <a:bodyPr/>
+                    <a:lstStyle/>
+                    <a:p>
+                      <a:pPr marL="0" marR="0" lvl="0" indent="0" algn="ctr" rtl="0">
+                        <a:lnSpc>
+                          <a:spcPct val="100000"/>
+                        </a:lnSpc>
+                        <a:spcBef>
+                          <a:spcPts val="0"/>
+                        </a:spcBef>
+                        <a:spcAft>
+                          <a:spcPts val="0"/>
+                        </a:spcAft>
+                        <a:buClr>
+                          <a:srgbClr val="000000"/>
+                        </a:buClr>
+                        <a:buSzPts val="1500"/>
+                        <a:buFont typeface="Arial"/>
+                        <a:buNone/>
+                      </a:pPr>
+                      <a:endParaRPr sz="1100" b="0" u="none" strike="noStrike" cap="none" dirty="0">
+                        <a:solidFill>
+                          <a:schemeClr val="dk1"/>
+                        </a:solidFill>
+                      </a:endParaRPr>
+                    </a:p>
+                  </a:txBody>
+                  <a:tcPr marL="91451" marR="91451" marT="45725" marB="45725" anchor="ctr">
+                    <a:lnL w="12700" cap="flat" cmpd="sng">
+                      <a:solidFill>
+                        <a:schemeClr val="dk1"/>
+                      </a:solidFill>
+                      <a:prstDash val="solid"/>
+                      <a:round/>
+                      <a:headEnd type="none" w="sm" len="sm"/>
+                      <a:tailEnd type="none" w="sm" len="sm"/>
+                    </a:lnL>
+                    <a:lnR w="12700" cap="flat" cmpd="sng">
+                      <a:solidFill>
+                        <a:schemeClr val="dk1"/>
+                      </a:solidFill>
+                      <a:prstDash val="solid"/>
+                      <a:round/>
+                      <a:headEnd type="none" w="sm" len="sm"/>
+                      <a:tailEnd type="none" w="sm" len="sm"/>
+                    </a:lnR>
+                    <a:lnT w="12700" cap="flat" cmpd="sng">
+                      <a:solidFill>
+                        <a:schemeClr val="dk1"/>
+                      </a:solidFill>
+                      <a:prstDash val="solid"/>
+                      <a:round/>
+                      <a:headEnd type="none" w="sm" len="sm"/>
+                      <a:tailEnd type="none" w="sm" len="sm"/>
+                    </a:lnT>
+                    <a:lnB w="12700" cap="flat" cmpd="sng">
+                      <a:solidFill>
+                        <a:schemeClr val="dk1"/>
+                      </a:solidFill>
+                      <a:prstDash val="solid"/>
+                      <a:round/>
+                      <a:headEnd type="none" w="sm" len="sm"/>
+                      <a:tailEnd type="none" w="sm" len="sm"/>
+                    </a:lnB>
+                    <a:solidFill>
+                      <a:schemeClr val="lt1"/>
+                    </a:solidFill>
+                  </a:tcPr>
+                </a:tc>
+                <a:extLst>
+                  <a:ext uri="{0D108BD9-81ED-4DB2-BD59-A6C34878D82A}">
+                    <a16:rowId xmlns="" xmlns:a16="http://schemas.microsoft.com/office/drawing/2014/main" val="10000"/>
+                  </a:ext>
+                </a:extLst>
+              </a:tr>
+              <a:tr h="271225">
+                <a:tc rowSpan="2">
+                  <a:txBody>
+                    <a:bodyPr/>
+                    <a:lstStyle/>
+                    <a:p>
+                      <a:pPr marL="0" marR="0" lvl="0" indent="0" algn="ctr" rtl="0">
+                        <a:lnSpc>
+                          <a:spcPct val="100000"/>
+                        </a:lnSpc>
+                        <a:spcBef>
+                          <a:spcPts val="0"/>
+                        </a:spcBef>
+                        <a:spcAft>
+                          <a:spcPts val="0"/>
+                        </a:spcAft>
+                        <a:buClr>
+                          <a:srgbClr val="000000"/>
+                        </a:buClr>
+                        <a:buSzPts val="1500"/>
+                        <a:buFont typeface="Arial"/>
+                        <a:buNone/>
+                      </a:pPr>
+                      <a:r>
+                        <a:rPr lang="ko-KR" sz="1500" b="0" u="none" strike="noStrike" cap="none">
+                          <a:solidFill>
+                            <a:schemeClr val="dk1"/>
+                          </a:solidFill>
+                        </a:rPr>
+                        <a:t>화면명</a:t>
+                      </a:r>
+                      <a:endParaRPr sz="1500" b="0" u="none" strike="noStrike" cap="none">
+                        <a:solidFill>
+                          <a:schemeClr val="dk1"/>
+                        </a:solidFill>
+                      </a:endParaRPr>
+                    </a:p>
+                  </a:txBody>
+                  <a:tcPr marL="91451" marR="91451" marT="45725" marB="45725" anchor="ctr">
+                    <a:lnL w="12700" cap="flat" cmpd="sng">
+                      <a:solidFill>
+                        <a:schemeClr val="dk1"/>
+                      </a:solidFill>
+                      <a:prstDash val="solid"/>
+                      <a:round/>
+                      <a:headEnd type="none" w="sm" len="sm"/>
+                      <a:tailEnd type="none" w="sm" len="sm"/>
+                    </a:lnL>
+                    <a:lnR w="12700" cap="flat" cmpd="sng">
+                      <a:solidFill>
+                        <a:schemeClr val="dk1"/>
+                      </a:solidFill>
+                      <a:prstDash val="solid"/>
+                      <a:round/>
+                      <a:headEnd type="none" w="sm" len="sm"/>
+                      <a:tailEnd type="none" w="sm" len="sm"/>
+                    </a:lnR>
+                    <a:lnT w="12700" cap="flat" cmpd="sng">
+                      <a:solidFill>
+                        <a:schemeClr val="dk1"/>
+                      </a:solidFill>
+                      <a:prstDash val="solid"/>
+                      <a:round/>
+                      <a:headEnd type="none" w="sm" len="sm"/>
+                      <a:tailEnd type="none" w="sm" len="sm"/>
+                    </a:lnT>
+                    <a:lnB w="12700" cap="flat" cmpd="sng">
+                      <a:solidFill>
+                        <a:schemeClr val="dk1"/>
+                      </a:solidFill>
+                      <a:prstDash val="solid"/>
+                      <a:round/>
+                      <a:headEnd type="none" w="sm" len="sm"/>
+                      <a:tailEnd type="none" w="sm" len="sm"/>
+                    </a:lnB>
+                    <a:solidFill>
+                      <a:srgbClr val="D8D8D8"/>
+                    </a:solidFill>
+                  </a:tcPr>
+                </a:tc>
+                <a:tc>
+                  <a:txBody>
+                    <a:bodyPr/>
+                    <a:lstStyle/>
+                    <a:p>
+                      <a:pPr marL="0" marR="0" lvl="0" indent="0" algn="ctr" rtl="0">
+                        <a:lnSpc>
+                          <a:spcPct val="100000"/>
+                        </a:lnSpc>
+                        <a:spcBef>
+                          <a:spcPts val="0"/>
+                        </a:spcBef>
+                        <a:spcAft>
+                          <a:spcPts val="0"/>
+                        </a:spcAft>
+                        <a:buClr>
+                          <a:srgbClr val="000000"/>
+                        </a:buClr>
+                        <a:buSzPts val="1500"/>
+                        <a:buFont typeface="Arial"/>
+                        <a:buNone/>
+                      </a:pPr>
+                      <a:r>
+                        <a:rPr lang="ko-KR" altLang="en-US" sz="1500" b="0" u="none" strike="noStrike" cap="none" dirty="0" smtClean="0">
+                          <a:solidFill>
+                            <a:schemeClr val="dk1"/>
+                          </a:solidFill>
+                        </a:rPr>
+                        <a:t>회원가입</a:t>
+                      </a:r>
+                      <a:r>
+                        <a:rPr lang="en-US" altLang="ko-KR" sz="1500" b="0" u="none" strike="noStrike" cap="none" dirty="0" smtClean="0">
+                          <a:solidFill>
+                            <a:schemeClr val="dk1"/>
+                          </a:solidFill>
+                        </a:rPr>
+                        <a:t>(</a:t>
+                      </a:r>
+                      <a:r>
+                        <a:rPr lang="ko-KR" altLang="en-US" sz="1500" b="0" u="none" strike="noStrike" cap="none" dirty="0" err="1" smtClean="0">
+                          <a:solidFill>
+                            <a:schemeClr val="dk1"/>
+                          </a:solidFill>
+                        </a:rPr>
+                        <a:t>앱</a:t>
+                      </a:r>
+                      <a:r>
+                        <a:rPr lang="en-US" altLang="ko-KR" sz="1500" b="0" u="none" strike="noStrike" cap="none" smtClean="0">
+                          <a:solidFill>
+                            <a:schemeClr val="dk1"/>
+                          </a:solidFill>
+                        </a:rPr>
+                        <a:t>)</a:t>
+                      </a:r>
+                      <a:endParaRPr sz="1500" b="0" u="none" strike="noStrike" cap="none" dirty="0">
+                        <a:solidFill>
+                          <a:schemeClr val="dk1"/>
+                        </a:solidFill>
+                      </a:endParaRPr>
+                    </a:p>
+                  </a:txBody>
+                  <a:tcPr marL="91451" marR="91451" marT="45725" marB="45725" anchor="ctr">
+                    <a:lnL w="12700" cap="flat" cmpd="sng">
+                      <a:solidFill>
+                        <a:schemeClr val="dk1"/>
+                      </a:solidFill>
+                      <a:prstDash val="solid"/>
+                      <a:round/>
+                      <a:headEnd type="none" w="sm" len="sm"/>
+                      <a:tailEnd type="none" w="sm" len="sm"/>
+                    </a:lnL>
+                    <a:lnR w="12700" cap="flat" cmpd="sng">
+                      <a:solidFill>
+                        <a:schemeClr val="dk1"/>
+                      </a:solidFill>
+                      <a:prstDash val="solid"/>
+                      <a:round/>
+                      <a:headEnd type="none" w="sm" len="sm"/>
+                      <a:tailEnd type="none" w="sm" len="sm"/>
+                    </a:lnR>
+                    <a:lnT w="12700" cap="flat" cmpd="sng">
+                      <a:solidFill>
+                        <a:schemeClr val="dk1"/>
+                      </a:solidFill>
+                      <a:prstDash val="solid"/>
+                      <a:round/>
+                      <a:headEnd type="none" w="sm" len="sm"/>
+                      <a:tailEnd type="none" w="sm" len="sm"/>
+                    </a:lnT>
+                    <a:lnB w="12700" cap="flat" cmpd="sng">
+                      <a:solidFill>
+                        <a:schemeClr val="dk1"/>
+                      </a:solidFill>
+                      <a:prstDash val="solid"/>
+                      <a:round/>
+                      <a:headEnd type="none" w="sm" len="sm"/>
+                      <a:tailEnd type="none" w="sm" len="sm"/>
+                    </a:lnB>
+                    <a:solidFill>
+                      <a:schemeClr val="lt1"/>
+                    </a:solidFill>
+                  </a:tcPr>
+                </a:tc>
+                <a:extLst>
+                  <a:ext uri="{0D108BD9-81ED-4DB2-BD59-A6C34878D82A}">
+                    <a16:rowId xmlns="" xmlns:a16="http://schemas.microsoft.com/office/drawing/2014/main" val="10001"/>
+                  </a:ext>
+                </a:extLst>
+              </a:tr>
+              <a:tr h="271225">
+                <a:tc vMerge="1">
+                  <a:txBody>
+                    <a:bodyPr/>
+                    <a:lstStyle/>
+                    <a:p>
+                      <a:endParaRPr lang="ko-KR"/>
+                    </a:p>
+                  </a:txBody>
+                  <a:tcPr/>
+                </a:tc>
+                <a:tc>
+                  <a:txBody>
+                    <a:bodyPr/>
+                    <a:lstStyle/>
+                    <a:p>
+                      <a:pPr marL="0" marR="0" lvl="0" indent="0" algn="ctr" rtl="0">
+                        <a:lnSpc>
+                          <a:spcPct val="100000"/>
+                        </a:lnSpc>
+                        <a:spcBef>
+                          <a:spcPts val="0"/>
+                        </a:spcBef>
+                        <a:spcAft>
+                          <a:spcPts val="0"/>
+                        </a:spcAft>
+                        <a:buClr>
+                          <a:srgbClr val="000000"/>
+                        </a:buClr>
+                        <a:buSzPts val="1500"/>
+                        <a:buFont typeface="Arial"/>
+                        <a:buNone/>
+                      </a:pPr>
+                      <a:endParaRPr sz="1500" b="0" u="none" strike="noStrike" cap="none" dirty="0">
+                        <a:solidFill>
+                          <a:schemeClr val="dk1"/>
+                        </a:solidFill>
+                      </a:endParaRPr>
+                    </a:p>
+                  </a:txBody>
+                  <a:tcPr marL="91451" marR="91451" marT="45725" marB="45725" anchor="ctr">
+                    <a:lnL w="12700" cap="flat" cmpd="sng">
+                      <a:solidFill>
+                        <a:schemeClr val="dk1"/>
+                      </a:solidFill>
+                      <a:prstDash val="solid"/>
+                      <a:round/>
+                      <a:headEnd type="none" w="sm" len="sm"/>
+                      <a:tailEnd type="none" w="sm" len="sm"/>
+                    </a:lnL>
+                    <a:lnR w="12700" cap="flat" cmpd="sng">
+                      <a:solidFill>
+                        <a:schemeClr val="dk1"/>
+                      </a:solidFill>
+                      <a:prstDash val="solid"/>
+                      <a:round/>
+                      <a:headEnd type="none" w="sm" len="sm"/>
+                      <a:tailEnd type="none" w="sm" len="sm"/>
+                    </a:lnR>
+                    <a:lnT w="12700" cap="flat" cmpd="sng">
+                      <a:solidFill>
+                        <a:schemeClr val="dk1"/>
+                      </a:solidFill>
+                      <a:prstDash val="solid"/>
+                      <a:round/>
+                      <a:headEnd type="none" w="sm" len="sm"/>
+                      <a:tailEnd type="none" w="sm" len="sm"/>
+                    </a:lnT>
+                    <a:lnB w="12700" cap="flat" cmpd="sng">
+                      <a:solidFill>
+                        <a:schemeClr val="dk1"/>
+                      </a:solidFill>
+                      <a:prstDash val="solid"/>
+                      <a:round/>
+                      <a:headEnd type="none" w="sm" len="sm"/>
+                      <a:tailEnd type="none" w="sm" len="sm"/>
+                    </a:lnB>
+                    <a:solidFill>
+                      <a:schemeClr val="lt1"/>
+                    </a:solidFill>
+                  </a:tcPr>
+                </a:tc>
+                <a:extLst>
+                  <a:ext uri="{0D108BD9-81ED-4DB2-BD59-A6C34878D82A}">
+                    <a16:rowId xmlns="" xmlns:a16="http://schemas.microsoft.com/office/drawing/2014/main" val="10002"/>
+                  </a:ext>
+                </a:extLst>
+              </a:tr>
+            </a:tbl>
+          </a:graphicData>
+        </a:graphic>
+      </p:graphicFrame>
+      <p:graphicFrame>
+        <p:nvGraphicFramePr>
+          <p:cNvPr id="93" name="Google Shape;93;g7c553259d1_0_3"/>
+          <p:cNvGraphicFramePr/>
+          <p:nvPr/>
+        </p:nvGraphicFramePr>
+        <p:xfrm>
+          <a:off x="9309046" y="197403"/>
+          <a:ext cx="2815500" cy="320050"/>
+        </p:xfrm>
+        <a:graphic>
+          <a:graphicData uri="http://schemas.openxmlformats.org/drawingml/2006/table">
+            <a:tbl>
+              <a:tblPr firstRow="1" bandRow="1">
+                <a:noFill/>
+              </a:tblPr>
+              <a:tblGrid>
+                <a:gridCol w="1407750">
+                  <a:extLst>
+                    <a:ext uri="{9D8B030D-6E8A-4147-A177-3AD203B41FA5}">
+                      <a16:colId xmlns="" xmlns:a16="http://schemas.microsoft.com/office/drawing/2014/main" val="20000"/>
+                    </a:ext>
+                  </a:extLst>
+                </a:gridCol>
+                <a:gridCol w="1407750">
+                  <a:extLst>
+                    <a:ext uri="{9D8B030D-6E8A-4147-A177-3AD203B41FA5}">
+                      <a16:colId xmlns="" xmlns:a16="http://schemas.microsoft.com/office/drawing/2014/main" val="20001"/>
+                    </a:ext>
+                  </a:extLst>
+                </a:gridCol>
+              </a:tblGrid>
+              <a:tr h="265075">
+                <a:tc>
+                  <a:txBody>
+                    <a:bodyPr/>
+                    <a:lstStyle/>
+                    <a:p>
+                      <a:pPr marL="0" marR="0" lvl="0" indent="0" algn="ctr" rtl="0">
+                        <a:lnSpc>
+                          <a:spcPct val="100000"/>
+                        </a:lnSpc>
+                        <a:spcBef>
+                          <a:spcPts val="0"/>
+                        </a:spcBef>
+                        <a:spcAft>
+                          <a:spcPts val="0"/>
+                        </a:spcAft>
+                        <a:buClr>
+                          <a:srgbClr val="000000"/>
+                        </a:buClr>
+                        <a:buSzPts val="1500"/>
+                        <a:buFont typeface="Arial"/>
+                        <a:buNone/>
+                      </a:pPr>
+                      <a:r>
+                        <a:rPr lang="ko-KR" sz="1500" b="0" u="none" strike="noStrike" cap="none" dirty="0">
+                          <a:solidFill>
+                            <a:schemeClr val="dk1"/>
+                          </a:solidFill>
+                        </a:rPr>
+                        <a:t>화면 번호</a:t>
+                      </a:r>
+                      <a:endParaRPr sz="1500" b="0" u="none" strike="noStrike" cap="none" dirty="0">
+                        <a:solidFill>
+                          <a:schemeClr val="dk1"/>
+                        </a:solidFill>
+                      </a:endParaRPr>
+                    </a:p>
+                  </a:txBody>
+                  <a:tcPr marL="91451" marR="91451" marT="45725" marB="45725" anchor="ctr">
+                    <a:lnL w="12700" cap="flat" cmpd="sng">
+                      <a:solidFill>
+                        <a:schemeClr val="dk1"/>
+                      </a:solidFill>
+                      <a:prstDash val="solid"/>
+                      <a:round/>
+                      <a:headEnd type="none" w="sm" len="sm"/>
+                      <a:tailEnd type="none" w="sm" len="sm"/>
+                    </a:lnL>
+                    <a:lnR w="12700" cap="flat" cmpd="sng">
+                      <a:solidFill>
+                        <a:schemeClr val="dk1"/>
+                      </a:solidFill>
+                      <a:prstDash val="solid"/>
+                      <a:round/>
+                      <a:headEnd type="none" w="sm" len="sm"/>
+                      <a:tailEnd type="none" w="sm" len="sm"/>
+                    </a:lnR>
+                    <a:lnT w="12700" cap="flat" cmpd="sng">
+                      <a:solidFill>
+                        <a:schemeClr val="dk1"/>
+                      </a:solidFill>
+                      <a:prstDash val="solid"/>
+                      <a:round/>
+                      <a:headEnd type="none" w="sm" len="sm"/>
+                      <a:tailEnd type="none" w="sm" len="sm"/>
+                    </a:lnT>
+                    <a:lnB w="12700" cap="flat" cmpd="sng">
+                      <a:solidFill>
+                        <a:schemeClr val="dk1"/>
+                      </a:solidFill>
+                      <a:prstDash val="solid"/>
+                      <a:round/>
+                      <a:headEnd type="none" w="sm" len="sm"/>
+                      <a:tailEnd type="none" w="sm" len="sm"/>
+                    </a:lnB>
+                    <a:solidFill>
+                      <a:srgbClr val="D8D8D8"/>
+                    </a:solidFill>
+                  </a:tcPr>
+                </a:tc>
+                <a:tc>
+                  <a:txBody>
+                    <a:bodyPr/>
+                    <a:lstStyle/>
+                    <a:p>
+                      <a:pPr marL="0" marR="0" lvl="0" indent="0" algn="ctr" rtl="0">
+                        <a:lnSpc>
+                          <a:spcPct val="100000"/>
+                        </a:lnSpc>
+                        <a:spcBef>
+                          <a:spcPts val="0"/>
+                        </a:spcBef>
+                        <a:spcAft>
+                          <a:spcPts val="0"/>
+                        </a:spcAft>
+                        <a:buClr>
+                          <a:srgbClr val="000000"/>
+                        </a:buClr>
+                        <a:buSzPts val="1500"/>
+                        <a:buFont typeface="Arial"/>
+                        <a:buNone/>
+                      </a:pPr>
+                      <a:r>
+                        <a:rPr lang="en-US" sz="1500" b="0" u="none" strike="noStrike" cap="none" dirty="0">
+                          <a:solidFill>
+                            <a:schemeClr val="dk1"/>
+                          </a:solidFill>
+                        </a:rPr>
+                        <a:t>1</a:t>
+                      </a:r>
+                      <a:endParaRPr sz="1500" b="0" u="none" strike="noStrike" cap="none" dirty="0">
+                        <a:solidFill>
+                          <a:schemeClr val="dk1"/>
+                        </a:solidFill>
+                      </a:endParaRPr>
+                    </a:p>
+                  </a:txBody>
+                  <a:tcPr marL="91451" marR="91451" marT="45725" marB="45725" anchor="ctr">
+                    <a:lnL w="12700" cap="flat" cmpd="sng">
+                      <a:solidFill>
+                        <a:schemeClr val="dk1"/>
+                      </a:solidFill>
+                      <a:prstDash val="solid"/>
+                      <a:round/>
+                      <a:headEnd type="none" w="sm" len="sm"/>
+                      <a:tailEnd type="none" w="sm" len="sm"/>
+                    </a:lnL>
+                    <a:lnR w="12700" cap="flat" cmpd="sng">
+                      <a:solidFill>
+                        <a:schemeClr val="dk1"/>
+                      </a:solidFill>
+                      <a:prstDash val="solid"/>
+                      <a:round/>
+                      <a:headEnd type="none" w="sm" len="sm"/>
+                      <a:tailEnd type="none" w="sm" len="sm"/>
+                    </a:lnR>
+                    <a:lnT w="12700" cap="flat" cmpd="sng">
+                      <a:solidFill>
+                        <a:schemeClr val="dk1"/>
+                      </a:solidFill>
+                      <a:prstDash val="solid"/>
+                      <a:round/>
+                      <a:headEnd type="none" w="sm" len="sm"/>
+                      <a:tailEnd type="none" w="sm" len="sm"/>
+                    </a:lnT>
+                    <a:lnB w="12700" cap="flat" cmpd="sng">
+                      <a:solidFill>
+                        <a:schemeClr val="dk1"/>
+                      </a:solidFill>
+                      <a:prstDash val="solid"/>
+                      <a:round/>
+                      <a:headEnd type="none" w="sm" len="sm"/>
+                      <a:tailEnd type="none" w="sm" len="sm"/>
+                    </a:lnB>
+                    <a:solidFill>
+                      <a:schemeClr val="lt1"/>
+                    </a:solidFill>
+                  </a:tcPr>
+                </a:tc>
+                <a:extLst>
+                  <a:ext uri="{0D108BD9-81ED-4DB2-BD59-A6C34878D82A}">
+                    <a16:rowId xmlns="" xmlns:a16="http://schemas.microsoft.com/office/drawing/2014/main" val="10000"/>
+                  </a:ext>
+                </a:extLst>
+              </a:tr>
+            </a:tbl>
+          </a:graphicData>
+        </a:graphic>
+      </p:graphicFrame>
+      <p:graphicFrame>
+        <p:nvGraphicFramePr>
+          <p:cNvPr id="94" name="Google Shape;94;g7c553259d1_0_3"/>
+          <p:cNvGraphicFramePr/>
+          <p:nvPr/>
+        </p:nvGraphicFramePr>
+        <p:xfrm>
+          <a:off x="6200086" y="197403"/>
+          <a:ext cx="2815500" cy="320050"/>
+        </p:xfrm>
+        <a:graphic>
+          <a:graphicData uri="http://schemas.openxmlformats.org/drawingml/2006/table">
+            <a:tbl>
+              <a:tblPr firstRow="1" bandRow="1">
+                <a:noFill/>
+              </a:tblPr>
+              <a:tblGrid>
+                <a:gridCol w="1407750">
+                  <a:extLst>
+                    <a:ext uri="{9D8B030D-6E8A-4147-A177-3AD203B41FA5}">
+                      <a16:colId xmlns="" xmlns:a16="http://schemas.microsoft.com/office/drawing/2014/main" val="20000"/>
+                    </a:ext>
+                  </a:extLst>
+                </a:gridCol>
+                <a:gridCol w="1407750">
+                  <a:extLst>
+                    <a:ext uri="{9D8B030D-6E8A-4147-A177-3AD203B41FA5}">
+                      <a16:colId xmlns="" xmlns:a16="http://schemas.microsoft.com/office/drawing/2014/main" val="20001"/>
+                    </a:ext>
+                  </a:extLst>
+                </a:gridCol>
+              </a:tblGrid>
+              <a:tr h="265075">
+                <a:tc>
+                  <a:txBody>
+                    <a:bodyPr/>
+                    <a:lstStyle/>
+                    <a:p>
+                      <a:pPr marL="0" marR="0" lvl="0" indent="0" algn="ctr" rtl="0">
+                        <a:lnSpc>
+                          <a:spcPct val="100000"/>
+                        </a:lnSpc>
+                        <a:spcBef>
+                          <a:spcPts val="0"/>
+                        </a:spcBef>
+                        <a:spcAft>
+                          <a:spcPts val="0"/>
+                        </a:spcAft>
+                        <a:buClr>
+                          <a:srgbClr val="000000"/>
+                        </a:buClr>
+                        <a:buSzPts val="1500"/>
+                        <a:buFont typeface="Arial"/>
+                        <a:buNone/>
+                      </a:pPr>
+                      <a:r>
+                        <a:rPr lang="ko-KR" sz="1500" b="0" u="none" strike="noStrike" cap="none">
+                          <a:solidFill>
+                            <a:schemeClr val="dk1"/>
+                          </a:solidFill>
+                        </a:rPr>
+                        <a:t>프로젝트</a:t>
+                      </a:r>
+                      <a:endParaRPr sz="1500" b="0" u="none" strike="noStrike" cap="none">
+                        <a:solidFill>
+                          <a:schemeClr val="dk1"/>
+                        </a:solidFill>
+                      </a:endParaRPr>
+                    </a:p>
+                  </a:txBody>
+                  <a:tcPr marL="91451" marR="91451" marT="45725" marB="45725" anchor="ctr">
+                    <a:lnL w="12700" cap="flat" cmpd="sng">
+                      <a:solidFill>
+                        <a:schemeClr val="dk1"/>
+                      </a:solidFill>
+                      <a:prstDash val="solid"/>
+                      <a:round/>
+                      <a:headEnd type="none" w="sm" len="sm"/>
+                      <a:tailEnd type="none" w="sm" len="sm"/>
+                    </a:lnL>
+                    <a:lnR w="12700" cap="flat" cmpd="sng">
+                      <a:solidFill>
+                        <a:schemeClr val="dk1"/>
+                      </a:solidFill>
+                      <a:prstDash val="solid"/>
+                      <a:round/>
+                      <a:headEnd type="none" w="sm" len="sm"/>
+                      <a:tailEnd type="none" w="sm" len="sm"/>
+                    </a:lnR>
+                    <a:lnT w="12700" cap="flat" cmpd="sng">
+                      <a:solidFill>
+                        <a:schemeClr val="dk1"/>
+                      </a:solidFill>
+                      <a:prstDash val="solid"/>
+                      <a:round/>
+                      <a:headEnd type="none" w="sm" len="sm"/>
+                      <a:tailEnd type="none" w="sm" len="sm"/>
+                    </a:lnT>
+                    <a:lnB w="12700" cap="flat" cmpd="sng">
+                      <a:solidFill>
+                        <a:schemeClr val="dk1"/>
+                      </a:solidFill>
+                      <a:prstDash val="solid"/>
+                      <a:round/>
+                      <a:headEnd type="none" w="sm" len="sm"/>
+                      <a:tailEnd type="none" w="sm" len="sm"/>
+                    </a:lnB>
+                    <a:solidFill>
+                      <a:srgbClr val="D8D8D8"/>
+                    </a:solidFill>
+                  </a:tcPr>
+                </a:tc>
+                <a:tc>
+                  <a:txBody>
+                    <a:bodyPr/>
+                    <a:lstStyle/>
+                    <a:p>
+                      <a:pPr marL="0" marR="0" lvl="0" indent="0" algn="ctr" rtl="0">
+                        <a:lnSpc>
+                          <a:spcPct val="100000"/>
+                        </a:lnSpc>
+                        <a:spcBef>
+                          <a:spcPts val="0"/>
+                        </a:spcBef>
+                        <a:spcAft>
+                          <a:spcPts val="0"/>
+                        </a:spcAft>
+                        <a:buClr>
+                          <a:srgbClr val="000000"/>
+                        </a:buClr>
+                        <a:buSzPts val="1500"/>
+                        <a:buFont typeface="Arial"/>
+                        <a:buNone/>
+                      </a:pPr>
+                      <a:endParaRPr sz="1500" b="0" u="none" strike="noStrike" cap="none">
+                        <a:solidFill>
+                          <a:schemeClr val="dk1"/>
+                        </a:solidFill>
+                      </a:endParaRPr>
+                    </a:p>
+                  </a:txBody>
+                  <a:tcPr marL="91451" marR="91451" marT="45725" marB="45725" anchor="ctr">
+                    <a:lnL w="12700" cap="flat" cmpd="sng">
+                      <a:solidFill>
+                        <a:schemeClr val="dk1"/>
+                      </a:solidFill>
+                      <a:prstDash val="solid"/>
+                      <a:round/>
+                      <a:headEnd type="none" w="sm" len="sm"/>
+                      <a:tailEnd type="none" w="sm" len="sm"/>
+                    </a:lnL>
+                    <a:lnR w="12700" cap="flat" cmpd="sng">
+                      <a:solidFill>
+                        <a:schemeClr val="dk1"/>
+                      </a:solidFill>
+                      <a:prstDash val="solid"/>
+                      <a:round/>
+                      <a:headEnd type="none" w="sm" len="sm"/>
+                      <a:tailEnd type="none" w="sm" len="sm"/>
+                    </a:lnR>
+                    <a:lnT w="12700" cap="flat" cmpd="sng">
+                      <a:solidFill>
+                        <a:schemeClr val="dk1"/>
+                      </a:solidFill>
+                      <a:prstDash val="solid"/>
+                      <a:round/>
+                      <a:headEnd type="none" w="sm" len="sm"/>
+                      <a:tailEnd type="none" w="sm" len="sm"/>
+                    </a:lnT>
+                    <a:lnB w="12700" cap="flat" cmpd="sng">
+                      <a:solidFill>
+                        <a:schemeClr val="dk1"/>
+                      </a:solidFill>
+                      <a:prstDash val="solid"/>
+                      <a:round/>
+                      <a:headEnd type="none" w="sm" len="sm"/>
+                      <a:tailEnd type="none" w="sm" len="sm"/>
+                    </a:lnB>
+                    <a:solidFill>
+                      <a:schemeClr val="lt1"/>
+                    </a:solidFill>
+                  </a:tcPr>
+                </a:tc>
+                <a:extLst>
+                  <a:ext uri="{0D108BD9-81ED-4DB2-BD59-A6C34878D82A}">
+                    <a16:rowId xmlns="" xmlns:a16="http://schemas.microsoft.com/office/drawing/2014/main" val="10000"/>
+                  </a:ext>
+                </a:extLst>
+              </a:tr>
+            </a:tbl>
+          </a:graphicData>
+        </a:graphic>
+      </p:graphicFrame>
+      <p:graphicFrame>
+        <p:nvGraphicFramePr>
+          <p:cNvPr id="96" name="Google Shape;96;g7c553259d1_0_3"/>
+          <p:cNvGraphicFramePr/>
+          <p:nvPr>
+            <p:extLst>
+              <p:ext uri="{D42A27DB-BD31-4B8C-83A1-F6EECF244321}">
+                <p14:modId xmlns:p14="http://schemas.microsoft.com/office/powerpoint/2010/main" val="2867962806"/>
+              </p:ext>
+            </p:extLst>
+          </p:nvPr>
+        </p:nvGraphicFramePr>
+        <p:xfrm>
+          <a:off x="8843382" y="836712"/>
+          <a:ext cx="2952330" cy="1005860"/>
+        </p:xfrm>
+        <a:graphic>
+          <a:graphicData uri="http://schemas.openxmlformats.org/drawingml/2006/table">
+            <a:tbl>
+              <a:tblPr firstRow="1" bandRow="1">
+                <a:noFill/>
+              </a:tblPr>
+              <a:tblGrid>
+                <a:gridCol w="289755">
+                  <a:extLst>
+                    <a:ext uri="{9D8B030D-6E8A-4147-A177-3AD203B41FA5}">
+                      <a16:colId xmlns="" xmlns:a16="http://schemas.microsoft.com/office/drawing/2014/main" val="20000"/>
+                    </a:ext>
+                  </a:extLst>
+                </a:gridCol>
+                <a:gridCol w="2662575">
+                  <a:extLst>
+                    <a:ext uri="{9D8B030D-6E8A-4147-A177-3AD203B41FA5}">
+                      <a16:colId xmlns="" xmlns:a16="http://schemas.microsoft.com/office/drawing/2014/main" val="20001"/>
+                    </a:ext>
+                  </a:extLst>
+                </a:gridCol>
+              </a:tblGrid>
+              <a:tr h="286673">
+                <a:tc>
+                  <a:txBody>
+                    <a:bodyPr/>
+                    <a:lstStyle/>
+                    <a:p>
+                      <a:pPr marL="0" marR="0" lvl="0" indent="0" algn="ctr" rtl="0">
+                        <a:lnSpc>
+                          <a:spcPct val="100000"/>
+                        </a:lnSpc>
+                        <a:spcBef>
+                          <a:spcPts val="0"/>
+                        </a:spcBef>
+                        <a:spcAft>
+                          <a:spcPts val="0"/>
+                        </a:spcAft>
+                        <a:buClr>
+                          <a:srgbClr val="000000"/>
+                        </a:buClr>
+                        <a:buSzPts val="1500"/>
+                        <a:buFont typeface="Arial"/>
+                        <a:buNone/>
+                      </a:pPr>
+                      <a:r>
+                        <a:rPr lang="ko-KR" sz="1500" u="none" strike="noStrike" cap="none" dirty="0">
+                          <a:solidFill>
+                            <a:schemeClr val="dk1"/>
+                          </a:solidFill>
+                        </a:rPr>
+                        <a:t>#</a:t>
+                      </a:r>
+                      <a:endParaRPr sz="1500" u="none" strike="noStrike" cap="none" dirty="0">
+                        <a:solidFill>
+                          <a:schemeClr val="dk1"/>
+                        </a:solidFill>
+                      </a:endParaRPr>
+                    </a:p>
+                  </a:txBody>
+                  <a:tcPr marL="91451" marR="91451" marT="45725" marB="45725" anchor="ctr">
+                    <a:lnL w="12700" cap="flat" cmpd="sng">
+                      <a:solidFill>
+                        <a:schemeClr val="dk1"/>
+                      </a:solidFill>
+                      <a:prstDash val="solid"/>
+                      <a:round/>
+                      <a:headEnd type="none" w="sm" len="sm"/>
+                      <a:tailEnd type="none" w="sm" len="sm"/>
+                    </a:lnL>
+                    <a:lnR w="12700" cap="flat" cmpd="sng">
+                      <a:solidFill>
+                        <a:schemeClr val="dk1"/>
+                      </a:solidFill>
+                      <a:prstDash val="solid"/>
+                      <a:round/>
+                      <a:headEnd type="none" w="sm" len="sm"/>
+                      <a:tailEnd type="none" w="sm" len="sm"/>
+                    </a:lnR>
+                    <a:lnT w="12700" cap="flat" cmpd="sng">
+                      <a:solidFill>
+                        <a:schemeClr val="dk1"/>
+                      </a:solidFill>
+                      <a:prstDash val="solid"/>
+                      <a:round/>
+                      <a:headEnd type="none" w="sm" len="sm"/>
+                      <a:tailEnd type="none" w="sm" len="sm"/>
+                    </a:lnT>
+                    <a:lnB w="12700" cap="flat" cmpd="sng">
+                      <a:solidFill>
+                        <a:schemeClr val="dk1"/>
+                      </a:solidFill>
+                      <a:prstDash val="solid"/>
+                      <a:round/>
+                      <a:headEnd type="none" w="sm" len="sm"/>
+                      <a:tailEnd type="none" w="sm" len="sm"/>
+                    </a:lnB>
+                    <a:solidFill>
+                      <a:srgbClr val="D8D8D8"/>
+                    </a:solidFill>
+                  </a:tcPr>
+                </a:tc>
+                <a:tc>
+                  <a:txBody>
+                    <a:bodyPr/>
+                    <a:lstStyle/>
+                    <a:p>
+                      <a:pPr marL="0" marR="0" lvl="0" indent="0" algn="ctr" rtl="0">
+                        <a:lnSpc>
+                          <a:spcPct val="100000"/>
+                        </a:lnSpc>
+                        <a:spcBef>
+                          <a:spcPts val="0"/>
+                        </a:spcBef>
+                        <a:spcAft>
+                          <a:spcPts val="0"/>
+                        </a:spcAft>
+                        <a:buClr>
+                          <a:srgbClr val="000000"/>
+                        </a:buClr>
+                        <a:buSzPts val="1500"/>
+                        <a:buFont typeface="Arial"/>
+                        <a:buNone/>
+                      </a:pPr>
+                      <a:r>
+                        <a:rPr lang="ko-KR" sz="1500" u="none" strike="noStrike" cap="none" dirty="0" err="1">
+                          <a:solidFill>
+                            <a:schemeClr val="dk1"/>
+                          </a:solidFill>
+                        </a:rPr>
+                        <a:t>기능명</a:t>
+                      </a:r>
+                      <a:endParaRPr sz="1500" u="none" strike="noStrike" cap="none" dirty="0">
+                        <a:solidFill>
+                          <a:schemeClr val="dk1"/>
+                        </a:solidFill>
+                      </a:endParaRPr>
+                    </a:p>
+                  </a:txBody>
+                  <a:tcPr marL="91451" marR="91451" marT="45725" marB="45725" anchor="ctr">
+                    <a:lnL w="12700" cap="flat" cmpd="sng">
+                      <a:solidFill>
+                        <a:schemeClr val="dk1"/>
+                      </a:solidFill>
+                      <a:prstDash val="solid"/>
+                      <a:round/>
+                      <a:headEnd type="none" w="sm" len="sm"/>
+                      <a:tailEnd type="none" w="sm" len="sm"/>
+                    </a:lnL>
+                    <a:lnR w="12700" cap="flat" cmpd="sng">
+                      <a:solidFill>
+                        <a:schemeClr val="dk1"/>
+                      </a:solidFill>
+                      <a:prstDash val="solid"/>
+                      <a:round/>
+                      <a:headEnd type="none" w="sm" len="sm"/>
+                      <a:tailEnd type="none" w="sm" len="sm"/>
+                    </a:lnR>
+                    <a:lnT w="12700" cap="flat" cmpd="sng">
+                      <a:solidFill>
+                        <a:schemeClr val="dk1"/>
+                      </a:solidFill>
+                      <a:prstDash val="solid"/>
+                      <a:round/>
+                      <a:headEnd type="none" w="sm" len="sm"/>
+                      <a:tailEnd type="none" w="sm" len="sm"/>
+                    </a:lnT>
+                    <a:lnB w="12700" cap="flat" cmpd="sng">
+                      <a:solidFill>
+                        <a:schemeClr val="dk1"/>
+                      </a:solidFill>
+                      <a:prstDash val="solid"/>
+                      <a:round/>
+                      <a:headEnd type="none" w="sm" len="sm"/>
+                      <a:tailEnd type="none" w="sm" len="sm"/>
+                    </a:lnB>
+                    <a:solidFill>
+                      <a:srgbClr val="D8D8D8"/>
+                    </a:solidFill>
+                  </a:tcPr>
+                </a:tc>
+                <a:extLst>
+                  <a:ext uri="{0D108BD9-81ED-4DB2-BD59-A6C34878D82A}">
+                    <a16:rowId xmlns="" xmlns:a16="http://schemas.microsoft.com/office/drawing/2014/main" val="10000"/>
+                  </a:ext>
+                </a:extLst>
+              </a:tr>
+              <a:tr h="328022">
+                <a:tc>
+                  <a:txBody>
+                    <a:bodyPr/>
+                    <a:lstStyle/>
+                    <a:p>
+                      <a:pPr marL="0" marR="0" lvl="0" indent="0" algn="ctr" rtl="0">
+                        <a:lnSpc>
+                          <a:spcPct val="100000"/>
+                        </a:lnSpc>
+                        <a:spcBef>
+                          <a:spcPts val="0"/>
+                        </a:spcBef>
+                        <a:spcAft>
+                          <a:spcPts val="0"/>
+                        </a:spcAft>
+                        <a:buClr>
+                          <a:srgbClr val="000000"/>
+                        </a:buClr>
+                        <a:buSzPts val="1500"/>
+                        <a:buFont typeface="Arial"/>
+                        <a:buNone/>
+                      </a:pPr>
+                      <a:r>
+                        <a:rPr lang="ko-KR" sz="1500" u="none" strike="noStrike" cap="none" dirty="0">
+                          <a:solidFill>
+                            <a:schemeClr val="dk1"/>
+                          </a:solidFill>
+                        </a:rPr>
+                        <a:t>1</a:t>
+                      </a:r>
+                      <a:endParaRPr sz="1500" u="none" strike="noStrike" cap="none" dirty="0">
+                        <a:solidFill>
+                          <a:schemeClr val="dk1"/>
+                        </a:solidFill>
+                      </a:endParaRPr>
+                    </a:p>
+                  </a:txBody>
+                  <a:tcPr marL="91451" marR="91451" marT="45725" marB="45725" anchor="ctr">
+                    <a:lnL w="12700" cap="flat" cmpd="sng">
+                      <a:solidFill>
+                        <a:schemeClr val="dk1"/>
+                      </a:solidFill>
+                      <a:prstDash val="solid"/>
+                      <a:round/>
+                      <a:headEnd type="none" w="sm" len="sm"/>
+                      <a:tailEnd type="none" w="sm" len="sm"/>
+                    </a:lnL>
+                    <a:lnR w="12700" cap="flat" cmpd="sng">
+                      <a:solidFill>
+                        <a:schemeClr val="dk1"/>
+                      </a:solidFill>
+                      <a:prstDash val="solid"/>
+                      <a:round/>
+                      <a:headEnd type="none" w="sm" len="sm"/>
+                      <a:tailEnd type="none" w="sm" len="sm"/>
+                    </a:lnR>
+                    <a:lnT w="12700" cap="flat" cmpd="sng">
+                      <a:solidFill>
+                        <a:schemeClr val="dk1"/>
+                      </a:solidFill>
+                      <a:prstDash val="solid"/>
+                      <a:round/>
+                      <a:headEnd type="none" w="sm" len="sm"/>
+                      <a:tailEnd type="none" w="sm" len="sm"/>
+                    </a:lnT>
+                    <a:lnB w="12700" cap="flat" cmpd="sng">
+                      <a:solidFill>
+                        <a:schemeClr val="dk1"/>
+                      </a:solidFill>
+                      <a:prstDash val="solid"/>
+                      <a:round/>
+                      <a:headEnd type="none" w="sm" len="sm"/>
+                      <a:tailEnd type="none" w="sm" len="sm"/>
+                    </a:lnB>
+                    <a:solidFill>
+                      <a:schemeClr val="lt1"/>
+                    </a:solidFill>
+                  </a:tcPr>
+                </a:tc>
+                <a:tc>
+                  <a:txBody>
+                    <a:bodyPr/>
+                    <a:lstStyle/>
+                    <a:p>
+                      <a:pPr marL="133350" marR="0" lvl="0" indent="0" algn="l" rtl="0">
+                        <a:lnSpc>
+                          <a:spcPct val="100000"/>
+                        </a:lnSpc>
+                        <a:spcBef>
+                          <a:spcPts val="0"/>
+                        </a:spcBef>
+                        <a:spcAft>
+                          <a:spcPts val="0"/>
+                        </a:spcAft>
+                        <a:buClr>
+                          <a:srgbClr val="000000"/>
+                        </a:buClr>
+                        <a:buSzPts val="1500"/>
+                        <a:buFont typeface="Arial"/>
+                        <a:buNone/>
+                        <a:tabLst/>
+                      </a:pPr>
+                      <a:r>
+                        <a:rPr lang="ko-KR" altLang="en-US" sz="1300" b="0" u="none" strike="noStrike" cap="none" dirty="0" smtClean="0"/>
+                        <a:t>회원가입 완료 페이지</a:t>
+                      </a:r>
+                      <a:r>
+                        <a:rPr lang="en-US" altLang="ko-KR" sz="1300" b="0" u="none" strike="noStrike" cap="none" dirty="0" smtClean="0"/>
+                        <a:t>, </a:t>
+                      </a:r>
+                      <a:r>
+                        <a:rPr lang="ko-KR" altLang="en-US" sz="1300" b="0" u="none" strike="noStrike" cap="none" dirty="0" smtClean="0"/>
+                        <a:t>로그인 버튼을 눌러서 로그인 페이지로 이동</a:t>
+                      </a:r>
+                      <a:endParaRPr lang="en-US" altLang="ko-KR" sz="1300" b="0" u="none" strike="noStrike" cap="none" dirty="0" smtClean="0"/>
+                    </a:p>
+                  </a:txBody>
+                  <a:tcPr marL="91451" marR="91451" marT="45725" marB="45725">
+                    <a:lnL w="12700" cap="flat" cmpd="sng">
+                      <a:solidFill>
+                        <a:schemeClr val="dk1"/>
+                      </a:solidFill>
+                      <a:prstDash val="solid"/>
+                      <a:round/>
+                      <a:headEnd type="none" w="sm" len="sm"/>
+                      <a:tailEnd type="none" w="sm" len="sm"/>
+                    </a:lnL>
+                    <a:lnR w="12700" cap="flat" cmpd="sng">
+                      <a:solidFill>
+                        <a:schemeClr val="dk1"/>
+                      </a:solidFill>
+                      <a:prstDash val="solid"/>
+                      <a:round/>
+                      <a:headEnd type="none" w="sm" len="sm"/>
+                      <a:tailEnd type="none" w="sm" len="sm"/>
+                    </a:lnR>
+                    <a:lnT w="12700" cap="flat" cmpd="sng">
+                      <a:solidFill>
+                        <a:schemeClr val="dk1"/>
+                      </a:solidFill>
+                      <a:prstDash val="solid"/>
+                      <a:round/>
+                      <a:headEnd type="none" w="sm" len="sm"/>
+                      <a:tailEnd type="none" w="sm" len="sm"/>
+                    </a:lnT>
+                    <a:lnB w="12700" cap="flat" cmpd="sng">
+                      <a:solidFill>
+                        <a:schemeClr val="dk1"/>
+                      </a:solidFill>
+                      <a:prstDash val="solid"/>
+                      <a:round/>
+                      <a:headEnd type="none" w="sm" len="sm"/>
+                      <a:tailEnd type="none" w="sm" len="sm"/>
+                    </a:lnB>
+                    <a:solidFill>
+                      <a:schemeClr val="lt1"/>
+                    </a:solidFill>
+                  </a:tcPr>
+                </a:tc>
+                <a:extLst>
+                  <a:ext uri="{0D108BD9-81ED-4DB2-BD59-A6C34878D82A}">
+                    <a16:rowId xmlns="" xmlns:a16="http://schemas.microsoft.com/office/drawing/2014/main" val="10001"/>
+                  </a:ext>
+                </a:extLst>
+              </a:tr>
+            </a:tbl>
+          </a:graphicData>
+        </a:graphic>
+      </p:graphicFrame>
+      <p:sp>
+        <p:nvSpPr>
+          <p:cNvPr id="2" name="직사각형 1"/>
+          <p:cNvSpPr/>
+          <p:nvPr/>
+        </p:nvSpPr>
+        <p:spPr>
+          <a:xfrm>
+            <a:off x="2738717" y="1326777"/>
+            <a:ext cx="3558989" cy="4616823"/>
+          </a:xfrm>
+          <a:prstGeom prst="rect">
+            <a:avLst/>
+          </a:prstGeom>
+          <a:noFill/>
+          <a:ln>
+            <a:solidFill>
+              <a:schemeClr val="tx1"/>
+            </a:solidFill>
+          </a:ln>
+        </p:spPr>
+        <p:style>
+          <a:lnRef idx="2">
+            <a:schemeClr val="accent1">
+              <a:shade val="50000"/>
+            </a:schemeClr>
+          </a:lnRef>
+          <a:fillRef idx="1">
+            <a:schemeClr val="accent1"/>
+          </a:fillRef>
+          <a:effectRef idx="0">
+            <a:schemeClr val="accent1"/>
+          </a:effectRef>
+          <a:fontRef idx="minor">
+            <a:schemeClr val="lt1"/>
+          </a:fontRef>
+        </p:style>
+        <p:txBody>
+          <a:bodyPr rtlCol="0" anchor="ctr"/>
+          <a:lstStyle/>
+          <a:p>
+            <a:pPr algn="ctr"/>
+            <a:endParaRPr lang="ko-KR" altLang="en-US"/>
+          </a:p>
+        </p:txBody>
+      </p:sp>
+      <p:sp>
+        <p:nvSpPr>
+          <p:cNvPr id="3" name="TextBox 2"/>
+          <p:cNvSpPr txBox="1"/>
+          <p:nvPr/>
+        </p:nvSpPr>
+        <p:spPr>
+          <a:xfrm>
+            <a:off x="2487706" y="2779058"/>
+            <a:ext cx="4061012" cy="369332"/>
+          </a:xfrm>
+          <a:prstGeom prst="rect">
+            <a:avLst/>
+          </a:prstGeom>
+          <a:noFill/>
+        </p:spPr>
+        <p:txBody>
+          <a:bodyPr wrap="square" rtlCol="0">
+            <a:spAutoFit/>
+          </a:bodyPr>
+          <a:lstStyle/>
+          <a:p>
+            <a:pPr algn="ctr"/>
+            <a:r>
+              <a:rPr lang="ko-KR" altLang="en-US" dirty="0" smtClean="0"/>
+              <a:t>회원가입이 완료되었습니다</a:t>
+            </a:r>
+            <a:r>
+              <a:rPr lang="en-US" altLang="ko-KR" dirty="0" smtClean="0"/>
+              <a:t>.</a:t>
+            </a:r>
+            <a:endParaRPr lang="ko-KR" altLang="en-US" dirty="0"/>
+          </a:p>
+        </p:txBody>
+      </p:sp>
+      <p:sp>
+        <p:nvSpPr>
+          <p:cNvPr id="6" name="직사각형 5"/>
+          <p:cNvSpPr/>
+          <p:nvPr/>
+        </p:nvSpPr>
+        <p:spPr>
+          <a:xfrm>
+            <a:off x="3738282" y="4885765"/>
+            <a:ext cx="1559859" cy="591671"/>
+          </a:xfrm>
+          <a:prstGeom prst="rect">
+            <a:avLst/>
+          </a:prstGeom>
+        </p:spPr>
+        <p:style>
+          <a:lnRef idx="2">
+            <a:schemeClr val="accent1">
+              <a:shade val="50000"/>
+            </a:schemeClr>
+          </a:lnRef>
+          <a:fillRef idx="1">
+            <a:schemeClr val="accent1"/>
+          </a:fillRef>
+          <a:effectRef idx="0">
+            <a:schemeClr val="accent1"/>
+          </a:effectRef>
+          <a:fontRef idx="minor">
+            <a:schemeClr val="lt1"/>
+          </a:fontRef>
+        </p:style>
+        <p:txBody>
+          <a:bodyPr rtlCol="0" anchor="ctr"/>
+          <a:lstStyle/>
+          <a:p>
+            <a:pPr algn="ctr"/>
+            <a:r>
+              <a:rPr lang="ko-KR" altLang="en-US" dirty="0" smtClean="0"/>
+              <a:t>로그인</a:t>
+            </a:r>
+            <a:endParaRPr lang="ko-KR" altLang="en-US" dirty="0"/>
+          </a:p>
+        </p:txBody>
+      </p:sp>
+    </p:spTree>
+    <p:extLst>
+      <p:ext uri="{BB962C8B-B14F-4D97-AF65-F5344CB8AC3E}">
+        <p14:creationId xmlns:p14="http://schemas.microsoft.com/office/powerpoint/2010/main" val="1251980015"/>
       </p:ext>
     </p:extLst>
   </p:cSld>
